--- a/_docs/Курс «Java Enterprise Edition».pptx
+++ b/_docs/Курс «Java Enterprise Edition».pptx
@@ -18,6 +18,7 @@
     <p:sldId id="262" r:id="rId11"/>
     <p:sldId id="263" r:id="rId12"/>
     <p:sldId id="264" r:id="rId13"/>
+    <p:sldId id="265" r:id="rId14"/>
   </p:sldIdLst>
   <p:sldSz cx="12192000" cy="6858000"/>
   <p:notesSz cx="6858000" cy="9144000"/>
@@ -43,7 +44,7 @@
       </p:grpSpPr>
       <p:sp>
         <p:nvSpPr>
-          <p:cNvPr id="209" name="PlaceHolder 1"/>
+          <p:cNvPr id="203" name="PlaceHolder 1"/>
           <p:cNvSpPr>
             <a:spLocks noGrp="1"/>
           </p:cNvSpPr>
@@ -63,27 +64,22 @@
         <p:txBody>
           <a:bodyPr lIns="0" rIns="0" tIns="0" bIns="0" anchor="ctr"/>
           <a:p>
+            <a:pPr algn="ctr"/>
             <a:r>
-              <a:rPr b="0" lang="ru-RU" sz="1800" spc="-1" strike="noStrike">
-                <a:solidFill>
-                  <a:srgbClr val="000000"/>
-                </a:solidFill>
-                <a:latin typeface="Century Gothic"/>
+              <a:rPr b="0" lang="ru-RU" sz="4400" spc="-1" strike="noStrike">
+                <a:latin typeface="Arial"/>
               </a:rPr>
               <a:t>Для перемещения страницы щёлкните мышью</a:t>
             </a:r>
-            <a:endParaRPr b="0" lang="ru-RU" sz="1800" spc="-1" strike="noStrike">
-              <a:solidFill>
-                <a:srgbClr val="000000"/>
-              </a:solidFill>
-              <a:latin typeface="Century Gothic"/>
+            <a:endParaRPr b="0" lang="ru-RU" sz="4400" spc="-1" strike="noStrike">
+              <a:latin typeface="Arial"/>
             </a:endParaRPr>
           </a:p>
         </p:txBody>
       </p:sp>
       <p:sp>
         <p:nvSpPr>
-          <p:cNvPr id="210" name="PlaceHolder 2"/>
+          <p:cNvPr id="204" name="PlaceHolder 2"/>
           <p:cNvSpPr>
             <a:spLocks noGrp="1"/>
           </p:cNvSpPr>
@@ -117,7 +113,7 @@
       </p:sp>
       <p:sp>
         <p:nvSpPr>
-          <p:cNvPr id="211" name="PlaceHolder 3"/>
+          <p:cNvPr id="205" name="PlaceHolder 3"/>
           <p:cNvSpPr>
             <a:spLocks noGrp="1"/>
           </p:cNvSpPr>
@@ -151,7 +147,7 @@
       </p:sp>
       <p:sp>
         <p:nvSpPr>
-          <p:cNvPr id="212" name="PlaceHolder 4"/>
+          <p:cNvPr id="206" name="PlaceHolder 4"/>
           <p:cNvSpPr>
             <a:spLocks noGrp="1"/>
           </p:cNvSpPr>
@@ -186,7 +182,7 @@
       </p:sp>
       <p:sp>
         <p:nvSpPr>
-          <p:cNvPr id="213" name="PlaceHolder 5"/>
+          <p:cNvPr id="207" name="PlaceHolder 5"/>
           <p:cNvSpPr>
             <a:spLocks noGrp="1"/>
           </p:cNvSpPr>
@@ -220,7 +216,7 @@
       </p:sp>
       <p:sp>
         <p:nvSpPr>
-          <p:cNvPr id="214" name="PlaceHolder 6"/>
+          <p:cNvPr id="208" name="PlaceHolder 6"/>
           <p:cNvSpPr>
             <a:spLocks noGrp="1"/>
           </p:cNvSpPr>
@@ -241,7 +237,7 @@
           <a:bodyPr lIns="0" rIns="0" tIns="0" bIns="0" anchor="b"/>
           <a:p>
             <a:pPr algn="r"/>
-            <a:fld id="{EA2014CF-576A-4F18-B9E4-9D0BFDED6359}" type="slidenum">
+            <a:fld id="{E11B5637-5C9B-4822-B585-CC8973BE802D}" type="slidenum">
               <a:rPr b="0" lang="ru-RU" sz="1400" spc="-1" strike="noStrike">
                 <a:latin typeface="Times New Roman"/>
               </a:rPr>
@@ -278,7 +274,7 @@
       </p:grpSpPr>
       <p:sp>
         <p:nvSpPr>
-          <p:cNvPr id="249" name="PlaceHolder 1"/>
+          <p:cNvPr id="247" name="PlaceHolder 1"/>
           <p:cNvSpPr>
             <a:spLocks noGrp="1"/>
           </p:cNvSpPr>
@@ -289,16 +285,16 @@
         <p:spPr>
           <a:xfrm>
             <a:off x="685800" y="1143000"/>
-            <a:ext cx="5486040" cy="3085920"/>
-          </a:xfrm>
-          <a:prstGeom prst="rect">
-            <a:avLst/>
-          </a:prstGeom>
-        </p:spPr>
-      </p:sp>
-      <p:sp>
-        <p:nvSpPr>
-          <p:cNvPr id="250" name="PlaceHolder 2"/>
+            <a:ext cx="5485680" cy="3085560"/>
+          </a:xfrm>
+          <a:prstGeom prst="rect">
+            <a:avLst/>
+          </a:prstGeom>
+        </p:spPr>
+      </p:sp>
+      <p:sp>
+        <p:nvSpPr>
+          <p:cNvPr id="248" name="PlaceHolder 2"/>
           <p:cNvSpPr>
             <a:spLocks noGrp="1"/>
           </p:cNvSpPr>
@@ -309,14 +305,14 @@
         <p:spPr>
           <a:xfrm>
             <a:off x="685800" y="4400640"/>
-            <a:ext cx="5486040" cy="3600000"/>
+            <a:ext cx="5485680" cy="3599640"/>
           </a:xfrm>
           <a:prstGeom prst="rect">
             <a:avLst/>
           </a:prstGeom>
         </p:spPr>
         <p:txBody>
-          <a:bodyPr/>
+          <a:bodyPr lIns="0" rIns="0" tIns="0" bIns="0"/>
           <a:p>
             <a:endParaRPr b="0" lang="ru-RU" sz="2000" spc="-1" strike="noStrike">
               <a:latin typeface="Arial"/>
@@ -326,14 +322,14 @@
       </p:sp>
       <p:sp>
         <p:nvSpPr>
-          <p:cNvPr id="251" name="TextShape 3"/>
-          <p:cNvSpPr txBox="1"/>
+          <p:cNvPr id="249" name="CustomShape 3"/>
+          <p:cNvSpPr/>
           <p:nvPr/>
         </p:nvSpPr>
         <p:spPr>
           <a:xfrm>
             <a:off x="3884760" y="8685360"/>
-            <a:ext cx="2971440" cy="458280"/>
+            <a:ext cx="2971080" cy="457920"/>
           </a:xfrm>
           <a:prstGeom prst="rect">
             <a:avLst/>
@@ -343,15 +339,21 @@
             <a:noFill/>
           </a:ln>
         </p:spPr>
+        <p:style>
+          <a:lnRef idx="0"/>
+          <a:fillRef idx="0"/>
+          <a:effectRef idx="0"/>
+          <a:fontRef idx="minor"/>
+        </p:style>
         <p:txBody>
-          <a:bodyPr anchor="b"/>
+          <a:bodyPr lIns="90000" rIns="90000" tIns="45000" bIns="45000" anchor="b"/>
           <a:p>
             <a:pPr algn="r">
               <a:lnSpc>
                 <a:spcPct val="100000"/>
               </a:lnSpc>
             </a:pPr>
-            <a:fld id="{C2C1530F-2E6D-4395-AFBA-A97D6C560E52}" type="slidenum">
+            <a:fld id="{16330A86-092E-4285-AD64-01580C3F9DA4}" type="slidenum">
               <a:rPr b="0" lang="ru-RU" sz="1200" spc="-1" strike="noStrike">
                 <a:solidFill>
                   <a:srgbClr val="000000"/>
@@ -359,10 +361,129 @@
                 <a:latin typeface="+mn-lt"/>
                 <a:ea typeface="+mn-ea"/>
               </a:rPr>
-              <a:t>1</a:t>
+              <a:t>&lt;номер&gt;</a:t>
             </a:fld>
             <a:endParaRPr b="0" lang="ru-RU" sz="1200" spc="-1" strike="noStrike">
-              <a:latin typeface="Times New Roman"/>
+              <a:latin typeface="Arial"/>
+            </a:endParaRPr>
+          </a:p>
+        </p:txBody>
+      </p:sp>
+    </p:spTree>
+  </p:cSld>
+</p:notes>
+</file>
+
+<file path=ppt/notesSlides/notesSlide10.xml><?xml version="1.0" encoding="utf-8"?>
+<p:notes xmlns:a="http://schemas.openxmlformats.org/drawingml/2006/main" xmlns:p="http://schemas.openxmlformats.org/presentationml/2006/main" xmlns:r="http://schemas.openxmlformats.org/officeDocument/2006/relationships" xmlns:p14="http://schemas.microsoft.com/office/powerpoint/2010/main" xmlns:p15="http://schemas.microsoft.com/office/powerpoint/2012/main" xmlns:mc="http://schemas.openxmlformats.org/markup-compatibility/2006">
+  <p:cSld>
+    <p:spTree>
+      <p:nvGrpSpPr>
+        <p:cNvPr id="1" name=""/>
+        <p:cNvGrpSpPr/>
+        <p:nvPr/>
+      </p:nvGrpSpPr>
+      <p:grpSpPr>
+        <a:xfrm>
+          <a:off x="0" y="0"/>
+          <a:ext cx="0" cy="0"/>
+          <a:chOff x="0" y="0"/>
+          <a:chExt cx="0" cy="0"/>
+        </a:xfrm>
+      </p:grpSpPr>
+      <p:sp>
+        <p:nvSpPr>
+          <p:cNvPr id="274" name="PlaceHolder 1"/>
+          <p:cNvSpPr>
+            <a:spLocks noGrp="1"/>
+          </p:cNvSpPr>
+          <p:nvPr>
+            <p:ph type="sldImg"/>
+          </p:nvPr>
+        </p:nvSpPr>
+        <p:spPr>
+          <a:xfrm>
+            <a:off x="685800" y="1143000"/>
+            <a:ext cx="5485680" cy="3085560"/>
+          </a:xfrm>
+          <a:prstGeom prst="rect">
+            <a:avLst/>
+          </a:prstGeom>
+        </p:spPr>
+      </p:sp>
+      <p:sp>
+        <p:nvSpPr>
+          <p:cNvPr id="275" name="PlaceHolder 2"/>
+          <p:cNvSpPr>
+            <a:spLocks noGrp="1"/>
+          </p:cNvSpPr>
+          <p:nvPr>
+            <p:ph type="body"/>
+          </p:nvPr>
+        </p:nvSpPr>
+        <p:spPr>
+          <a:xfrm>
+            <a:off x="685800" y="4400640"/>
+            <a:ext cx="5485680" cy="3599640"/>
+          </a:xfrm>
+          <a:prstGeom prst="rect">
+            <a:avLst/>
+          </a:prstGeom>
+        </p:spPr>
+        <p:txBody>
+          <a:bodyPr lIns="0" rIns="0" tIns="0" bIns="0"/>
+          <a:p>
+            <a:endParaRPr b="0" lang="ru-RU" sz="2000" spc="-1" strike="noStrike">
+              <a:latin typeface="Arial"/>
+            </a:endParaRPr>
+          </a:p>
+        </p:txBody>
+      </p:sp>
+      <p:sp>
+        <p:nvSpPr>
+          <p:cNvPr id="276" name="CustomShape 3"/>
+          <p:cNvSpPr/>
+          <p:nvPr/>
+        </p:nvSpPr>
+        <p:spPr>
+          <a:xfrm>
+            <a:off x="3884760" y="8685360"/>
+            <a:ext cx="2971080" cy="457920"/>
+          </a:xfrm>
+          <a:prstGeom prst="rect">
+            <a:avLst/>
+          </a:prstGeom>
+          <a:noFill/>
+          <a:ln>
+            <a:noFill/>
+          </a:ln>
+        </p:spPr>
+        <p:style>
+          <a:lnRef idx="0"/>
+          <a:fillRef idx="0"/>
+          <a:effectRef idx="0"/>
+          <a:fontRef idx="minor"/>
+        </p:style>
+        <p:txBody>
+          <a:bodyPr lIns="90000" rIns="90000" tIns="45000" bIns="45000" anchor="b"/>
+          <a:p>
+            <a:pPr algn="r">
+              <a:lnSpc>
+                <a:spcPct val="100000"/>
+              </a:lnSpc>
+            </a:pPr>
+            <a:fld id="{FE3270FC-239E-42A4-AA79-0B0C34FFA207}" type="slidenum">
+              <a:rPr b="0" lang="ru-RU" sz="1200" spc="-1" strike="noStrike">
+                <a:solidFill>
+                  <a:srgbClr val="000000"/>
+                </a:solidFill>
+                <a:latin typeface="+mn-lt"/>
+                <a:ea typeface="+mn-ea"/>
+              </a:rPr>
+              <a:t>&lt;номер&gt;</a:t>
+            </a:fld>
+            <a:endParaRPr b="0" lang="ru-RU" sz="1200" spc="-1" strike="noStrike">
+              <a:latin typeface="Arial"/>
             </a:endParaRPr>
           </a:p>
         </p:txBody>
@@ -391,7 +512,7 @@
       </p:grpSpPr>
       <p:sp>
         <p:nvSpPr>
-          <p:cNvPr id="252" name="PlaceHolder 1"/>
+          <p:cNvPr id="250" name="PlaceHolder 1"/>
           <p:cNvSpPr>
             <a:spLocks noGrp="1"/>
           </p:cNvSpPr>
@@ -402,16 +523,16 @@
         <p:spPr>
           <a:xfrm>
             <a:off x="685800" y="1143000"/>
-            <a:ext cx="5486040" cy="3085920"/>
-          </a:xfrm>
-          <a:prstGeom prst="rect">
-            <a:avLst/>
-          </a:prstGeom>
-        </p:spPr>
-      </p:sp>
-      <p:sp>
-        <p:nvSpPr>
-          <p:cNvPr id="253" name="PlaceHolder 2"/>
+            <a:ext cx="5485680" cy="3085560"/>
+          </a:xfrm>
+          <a:prstGeom prst="rect">
+            <a:avLst/>
+          </a:prstGeom>
+        </p:spPr>
+      </p:sp>
+      <p:sp>
+        <p:nvSpPr>
+          <p:cNvPr id="251" name="PlaceHolder 2"/>
           <p:cNvSpPr>
             <a:spLocks noGrp="1"/>
           </p:cNvSpPr>
@@ -422,14 +543,14 @@
         <p:spPr>
           <a:xfrm>
             <a:off x="685800" y="4400640"/>
-            <a:ext cx="5486040" cy="3600000"/>
+            <a:ext cx="5485680" cy="3599640"/>
           </a:xfrm>
           <a:prstGeom prst="rect">
             <a:avLst/>
           </a:prstGeom>
         </p:spPr>
         <p:txBody>
-          <a:bodyPr/>
+          <a:bodyPr lIns="0" rIns="0" tIns="0" bIns="0"/>
           <a:p>
             <a:endParaRPr b="0" lang="ru-RU" sz="2000" spc="-1" strike="noStrike">
               <a:latin typeface="Arial"/>
@@ -439,14 +560,14 @@
       </p:sp>
       <p:sp>
         <p:nvSpPr>
-          <p:cNvPr id="254" name="TextShape 3"/>
-          <p:cNvSpPr txBox="1"/>
+          <p:cNvPr id="252" name="CustomShape 3"/>
+          <p:cNvSpPr/>
           <p:nvPr/>
         </p:nvSpPr>
         <p:spPr>
           <a:xfrm>
             <a:off x="3884760" y="8685360"/>
-            <a:ext cx="2971440" cy="458280"/>
+            <a:ext cx="2971080" cy="457920"/>
           </a:xfrm>
           <a:prstGeom prst="rect">
             <a:avLst/>
@@ -456,15 +577,21 @@
             <a:noFill/>
           </a:ln>
         </p:spPr>
+        <p:style>
+          <a:lnRef idx="0"/>
+          <a:fillRef idx="0"/>
+          <a:effectRef idx="0"/>
+          <a:fontRef idx="minor"/>
+        </p:style>
         <p:txBody>
-          <a:bodyPr anchor="b"/>
+          <a:bodyPr lIns="90000" rIns="90000" tIns="45000" bIns="45000" anchor="b"/>
           <a:p>
             <a:pPr algn="r">
               <a:lnSpc>
                 <a:spcPct val="100000"/>
               </a:lnSpc>
             </a:pPr>
-            <a:fld id="{2597AD28-1AEC-440A-9C19-784251C47788}" type="slidenum">
+            <a:fld id="{4CE63EB6-91D4-44BE-9AF2-B87CFF0B9040}" type="slidenum">
               <a:rPr b="0" lang="ru-RU" sz="1200" spc="-1" strike="noStrike">
                 <a:solidFill>
                   <a:srgbClr val="000000"/>
@@ -472,10 +599,10 @@
                 <a:latin typeface="+mn-lt"/>
                 <a:ea typeface="+mn-ea"/>
               </a:rPr>
-              <a:t>1</a:t>
+              <a:t>&lt;номер&gt;</a:t>
             </a:fld>
             <a:endParaRPr b="0" lang="ru-RU" sz="1200" spc="-1" strike="noStrike">
-              <a:latin typeface="Times New Roman"/>
+              <a:latin typeface="Arial"/>
             </a:endParaRPr>
           </a:p>
         </p:txBody>
@@ -504,7 +631,7 @@
       </p:grpSpPr>
       <p:sp>
         <p:nvSpPr>
-          <p:cNvPr id="255" name="PlaceHolder 1"/>
+          <p:cNvPr id="253" name="PlaceHolder 1"/>
           <p:cNvSpPr>
             <a:spLocks noGrp="1"/>
           </p:cNvSpPr>
@@ -515,16 +642,16 @@
         <p:spPr>
           <a:xfrm>
             <a:off x="685800" y="1143000"/>
-            <a:ext cx="5486040" cy="3085920"/>
-          </a:xfrm>
-          <a:prstGeom prst="rect">
-            <a:avLst/>
-          </a:prstGeom>
-        </p:spPr>
-      </p:sp>
-      <p:sp>
-        <p:nvSpPr>
-          <p:cNvPr id="256" name="PlaceHolder 2"/>
+            <a:ext cx="5485680" cy="3085560"/>
+          </a:xfrm>
+          <a:prstGeom prst="rect">
+            <a:avLst/>
+          </a:prstGeom>
+        </p:spPr>
+      </p:sp>
+      <p:sp>
+        <p:nvSpPr>
+          <p:cNvPr id="254" name="PlaceHolder 2"/>
           <p:cNvSpPr>
             <a:spLocks noGrp="1"/>
           </p:cNvSpPr>
@@ -535,14 +662,14 @@
         <p:spPr>
           <a:xfrm>
             <a:off x="685800" y="4400640"/>
-            <a:ext cx="5486040" cy="3600000"/>
+            <a:ext cx="5485680" cy="3599640"/>
           </a:xfrm>
           <a:prstGeom prst="rect">
             <a:avLst/>
           </a:prstGeom>
         </p:spPr>
         <p:txBody>
-          <a:bodyPr/>
+          <a:bodyPr lIns="0" rIns="0" tIns="0" bIns="0"/>
           <a:p>
             <a:endParaRPr b="0" lang="ru-RU" sz="2000" spc="-1" strike="noStrike">
               <a:latin typeface="Arial"/>
@@ -552,14 +679,14 @@
       </p:sp>
       <p:sp>
         <p:nvSpPr>
-          <p:cNvPr id="257" name="TextShape 3"/>
-          <p:cNvSpPr txBox="1"/>
+          <p:cNvPr id="255" name="CustomShape 3"/>
+          <p:cNvSpPr/>
           <p:nvPr/>
         </p:nvSpPr>
         <p:spPr>
           <a:xfrm>
             <a:off x="3884760" y="8685360"/>
-            <a:ext cx="2971440" cy="458280"/>
+            <a:ext cx="2971080" cy="457920"/>
           </a:xfrm>
           <a:prstGeom prst="rect">
             <a:avLst/>
@@ -569,15 +696,21 @@
             <a:noFill/>
           </a:ln>
         </p:spPr>
+        <p:style>
+          <a:lnRef idx="0"/>
+          <a:fillRef idx="0"/>
+          <a:effectRef idx="0"/>
+          <a:fontRef idx="minor"/>
+        </p:style>
         <p:txBody>
-          <a:bodyPr anchor="b"/>
+          <a:bodyPr lIns="90000" rIns="90000" tIns="45000" bIns="45000" anchor="b"/>
           <a:p>
             <a:pPr algn="r">
               <a:lnSpc>
                 <a:spcPct val="100000"/>
               </a:lnSpc>
             </a:pPr>
-            <a:fld id="{3719C3D8-9A71-458B-B1B0-9042B184FBE4}" type="slidenum">
+            <a:fld id="{20D629A9-5221-414F-8D45-DC650DE3D168}" type="slidenum">
               <a:rPr b="0" lang="ru-RU" sz="1200" spc="-1" strike="noStrike">
                 <a:solidFill>
                   <a:srgbClr val="000000"/>
@@ -585,10 +718,10 @@
                 <a:latin typeface="+mn-lt"/>
                 <a:ea typeface="+mn-ea"/>
               </a:rPr>
-              <a:t>1</a:t>
+              <a:t>&lt;номер&gt;</a:t>
             </a:fld>
             <a:endParaRPr b="0" lang="ru-RU" sz="1200" spc="-1" strike="noStrike">
-              <a:latin typeface="Times New Roman"/>
+              <a:latin typeface="Arial"/>
             </a:endParaRPr>
           </a:p>
         </p:txBody>
@@ -617,7 +750,7 @@
       </p:grpSpPr>
       <p:sp>
         <p:nvSpPr>
-          <p:cNvPr id="258" name="PlaceHolder 1"/>
+          <p:cNvPr id="256" name="PlaceHolder 1"/>
           <p:cNvSpPr>
             <a:spLocks noGrp="1"/>
           </p:cNvSpPr>
@@ -628,16 +761,16 @@
         <p:spPr>
           <a:xfrm>
             <a:off x="685800" y="1143000"/>
-            <a:ext cx="5486040" cy="3085920"/>
-          </a:xfrm>
-          <a:prstGeom prst="rect">
-            <a:avLst/>
-          </a:prstGeom>
-        </p:spPr>
-      </p:sp>
-      <p:sp>
-        <p:nvSpPr>
-          <p:cNvPr id="259" name="PlaceHolder 2"/>
+            <a:ext cx="5485680" cy="3085560"/>
+          </a:xfrm>
+          <a:prstGeom prst="rect">
+            <a:avLst/>
+          </a:prstGeom>
+        </p:spPr>
+      </p:sp>
+      <p:sp>
+        <p:nvSpPr>
+          <p:cNvPr id="257" name="PlaceHolder 2"/>
           <p:cNvSpPr>
             <a:spLocks noGrp="1"/>
           </p:cNvSpPr>
@@ -648,14 +781,14 @@
         <p:spPr>
           <a:xfrm>
             <a:off x="685800" y="4400640"/>
-            <a:ext cx="5486040" cy="3600000"/>
+            <a:ext cx="5485680" cy="3599640"/>
           </a:xfrm>
           <a:prstGeom prst="rect">
             <a:avLst/>
           </a:prstGeom>
         </p:spPr>
         <p:txBody>
-          <a:bodyPr/>
+          <a:bodyPr lIns="0" rIns="0" tIns="0" bIns="0"/>
           <a:p>
             <a:endParaRPr b="0" lang="ru-RU" sz="2000" spc="-1" strike="noStrike">
               <a:latin typeface="Arial"/>
@@ -665,14 +798,14 @@
       </p:sp>
       <p:sp>
         <p:nvSpPr>
-          <p:cNvPr id="260" name="TextShape 3"/>
-          <p:cNvSpPr txBox="1"/>
+          <p:cNvPr id="258" name="CustomShape 3"/>
+          <p:cNvSpPr/>
           <p:nvPr/>
         </p:nvSpPr>
         <p:spPr>
           <a:xfrm>
             <a:off x="3884760" y="8685360"/>
-            <a:ext cx="2971440" cy="458280"/>
+            <a:ext cx="2971080" cy="457920"/>
           </a:xfrm>
           <a:prstGeom prst="rect">
             <a:avLst/>
@@ -682,15 +815,21 @@
             <a:noFill/>
           </a:ln>
         </p:spPr>
+        <p:style>
+          <a:lnRef idx="0"/>
+          <a:fillRef idx="0"/>
+          <a:effectRef idx="0"/>
+          <a:fontRef idx="minor"/>
+        </p:style>
         <p:txBody>
-          <a:bodyPr anchor="b"/>
+          <a:bodyPr lIns="90000" rIns="90000" tIns="45000" bIns="45000" anchor="b"/>
           <a:p>
             <a:pPr algn="r">
               <a:lnSpc>
                 <a:spcPct val="100000"/>
               </a:lnSpc>
             </a:pPr>
-            <a:fld id="{350A632C-8E04-43F8-9B0E-9C98458766F7}" type="slidenum">
+            <a:fld id="{A1692B2B-7076-46AF-98FD-1D605D65AB4C}" type="slidenum">
               <a:rPr b="0" lang="ru-RU" sz="1200" spc="-1" strike="noStrike">
                 <a:solidFill>
                   <a:srgbClr val="000000"/>
@@ -698,10 +837,10 @@
                 <a:latin typeface="+mn-lt"/>
                 <a:ea typeface="+mn-ea"/>
               </a:rPr>
-              <a:t>1</a:t>
+              <a:t>&lt;номер&gt;</a:t>
             </a:fld>
             <a:endParaRPr b="0" lang="ru-RU" sz="1200" spc="-1" strike="noStrike">
-              <a:latin typeface="Times New Roman"/>
+              <a:latin typeface="Arial"/>
             </a:endParaRPr>
           </a:p>
         </p:txBody>
@@ -730,7 +869,7 @@
       </p:grpSpPr>
       <p:sp>
         <p:nvSpPr>
-          <p:cNvPr id="261" name="PlaceHolder 1"/>
+          <p:cNvPr id="259" name="PlaceHolder 1"/>
           <p:cNvSpPr>
             <a:spLocks noGrp="1"/>
           </p:cNvSpPr>
@@ -741,16 +880,16 @@
         <p:spPr>
           <a:xfrm>
             <a:off x="685800" y="1143000"/>
-            <a:ext cx="5486040" cy="3085920"/>
-          </a:xfrm>
-          <a:prstGeom prst="rect">
-            <a:avLst/>
-          </a:prstGeom>
-        </p:spPr>
-      </p:sp>
-      <p:sp>
-        <p:nvSpPr>
-          <p:cNvPr id="262" name="PlaceHolder 2"/>
+            <a:ext cx="5485680" cy="3085560"/>
+          </a:xfrm>
+          <a:prstGeom prst="rect">
+            <a:avLst/>
+          </a:prstGeom>
+        </p:spPr>
+      </p:sp>
+      <p:sp>
+        <p:nvSpPr>
+          <p:cNvPr id="260" name="PlaceHolder 2"/>
           <p:cNvSpPr>
             <a:spLocks noGrp="1"/>
           </p:cNvSpPr>
@@ -761,14 +900,14 @@
         <p:spPr>
           <a:xfrm>
             <a:off x="685800" y="4400640"/>
-            <a:ext cx="5486040" cy="3600000"/>
+            <a:ext cx="5485680" cy="3599640"/>
           </a:xfrm>
           <a:prstGeom prst="rect">
             <a:avLst/>
           </a:prstGeom>
         </p:spPr>
         <p:txBody>
-          <a:bodyPr/>
+          <a:bodyPr lIns="0" rIns="0" tIns="0" bIns="0"/>
           <a:p>
             <a:endParaRPr b="0" lang="ru-RU" sz="2000" spc="-1" strike="noStrike">
               <a:latin typeface="Arial"/>
@@ -778,14 +917,14 @@
       </p:sp>
       <p:sp>
         <p:nvSpPr>
-          <p:cNvPr id="263" name="TextShape 3"/>
-          <p:cNvSpPr txBox="1"/>
+          <p:cNvPr id="261" name="CustomShape 3"/>
+          <p:cNvSpPr/>
           <p:nvPr/>
         </p:nvSpPr>
         <p:spPr>
           <a:xfrm>
             <a:off x="3884760" y="8685360"/>
-            <a:ext cx="2971440" cy="458280"/>
+            <a:ext cx="2971080" cy="457920"/>
           </a:xfrm>
           <a:prstGeom prst="rect">
             <a:avLst/>
@@ -795,15 +934,21 @@
             <a:noFill/>
           </a:ln>
         </p:spPr>
+        <p:style>
+          <a:lnRef idx="0"/>
+          <a:fillRef idx="0"/>
+          <a:effectRef idx="0"/>
+          <a:fontRef idx="minor"/>
+        </p:style>
         <p:txBody>
-          <a:bodyPr anchor="b"/>
+          <a:bodyPr lIns="90000" rIns="90000" tIns="45000" bIns="45000" anchor="b"/>
           <a:p>
             <a:pPr algn="r">
               <a:lnSpc>
                 <a:spcPct val="100000"/>
               </a:lnSpc>
             </a:pPr>
-            <a:fld id="{AC3E46AA-2BE5-4196-882C-A1616078CB45}" type="slidenum">
+            <a:fld id="{5CFEDAD0-5881-4FBF-A7D1-A302039D45BE}" type="slidenum">
               <a:rPr b="0" lang="ru-RU" sz="1200" spc="-1" strike="noStrike">
                 <a:solidFill>
                   <a:srgbClr val="000000"/>
@@ -811,10 +956,10 @@
                 <a:latin typeface="+mn-lt"/>
                 <a:ea typeface="+mn-ea"/>
               </a:rPr>
-              <a:t>1</a:t>
+              <a:t>&lt;номер&gt;</a:t>
             </a:fld>
             <a:endParaRPr b="0" lang="ru-RU" sz="1200" spc="-1" strike="noStrike">
-              <a:latin typeface="Times New Roman"/>
+              <a:latin typeface="Arial"/>
             </a:endParaRPr>
           </a:p>
         </p:txBody>
@@ -843,7 +988,7 @@
       </p:grpSpPr>
       <p:sp>
         <p:nvSpPr>
-          <p:cNvPr id="264" name="PlaceHolder 1"/>
+          <p:cNvPr id="262" name="PlaceHolder 1"/>
           <p:cNvSpPr>
             <a:spLocks noGrp="1"/>
           </p:cNvSpPr>
@@ -854,16 +999,16 @@
         <p:spPr>
           <a:xfrm>
             <a:off x="685800" y="1143000"/>
-            <a:ext cx="5486040" cy="3085920"/>
-          </a:xfrm>
-          <a:prstGeom prst="rect">
-            <a:avLst/>
-          </a:prstGeom>
-        </p:spPr>
-      </p:sp>
-      <p:sp>
-        <p:nvSpPr>
-          <p:cNvPr id="265" name="PlaceHolder 2"/>
+            <a:ext cx="5485680" cy="3085560"/>
+          </a:xfrm>
+          <a:prstGeom prst="rect">
+            <a:avLst/>
+          </a:prstGeom>
+        </p:spPr>
+      </p:sp>
+      <p:sp>
+        <p:nvSpPr>
+          <p:cNvPr id="263" name="PlaceHolder 2"/>
           <p:cNvSpPr>
             <a:spLocks noGrp="1"/>
           </p:cNvSpPr>
@@ -874,14 +1019,14 @@
         <p:spPr>
           <a:xfrm>
             <a:off x="685800" y="4400640"/>
-            <a:ext cx="5486040" cy="3600000"/>
+            <a:ext cx="5485680" cy="3599640"/>
           </a:xfrm>
           <a:prstGeom prst="rect">
             <a:avLst/>
           </a:prstGeom>
         </p:spPr>
         <p:txBody>
-          <a:bodyPr/>
+          <a:bodyPr lIns="0" rIns="0" tIns="0" bIns="0"/>
           <a:p>
             <a:endParaRPr b="0" lang="ru-RU" sz="2000" spc="-1" strike="noStrike">
               <a:latin typeface="Arial"/>
@@ -891,14 +1036,14 @@
       </p:sp>
       <p:sp>
         <p:nvSpPr>
-          <p:cNvPr id="266" name="TextShape 3"/>
-          <p:cNvSpPr txBox="1"/>
+          <p:cNvPr id="264" name="CustomShape 3"/>
+          <p:cNvSpPr/>
           <p:nvPr/>
         </p:nvSpPr>
         <p:spPr>
           <a:xfrm>
             <a:off x="3884760" y="8685360"/>
-            <a:ext cx="2971440" cy="458280"/>
+            <a:ext cx="2971080" cy="457920"/>
           </a:xfrm>
           <a:prstGeom prst="rect">
             <a:avLst/>
@@ -908,15 +1053,21 @@
             <a:noFill/>
           </a:ln>
         </p:spPr>
+        <p:style>
+          <a:lnRef idx="0"/>
+          <a:fillRef idx="0"/>
+          <a:effectRef idx="0"/>
+          <a:fontRef idx="minor"/>
+        </p:style>
         <p:txBody>
-          <a:bodyPr anchor="b"/>
+          <a:bodyPr lIns="90000" rIns="90000" tIns="45000" bIns="45000" anchor="b"/>
           <a:p>
             <a:pPr algn="r">
               <a:lnSpc>
                 <a:spcPct val="100000"/>
               </a:lnSpc>
             </a:pPr>
-            <a:fld id="{34A1BAC5-CFBA-499F-84F1-EEC7771F4022}" type="slidenum">
+            <a:fld id="{4DF2B052-A865-49D4-A1B4-CD5E7F83DFD3}" type="slidenum">
               <a:rPr b="0" lang="ru-RU" sz="1200" spc="-1" strike="noStrike">
                 <a:solidFill>
                   <a:srgbClr val="000000"/>
@@ -924,10 +1075,10 @@
                 <a:latin typeface="+mn-lt"/>
                 <a:ea typeface="+mn-ea"/>
               </a:rPr>
-              <a:t>1</a:t>
+              <a:t>&lt;номер&gt;</a:t>
             </a:fld>
             <a:endParaRPr b="0" lang="ru-RU" sz="1200" spc="-1" strike="noStrike">
-              <a:latin typeface="Times New Roman"/>
+              <a:latin typeface="Arial"/>
             </a:endParaRPr>
           </a:p>
         </p:txBody>
@@ -956,7 +1107,7 @@
       </p:grpSpPr>
       <p:sp>
         <p:nvSpPr>
-          <p:cNvPr id="267" name="PlaceHolder 1"/>
+          <p:cNvPr id="265" name="PlaceHolder 1"/>
           <p:cNvSpPr>
             <a:spLocks noGrp="1"/>
           </p:cNvSpPr>
@@ -967,16 +1118,16 @@
         <p:spPr>
           <a:xfrm>
             <a:off x="685800" y="1143000"/>
-            <a:ext cx="5486040" cy="3085920"/>
-          </a:xfrm>
-          <a:prstGeom prst="rect">
-            <a:avLst/>
-          </a:prstGeom>
-        </p:spPr>
-      </p:sp>
-      <p:sp>
-        <p:nvSpPr>
-          <p:cNvPr id="268" name="PlaceHolder 2"/>
+            <a:ext cx="5485680" cy="3085560"/>
+          </a:xfrm>
+          <a:prstGeom prst="rect">
+            <a:avLst/>
+          </a:prstGeom>
+        </p:spPr>
+      </p:sp>
+      <p:sp>
+        <p:nvSpPr>
+          <p:cNvPr id="266" name="PlaceHolder 2"/>
           <p:cNvSpPr>
             <a:spLocks noGrp="1"/>
           </p:cNvSpPr>
@@ -987,14 +1138,14 @@
         <p:spPr>
           <a:xfrm>
             <a:off x="685800" y="4400640"/>
-            <a:ext cx="5486040" cy="3600000"/>
+            <a:ext cx="5485680" cy="3599640"/>
           </a:xfrm>
           <a:prstGeom prst="rect">
             <a:avLst/>
           </a:prstGeom>
         </p:spPr>
         <p:txBody>
-          <a:bodyPr/>
+          <a:bodyPr lIns="0" rIns="0" tIns="0" bIns="0"/>
           <a:p>
             <a:endParaRPr b="0" lang="ru-RU" sz="2000" spc="-1" strike="noStrike">
               <a:latin typeface="Arial"/>
@@ -1004,14 +1155,14 @@
       </p:sp>
       <p:sp>
         <p:nvSpPr>
-          <p:cNvPr id="269" name="TextShape 3"/>
-          <p:cNvSpPr txBox="1"/>
+          <p:cNvPr id="267" name="CustomShape 3"/>
+          <p:cNvSpPr/>
           <p:nvPr/>
         </p:nvSpPr>
         <p:spPr>
           <a:xfrm>
             <a:off x="3884760" y="8685360"/>
-            <a:ext cx="2971440" cy="458280"/>
+            <a:ext cx="2971080" cy="457920"/>
           </a:xfrm>
           <a:prstGeom prst="rect">
             <a:avLst/>
@@ -1021,15 +1172,21 @@
             <a:noFill/>
           </a:ln>
         </p:spPr>
+        <p:style>
+          <a:lnRef idx="0"/>
+          <a:fillRef idx="0"/>
+          <a:effectRef idx="0"/>
+          <a:fontRef idx="minor"/>
+        </p:style>
         <p:txBody>
-          <a:bodyPr anchor="b"/>
+          <a:bodyPr lIns="90000" rIns="90000" tIns="45000" bIns="45000" anchor="b"/>
           <a:p>
             <a:pPr algn="r">
               <a:lnSpc>
                 <a:spcPct val="100000"/>
               </a:lnSpc>
             </a:pPr>
-            <a:fld id="{AAFD081C-2F31-43FD-AE50-333A105E1E1E}" type="slidenum">
+            <a:fld id="{FE11A97F-EEFF-46BE-AFFB-8485F9B77FA4}" type="slidenum">
               <a:rPr b="0" lang="ru-RU" sz="1200" spc="-1" strike="noStrike">
                 <a:solidFill>
                   <a:srgbClr val="000000"/>
@@ -1037,10 +1194,10 @@
                 <a:latin typeface="+mn-lt"/>
                 <a:ea typeface="+mn-ea"/>
               </a:rPr>
-              <a:t>1</a:t>
+              <a:t>&lt;номер&gt;</a:t>
             </a:fld>
             <a:endParaRPr b="0" lang="ru-RU" sz="1200" spc="-1" strike="noStrike">
-              <a:latin typeface="Times New Roman"/>
+              <a:latin typeface="Arial"/>
             </a:endParaRPr>
           </a:p>
         </p:txBody>
@@ -1069,7 +1226,7 @@
       </p:grpSpPr>
       <p:sp>
         <p:nvSpPr>
-          <p:cNvPr id="270" name="PlaceHolder 1"/>
+          <p:cNvPr id="268" name="PlaceHolder 1"/>
           <p:cNvSpPr>
             <a:spLocks noGrp="1"/>
           </p:cNvSpPr>
@@ -1080,16 +1237,16 @@
         <p:spPr>
           <a:xfrm>
             <a:off x="685800" y="1143000"/>
-            <a:ext cx="5486040" cy="3085920"/>
-          </a:xfrm>
-          <a:prstGeom prst="rect">
-            <a:avLst/>
-          </a:prstGeom>
-        </p:spPr>
-      </p:sp>
-      <p:sp>
-        <p:nvSpPr>
-          <p:cNvPr id="271" name="PlaceHolder 2"/>
+            <a:ext cx="5485680" cy="3085560"/>
+          </a:xfrm>
+          <a:prstGeom prst="rect">
+            <a:avLst/>
+          </a:prstGeom>
+        </p:spPr>
+      </p:sp>
+      <p:sp>
+        <p:nvSpPr>
+          <p:cNvPr id="269" name="PlaceHolder 2"/>
           <p:cNvSpPr>
             <a:spLocks noGrp="1"/>
           </p:cNvSpPr>
@@ -1100,14 +1257,14 @@
         <p:spPr>
           <a:xfrm>
             <a:off x="685800" y="4400640"/>
-            <a:ext cx="5486040" cy="3600000"/>
+            <a:ext cx="5485680" cy="3599640"/>
           </a:xfrm>
           <a:prstGeom prst="rect">
             <a:avLst/>
           </a:prstGeom>
         </p:spPr>
         <p:txBody>
-          <a:bodyPr/>
+          <a:bodyPr lIns="0" rIns="0" tIns="0" bIns="0"/>
           <a:p>
             <a:endParaRPr b="0" lang="ru-RU" sz="2000" spc="-1" strike="noStrike">
               <a:latin typeface="Arial"/>
@@ -1117,14 +1274,14 @@
       </p:sp>
       <p:sp>
         <p:nvSpPr>
-          <p:cNvPr id="272" name="TextShape 3"/>
-          <p:cNvSpPr txBox="1"/>
+          <p:cNvPr id="270" name="CustomShape 3"/>
+          <p:cNvSpPr/>
           <p:nvPr/>
         </p:nvSpPr>
         <p:spPr>
           <a:xfrm>
             <a:off x="3884760" y="8685360"/>
-            <a:ext cx="2971440" cy="458280"/>
+            <a:ext cx="2971080" cy="457920"/>
           </a:xfrm>
           <a:prstGeom prst="rect">
             <a:avLst/>
@@ -1134,15 +1291,21 @@
             <a:noFill/>
           </a:ln>
         </p:spPr>
+        <p:style>
+          <a:lnRef idx="0"/>
+          <a:fillRef idx="0"/>
+          <a:effectRef idx="0"/>
+          <a:fontRef idx="minor"/>
+        </p:style>
         <p:txBody>
-          <a:bodyPr anchor="b"/>
+          <a:bodyPr lIns="90000" rIns="90000" tIns="45000" bIns="45000" anchor="b"/>
           <a:p>
             <a:pPr algn="r">
               <a:lnSpc>
                 <a:spcPct val="100000"/>
               </a:lnSpc>
             </a:pPr>
-            <a:fld id="{04B5DE33-2759-4E66-8FE8-4E218F84BE32}" type="slidenum">
+            <a:fld id="{5B1EAE1B-69CA-46FE-9463-6292FD7DACBC}" type="slidenum">
               <a:rPr b="0" lang="ru-RU" sz="1200" spc="-1" strike="noStrike">
                 <a:solidFill>
                   <a:srgbClr val="000000"/>
@@ -1153,7 +1316,7 @@
               <a:t>&lt;номер&gt;</a:t>
             </a:fld>
             <a:endParaRPr b="0" lang="ru-RU" sz="1200" spc="-1" strike="noStrike">
-              <a:latin typeface="Times New Roman"/>
+              <a:latin typeface="Arial"/>
             </a:endParaRPr>
           </a:p>
         </p:txBody>
@@ -1182,7 +1345,7 @@
       </p:grpSpPr>
       <p:sp>
         <p:nvSpPr>
-          <p:cNvPr id="273" name="PlaceHolder 1"/>
+          <p:cNvPr id="271" name="PlaceHolder 1"/>
           <p:cNvSpPr>
             <a:spLocks noGrp="1"/>
           </p:cNvSpPr>
@@ -1193,16 +1356,16 @@
         <p:spPr>
           <a:xfrm>
             <a:off x="685800" y="1143000"/>
-            <a:ext cx="5486040" cy="3085920"/>
-          </a:xfrm>
-          <a:prstGeom prst="rect">
-            <a:avLst/>
-          </a:prstGeom>
-        </p:spPr>
-      </p:sp>
-      <p:sp>
-        <p:nvSpPr>
-          <p:cNvPr id="274" name="PlaceHolder 2"/>
+            <a:ext cx="5485680" cy="3085560"/>
+          </a:xfrm>
+          <a:prstGeom prst="rect">
+            <a:avLst/>
+          </a:prstGeom>
+        </p:spPr>
+      </p:sp>
+      <p:sp>
+        <p:nvSpPr>
+          <p:cNvPr id="272" name="PlaceHolder 2"/>
           <p:cNvSpPr>
             <a:spLocks noGrp="1"/>
           </p:cNvSpPr>
@@ -1213,14 +1376,14 @@
         <p:spPr>
           <a:xfrm>
             <a:off x="685800" y="4400640"/>
-            <a:ext cx="5486040" cy="3600000"/>
+            <a:ext cx="5485680" cy="3599640"/>
           </a:xfrm>
           <a:prstGeom prst="rect">
             <a:avLst/>
           </a:prstGeom>
         </p:spPr>
         <p:txBody>
-          <a:bodyPr/>
+          <a:bodyPr lIns="0" rIns="0" tIns="0" bIns="0"/>
           <a:p>
             <a:endParaRPr b="0" lang="ru-RU" sz="2000" spc="-1" strike="noStrike">
               <a:latin typeface="Arial"/>
@@ -1230,14 +1393,14 @@
       </p:sp>
       <p:sp>
         <p:nvSpPr>
-          <p:cNvPr id="275" name="TextShape 3"/>
-          <p:cNvSpPr txBox="1"/>
+          <p:cNvPr id="273" name="CustomShape 3"/>
+          <p:cNvSpPr/>
           <p:nvPr/>
         </p:nvSpPr>
         <p:spPr>
           <a:xfrm>
             <a:off x="3884760" y="8685360"/>
-            <a:ext cx="2971440" cy="458280"/>
+            <a:ext cx="2971080" cy="457920"/>
           </a:xfrm>
           <a:prstGeom prst="rect">
             <a:avLst/>
@@ -1247,15 +1410,21 @@
             <a:noFill/>
           </a:ln>
         </p:spPr>
+        <p:style>
+          <a:lnRef idx="0"/>
+          <a:fillRef idx="0"/>
+          <a:effectRef idx="0"/>
+          <a:fontRef idx="minor"/>
+        </p:style>
         <p:txBody>
-          <a:bodyPr anchor="b"/>
+          <a:bodyPr lIns="90000" rIns="90000" tIns="45000" bIns="45000" anchor="b"/>
           <a:p>
             <a:pPr algn="r">
               <a:lnSpc>
                 <a:spcPct val="100000"/>
               </a:lnSpc>
             </a:pPr>
-            <a:fld id="{3099C108-7296-4C69-9D20-7EED6C6BDDFA}" type="slidenum">
+            <a:fld id="{71EEB0E7-6791-494F-AA47-770EA8194B7E}" type="slidenum">
               <a:rPr b="0" lang="ru-RU" sz="1200" spc="-1" strike="noStrike">
                 <a:solidFill>
                   <a:srgbClr val="000000"/>
@@ -1266,7 +1435,7 @@
               <a:t>&lt;номер&gt;</a:t>
             </a:fld>
             <a:endParaRPr b="0" lang="ru-RU" sz="1200" spc="-1" strike="noStrike">
-              <a:latin typeface="Times New Roman"/>
+              <a:latin typeface="Arial"/>
             </a:endParaRPr>
           </a:p>
         </p:txBody>
@@ -1317,7 +1486,7 @@
       </p:grpSpPr>
       <p:sp>
         <p:nvSpPr>
-          <p:cNvPr id="111" name="PlaceHolder 1"/>
+          <p:cNvPr id="108" name="PlaceHolder 1"/>
           <p:cNvSpPr>
             <a:spLocks noGrp="1"/>
           </p:cNvSpPr>
@@ -1327,8 +1496,8 @@
         </p:nvSpPr>
         <p:spPr>
           <a:xfrm>
-            <a:off x="1391400" y="1027800"/>
-            <a:ext cx="9366120" cy="1142640"/>
+            <a:off x="609480" y="221040"/>
+            <a:ext cx="10972440" cy="1250280"/>
           </a:xfrm>
           <a:prstGeom prst="rect">
             <a:avLst/>
@@ -1337,18 +1506,16 @@
         <p:txBody>
           <a:bodyPr lIns="0" rIns="0" tIns="0" bIns="0" anchor="ctr"/>
           <a:p>
-            <a:endParaRPr b="0" lang="ru-RU" sz="1800" spc="-1" strike="noStrike">
-              <a:solidFill>
-                <a:srgbClr val="000000"/>
-              </a:solidFill>
-              <a:latin typeface="Century Gothic"/>
+            <a:pPr algn="ctr"/>
+            <a:endParaRPr b="0" lang="ru-RU" sz="4400" spc="-1" strike="noStrike">
+              <a:latin typeface="Arial"/>
             </a:endParaRPr>
           </a:p>
         </p:txBody>
       </p:sp>
       <p:sp>
         <p:nvSpPr>
-          <p:cNvPr id="112" name="PlaceHolder 2"/>
+          <p:cNvPr id="109" name="PlaceHolder 2"/>
           <p:cNvSpPr>
             <a:spLocks noGrp="1"/>
           </p:cNvSpPr>
@@ -1358,8 +1525,8 @@
         </p:nvSpPr>
         <p:spPr>
           <a:xfrm>
-            <a:off x="1391400" y="2323800"/>
-            <a:ext cx="9390600" cy="1673280"/>
+            <a:off x="609480" y="1604520"/>
+            <a:ext cx="10972440" cy="1896840"/>
           </a:xfrm>
           <a:prstGeom prst="rect">
             <a:avLst/>
@@ -1370,18 +1537,15 @@
             <a:normAutofit/>
           </a:bodyPr>
           <a:p>
-            <a:endParaRPr b="0" lang="ru-RU" sz="2400" spc="-1" strike="noStrike">
-              <a:solidFill>
-                <a:srgbClr val="4e3b30"/>
-              </a:solidFill>
-              <a:latin typeface="Century Gothic"/>
+            <a:endParaRPr b="0" lang="ru-RU" sz="3200" spc="-1" strike="noStrike">
+              <a:latin typeface="Arial"/>
             </a:endParaRPr>
           </a:p>
         </p:txBody>
       </p:sp>
       <p:sp>
         <p:nvSpPr>
-          <p:cNvPr id="113" name="PlaceHolder 3"/>
+          <p:cNvPr id="110" name="PlaceHolder 3"/>
           <p:cNvSpPr>
             <a:spLocks noGrp="1"/>
           </p:cNvSpPr>
@@ -1391,8 +1555,8 @@
         </p:nvSpPr>
         <p:spPr>
           <a:xfrm>
-            <a:off x="1391400" y="4156560"/>
-            <a:ext cx="9390600" cy="1673280"/>
+            <a:off x="609480" y="3682080"/>
+            <a:ext cx="10972440" cy="1896840"/>
           </a:xfrm>
           <a:prstGeom prst="rect">
             <a:avLst/>
@@ -1403,11 +1567,8 @@
             <a:normAutofit/>
           </a:bodyPr>
           <a:p>
-            <a:endParaRPr b="0" lang="ru-RU" sz="2400" spc="-1" strike="noStrike">
-              <a:solidFill>
-                <a:srgbClr val="4e3b30"/>
-              </a:solidFill>
-              <a:latin typeface="Century Gothic"/>
+            <a:endParaRPr b="0" lang="ru-RU" sz="3200" spc="-1" strike="noStrike">
+              <a:latin typeface="Arial"/>
             </a:endParaRPr>
           </a:p>
         </p:txBody>
@@ -1436,7 +1597,7 @@
       </p:grpSpPr>
       <p:sp>
         <p:nvSpPr>
-          <p:cNvPr id="114" name="PlaceHolder 1"/>
+          <p:cNvPr id="111" name="PlaceHolder 1"/>
           <p:cNvSpPr>
             <a:spLocks noGrp="1"/>
           </p:cNvSpPr>
@@ -1446,8 +1607,8 @@
         </p:nvSpPr>
         <p:spPr>
           <a:xfrm>
-            <a:off x="1391400" y="1027800"/>
-            <a:ext cx="9366120" cy="1142640"/>
+            <a:off x="609480" y="221040"/>
+            <a:ext cx="10972440" cy="1250280"/>
           </a:xfrm>
           <a:prstGeom prst="rect">
             <a:avLst/>
@@ -1456,18 +1617,16 @@
         <p:txBody>
           <a:bodyPr lIns="0" rIns="0" tIns="0" bIns="0" anchor="ctr"/>
           <a:p>
-            <a:endParaRPr b="0" lang="ru-RU" sz="1800" spc="-1" strike="noStrike">
-              <a:solidFill>
-                <a:srgbClr val="000000"/>
-              </a:solidFill>
-              <a:latin typeface="Century Gothic"/>
+            <a:pPr algn="ctr"/>
+            <a:endParaRPr b="0" lang="ru-RU" sz="4400" spc="-1" strike="noStrike">
+              <a:latin typeface="Arial"/>
             </a:endParaRPr>
           </a:p>
         </p:txBody>
       </p:sp>
       <p:sp>
         <p:nvSpPr>
-          <p:cNvPr id="115" name="PlaceHolder 2"/>
+          <p:cNvPr id="112" name="PlaceHolder 2"/>
           <p:cNvSpPr>
             <a:spLocks noGrp="1"/>
           </p:cNvSpPr>
@@ -1477,8 +1636,8 @@
         </p:nvSpPr>
         <p:spPr>
           <a:xfrm>
-            <a:off x="1391400" y="2323800"/>
-            <a:ext cx="4582440" cy="1673280"/>
+            <a:off x="609480" y="1604520"/>
+            <a:ext cx="5354280" cy="1896840"/>
           </a:xfrm>
           <a:prstGeom prst="rect">
             <a:avLst/>
@@ -1489,18 +1648,15 @@
             <a:normAutofit/>
           </a:bodyPr>
           <a:p>
-            <a:endParaRPr b="0" lang="ru-RU" sz="2400" spc="-1" strike="noStrike">
-              <a:solidFill>
-                <a:srgbClr val="4e3b30"/>
-              </a:solidFill>
-              <a:latin typeface="Century Gothic"/>
+            <a:endParaRPr b="0" lang="ru-RU" sz="3200" spc="-1" strike="noStrike">
+              <a:latin typeface="Arial"/>
             </a:endParaRPr>
           </a:p>
         </p:txBody>
       </p:sp>
       <p:sp>
         <p:nvSpPr>
-          <p:cNvPr id="116" name="PlaceHolder 3"/>
+          <p:cNvPr id="113" name="PlaceHolder 3"/>
           <p:cNvSpPr>
             <a:spLocks noGrp="1"/>
           </p:cNvSpPr>
@@ -1510,8 +1666,8 @@
         </p:nvSpPr>
         <p:spPr>
           <a:xfrm>
-            <a:off x="6203520" y="2323800"/>
-            <a:ext cx="4582440" cy="1673280"/>
+            <a:off x="6231960" y="1604520"/>
+            <a:ext cx="5354280" cy="1896840"/>
           </a:xfrm>
           <a:prstGeom prst="rect">
             <a:avLst/>
@@ -1522,18 +1678,15 @@
             <a:normAutofit/>
           </a:bodyPr>
           <a:p>
-            <a:endParaRPr b="0" lang="ru-RU" sz="2400" spc="-1" strike="noStrike">
-              <a:solidFill>
-                <a:srgbClr val="4e3b30"/>
-              </a:solidFill>
-              <a:latin typeface="Century Gothic"/>
+            <a:endParaRPr b="0" lang="ru-RU" sz="3200" spc="-1" strike="noStrike">
+              <a:latin typeface="Arial"/>
             </a:endParaRPr>
           </a:p>
         </p:txBody>
       </p:sp>
       <p:sp>
         <p:nvSpPr>
-          <p:cNvPr id="117" name="PlaceHolder 4"/>
+          <p:cNvPr id="114" name="PlaceHolder 4"/>
           <p:cNvSpPr>
             <a:spLocks noGrp="1"/>
           </p:cNvSpPr>
@@ -1543,8 +1696,8 @@
         </p:nvSpPr>
         <p:spPr>
           <a:xfrm>
-            <a:off x="1391400" y="4156560"/>
-            <a:ext cx="4582440" cy="1673280"/>
+            <a:off x="609480" y="3682080"/>
+            <a:ext cx="5354280" cy="1896840"/>
           </a:xfrm>
           <a:prstGeom prst="rect">
             <a:avLst/>
@@ -1555,18 +1708,15 @@
             <a:normAutofit/>
           </a:bodyPr>
           <a:p>
-            <a:endParaRPr b="0" lang="ru-RU" sz="2400" spc="-1" strike="noStrike">
-              <a:solidFill>
-                <a:srgbClr val="4e3b30"/>
-              </a:solidFill>
-              <a:latin typeface="Century Gothic"/>
+            <a:endParaRPr b="0" lang="ru-RU" sz="3200" spc="-1" strike="noStrike">
+              <a:latin typeface="Arial"/>
             </a:endParaRPr>
           </a:p>
         </p:txBody>
       </p:sp>
       <p:sp>
         <p:nvSpPr>
-          <p:cNvPr id="118" name="PlaceHolder 5"/>
+          <p:cNvPr id="115" name="PlaceHolder 5"/>
           <p:cNvSpPr>
             <a:spLocks noGrp="1"/>
           </p:cNvSpPr>
@@ -1576,8 +1726,8 @@
         </p:nvSpPr>
         <p:spPr>
           <a:xfrm>
-            <a:off x="6203520" y="4156560"/>
-            <a:ext cx="4582440" cy="1673280"/>
+            <a:off x="6231960" y="3682080"/>
+            <a:ext cx="5354280" cy="1896840"/>
           </a:xfrm>
           <a:prstGeom prst="rect">
             <a:avLst/>
@@ -1588,11 +1738,8 @@
             <a:normAutofit/>
           </a:bodyPr>
           <a:p>
-            <a:endParaRPr b="0" lang="ru-RU" sz="2400" spc="-1" strike="noStrike">
-              <a:solidFill>
-                <a:srgbClr val="4e3b30"/>
-              </a:solidFill>
-              <a:latin typeface="Century Gothic"/>
+            <a:endParaRPr b="0" lang="ru-RU" sz="3200" spc="-1" strike="noStrike">
+              <a:latin typeface="Arial"/>
             </a:endParaRPr>
           </a:p>
         </p:txBody>
@@ -1621,7 +1768,7 @@
       </p:grpSpPr>
       <p:sp>
         <p:nvSpPr>
-          <p:cNvPr id="119" name="PlaceHolder 1"/>
+          <p:cNvPr id="116" name="PlaceHolder 1"/>
           <p:cNvSpPr>
             <a:spLocks noGrp="1"/>
           </p:cNvSpPr>
@@ -1631,8 +1778,8 @@
         </p:nvSpPr>
         <p:spPr>
           <a:xfrm>
-            <a:off x="1391400" y="1027800"/>
-            <a:ext cx="9366120" cy="1142640"/>
+            <a:off x="609480" y="221040"/>
+            <a:ext cx="10972440" cy="1250280"/>
           </a:xfrm>
           <a:prstGeom prst="rect">
             <a:avLst/>
@@ -1641,18 +1788,16 @@
         <p:txBody>
           <a:bodyPr lIns="0" rIns="0" tIns="0" bIns="0" anchor="ctr"/>
           <a:p>
-            <a:endParaRPr b="0" lang="ru-RU" sz="1800" spc="-1" strike="noStrike">
-              <a:solidFill>
-                <a:srgbClr val="000000"/>
-              </a:solidFill>
-              <a:latin typeface="Century Gothic"/>
+            <a:pPr algn="ctr"/>
+            <a:endParaRPr b="0" lang="ru-RU" sz="4400" spc="-1" strike="noStrike">
+              <a:latin typeface="Arial"/>
             </a:endParaRPr>
           </a:p>
         </p:txBody>
       </p:sp>
       <p:sp>
         <p:nvSpPr>
-          <p:cNvPr id="120" name="PlaceHolder 2"/>
+          <p:cNvPr id="117" name="PlaceHolder 2"/>
           <p:cNvSpPr>
             <a:spLocks noGrp="1"/>
           </p:cNvSpPr>
@@ -1662,8 +1807,8 @@
         </p:nvSpPr>
         <p:spPr>
           <a:xfrm>
-            <a:off x="1391400" y="2323800"/>
-            <a:ext cx="3023640" cy="1673280"/>
+            <a:off x="609480" y="1604520"/>
+            <a:ext cx="3533040" cy="1896840"/>
           </a:xfrm>
           <a:prstGeom prst="rect">
             <a:avLst/>
@@ -1674,18 +1819,15 @@
             <a:normAutofit/>
           </a:bodyPr>
           <a:p>
-            <a:endParaRPr b="0" lang="ru-RU" sz="2400" spc="-1" strike="noStrike">
-              <a:solidFill>
-                <a:srgbClr val="4e3b30"/>
-              </a:solidFill>
-              <a:latin typeface="Century Gothic"/>
+            <a:endParaRPr b="0" lang="ru-RU" sz="3200" spc="-1" strike="noStrike">
+              <a:latin typeface="Arial"/>
             </a:endParaRPr>
           </a:p>
         </p:txBody>
       </p:sp>
       <p:sp>
         <p:nvSpPr>
-          <p:cNvPr id="121" name="PlaceHolder 3"/>
+          <p:cNvPr id="118" name="PlaceHolder 3"/>
           <p:cNvSpPr>
             <a:spLocks noGrp="1"/>
           </p:cNvSpPr>
@@ -1695,8 +1837,8 @@
         </p:nvSpPr>
         <p:spPr>
           <a:xfrm>
-            <a:off x="4566600" y="2323800"/>
-            <a:ext cx="3023640" cy="1673280"/>
+            <a:off x="4319640" y="1604520"/>
+            <a:ext cx="3533040" cy="1896840"/>
           </a:xfrm>
           <a:prstGeom prst="rect">
             <a:avLst/>
@@ -1707,18 +1849,15 @@
             <a:normAutofit/>
           </a:bodyPr>
           <a:p>
-            <a:endParaRPr b="0" lang="ru-RU" sz="2400" spc="-1" strike="noStrike">
-              <a:solidFill>
-                <a:srgbClr val="4e3b30"/>
-              </a:solidFill>
-              <a:latin typeface="Century Gothic"/>
+            <a:endParaRPr b="0" lang="ru-RU" sz="3200" spc="-1" strike="noStrike">
+              <a:latin typeface="Arial"/>
             </a:endParaRPr>
           </a:p>
         </p:txBody>
       </p:sp>
       <p:sp>
         <p:nvSpPr>
-          <p:cNvPr id="122" name="PlaceHolder 4"/>
+          <p:cNvPr id="119" name="PlaceHolder 4"/>
           <p:cNvSpPr>
             <a:spLocks noGrp="1"/>
           </p:cNvSpPr>
@@ -1728,8 +1867,8 @@
         </p:nvSpPr>
         <p:spPr>
           <a:xfrm>
-            <a:off x="7741800" y="2323800"/>
-            <a:ext cx="3023640" cy="1673280"/>
+            <a:off x="8029800" y="1604520"/>
+            <a:ext cx="3533040" cy="1896840"/>
           </a:xfrm>
           <a:prstGeom prst="rect">
             <a:avLst/>
@@ -1740,18 +1879,15 @@
             <a:normAutofit/>
           </a:bodyPr>
           <a:p>
-            <a:endParaRPr b="0" lang="ru-RU" sz="2400" spc="-1" strike="noStrike">
-              <a:solidFill>
-                <a:srgbClr val="4e3b30"/>
-              </a:solidFill>
-              <a:latin typeface="Century Gothic"/>
+            <a:endParaRPr b="0" lang="ru-RU" sz="3200" spc="-1" strike="noStrike">
+              <a:latin typeface="Arial"/>
             </a:endParaRPr>
           </a:p>
         </p:txBody>
       </p:sp>
       <p:sp>
         <p:nvSpPr>
-          <p:cNvPr id="123" name="PlaceHolder 5"/>
+          <p:cNvPr id="120" name="PlaceHolder 5"/>
           <p:cNvSpPr>
             <a:spLocks noGrp="1"/>
           </p:cNvSpPr>
@@ -1761,8 +1897,8 @@
         </p:nvSpPr>
         <p:spPr>
           <a:xfrm>
-            <a:off x="1391400" y="4156560"/>
-            <a:ext cx="3023640" cy="1673280"/>
+            <a:off x="609480" y="3682080"/>
+            <a:ext cx="3533040" cy="1896840"/>
           </a:xfrm>
           <a:prstGeom prst="rect">
             <a:avLst/>
@@ -1773,18 +1909,15 @@
             <a:normAutofit/>
           </a:bodyPr>
           <a:p>
-            <a:endParaRPr b="0" lang="ru-RU" sz="2400" spc="-1" strike="noStrike">
-              <a:solidFill>
-                <a:srgbClr val="4e3b30"/>
-              </a:solidFill>
-              <a:latin typeface="Century Gothic"/>
+            <a:endParaRPr b="0" lang="ru-RU" sz="3200" spc="-1" strike="noStrike">
+              <a:latin typeface="Arial"/>
             </a:endParaRPr>
           </a:p>
         </p:txBody>
       </p:sp>
       <p:sp>
         <p:nvSpPr>
-          <p:cNvPr id="124" name="PlaceHolder 6"/>
+          <p:cNvPr id="121" name="PlaceHolder 6"/>
           <p:cNvSpPr>
             <a:spLocks noGrp="1"/>
           </p:cNvSpPr>
@@ -1794,8 +1927,8 @@
         </p:nvSpPr>
         <p:spPr>
           <a:xfrm>
-            <a:off x="4566600" y="4156560"/>
-            <a:ext cx="3023640" cy="1673280"/>
+            <a:off x="4319640" y="3682080"/>
+            <a:ext cx="3533040" cy="1896840"/>
           </a:xfrm>
           <a:prstGeom prst="rect">
             <a:avLst/>
@@ -1806,18 +1939,15 @@
             <a:normAutofit/>
           </a:bodyPr>
           <a:p>
-            <a:endParaRPr b="0" lang="ru-RU" sz="2400" spc="-1" strike="noStrike">
-              <a:solidFill>
-                <a:srgbClr val="4e3b30"/>
-              </a:solidFill>
-              <a:latin typeface="Century Gothic"/>
+            <a:endParaRPr b="0" lang="ru-RU" sz="3200" spc="-1" strike="noStrike">
+              <a:latin typeface="Arial"/>
             </a:endParaRPr>
           </a:p>
         </p:txBody>
       </p:sp>
       <p:sp>
         <p:nvSpPr>
-          <p:cNvPr id="125" name="PlaceHolder 7"/>
+          <p:cNvPr id="122" name="PlaceHolder 7"/>
           <p:cNvSpPr>
             <a:spLocks noGrp="1"/>
           </p:cNvSpPr>
@@ -1827,8 +1957,8 @@
         </p:nvSpPr>
         <p:spPr>
           <a:xfrm>
-            <a:off x="7741800" y="4156560"/>
-            <a:ext cx="3023640" cy="1673280"/>
+            <a:off x="8029800" y="3682080"/>
+            <a:ext cx="3533040" cy="1896840"/>
           </a:xfrm>
           <a:prstGeom prst="rect">
             <a:avLst/>
@@ -1839,11 +1969,8 @@
             <a:normAutofit/>
           </a:bodyPr>
           <a:p>
-            <a:endParaRPr b="0" lang="ru-RU" sz="2400" spc="-1" strike="noStrike">
-              <a:solidFill>
-                <a:srgbClr val="4e3b30"/>
-              </a:solidFill>
-              <a:latin typeface="Century Gothic"/>
+            <a:endParaRPr b="0" lang="ru-RU" sz="3200" spc="-1" strike="noStrike">
+              <a:latin typeface="Arial"/>
             </a:endParaRPr>
           </a:p>
         </p:txBody>
@@ -1894,7 +2021,7 @@
       </p:grpSpPr>
       <p:sp>
         <p:nvSpPr>
-          <p:cNvPr id="173" name="PlaceHolder 1"/>
+          <p:cNvPr id="167" name="PlaceHolder 1"/>
           <p:cNvSpPr>
             <a:spLocks noGrp="1"/>
           </p:cNvSpPr>
@@ -1904,8 +2031,8 @@
         </p:nvSpPr>
         <p:spPr>
           <a:xfrm>
-            <a:off x="1391400" y="1027800"/>
-            <a:ext cx="9366120" cy="1142640"/>
+            <a:off x="609480" y="221040"/>
+            <a:ext cx="10972440" cy="1250280"/>
           </a:xfrm>
           <a:prstGeom prst="rect">
             <a:avLst/>
@@ -1914,18 +2041,16 @@
         <p:txBody>
           <a:bodyPr lIns="0" rIns="0" tIns="0" bIns="0" anchor="ctr"/>
           <a:p>
-            <a:endParaRPr b="0" lang="ru-RU" sz="1800" spc="-1" strike="noStrike">
-              <a:solidFill>
-                <a:srgbClr val="000000"/>
-              </a:solidFill>
-              <a:latin typeface="Century Gothic"/>
+            <a:pPr algn="ctr"/>
+            <a:endParaRPr b="0" lang="ru-RU" sz="4400" spc="-1" strike="noStrike">
+              <a:latin typeface="Arial"/>
             </a:endParaRPr>
           </a:p>
         </p:txBody>
       </p:sp>
       <p:sp>
         <p:nvSpPr>
-          <p:cNvPr id="174" name="PlaceHolder 2"/>
+          <p:cNvPr id="168" name="PlaceHolder 2"/>
           <p:cNvSpPr>
             <a:spLocks noGrp="1"/>
           </p:cNvSpPr>
@@ -1935,8 +2060,8 @@
         </p:nvSpPr>
         <p:spPr>
           <a:xfrm>
-            <a:off x="1391400" y="2323800"/>
-            <a:ext cx="9390600" cy="3508560"/>
+            <a:off x="609480" y="1604520"/>
+            <a:ext cx="10972440" cy="3977280"/>
           </a:xfrm>
           <a:prstGeom prst="rect">
             <a:avLst/>
@@ -1976,7 +2101,7 @@
       </p:grpSpPr>
       <p:sp>
         <p:nvSpPr>
-          <p:cNvPr id="175" name="PlaceHolder 1"/>
+          <p:cNvPr id="169" name="PlaceHolder 1"/>
           <p:cNvSpPr>
             <a:spLocks noGrp="1"/>
           </p:cNvSpPr>
@@ -1986,8 +2111,8 @@
         </p:nvSpPr>
         <p:spPr>
           <a:xfrm>
-            <a:off x="1391400" y="1027800"/>
-            <a:ext cx="9366120" cy="1142640"/>
+            <a:off x="609480" y="221040"/>
+            <a:ext cx="10972440" cy="1250280"/>
           </a:xfrm>
           <a:prstGeom prst="rect">
             <a:avLst/>
@@ -1996,18 +2121,16 @@
         <p:txBody>
           <a:bodyPr lIns="0" rIns="0" tIns="0" bIns="0" anchor="ctr"/>
           <a:p>
-            <a:endParaRPr b="0" lang="ru-RU" sz="1800" spc="-1" strike="noStrike">
-              <a:solidFill>
-                <a:srgbClr val="000000"/>
-              </a:solidFill>
-              <a:latin typeface="Century Gothic"/>
+            <a:pPr algn="ctr"/>
+            <a:endParaRPr b="0" lang="ru-RU" sz="4400" spc="-1" strike="noStrike">
+              <a:latin typeface="Arial"/>
             </a:endParaRPr>
           </a:p>
         </p:txBody>
       </p:sp>
       <p:sp>
         <p:nvSpPr>
-          <p:cNvPr id="176" name="PlaceHolder 2"/>
+          <p:cNvPr id="170" name="PlaceHolder 2"/>
           <p:cNvSpPr>
             <a:spLocks noGrp="1"/>
           </p:cNvSpPr>
@@ -2017,8 +2140,8 @@
         </p:nvSpPr>
         <p:spPr>
           <a:xfrm>
-            <a:off x="1391400" y="2323800"/>
-            <a:ext cx="9390600" cy="3508560"/>
+            <a:off x="609480" y="1604520"/>
+            <a:ext cx="10972440" cy="3977280"/>
           </a:xfrm>
           <a:prstGeom prst="rect">
             <a:avLst/>
@@ -2029,11 +2152,8 @@
             <a:normAutofit/>
           </a:bodyPr>
           <a:p>
-            <a:endParaRPr b="0" lang="ru-RU" sz="2400" spc="-1" strike="noStrike">
-              <a:solidFill>
-                <a:srgbClr val="4e3b30"/>
-              </a:solidFill>
-              <a:latin typeface="Century Gothic"/>
+            <a:endParaRPr b="0" lang="ru-RU" sz="3200" spc="-1" strike="noStrike">
+              <a:latin typeface="Arial"/>
             </a:endParaRPr>
           </a:p>
         </p:txBody>
@@ -2062,7 +2182,7 @@
       </p:grpSpPr>
       <p:sp>
         <p:nvSpPr>
-          <p:cNvPr id="177" name="PlaceHolder 1"/>
+          <p:cNvPr id="171" name="PlaceHolder 1"/>
           <p:cNvSpPr>
             <a:spLocks noGrp="1"/>
           </p:cNvSpPr>
@@ -2072,8 +2192,8 @@
         </p:nvSpPr>
         <p:spPr>
           <a:xfrm>
-            <a:off x="1391400" y="1027800"/>
-            <a:ext cx="9366120" cy="1142640"/>
+            <a:off x="609480" y="221040"/>
+            <a:ext cx="10972440" cy="1250280"/>
           </a:xfrm>
           <a:prstGeom prst="rect">
             <a:avLst/>
@@ -2082,18 +2202,16 @@
         <p:txBody>
           <a:bodyPr lIns="0" rIns="0" tIns="0" bIns="0" anchor="ctr"/>
           <a:p>
-            <a:endParaRPr b="0" lang="ru-RU" sz="1800" spc="-1" strike="noStrike">
-              <a:solidFill>
-                <a:srgbClr val="000000"/>
-              </a:solidFill>
-              <a:latin typeface="Century Gothic"/>
+            <a:pPr algn="ctr"/>
+            <a:endParaRPr b="0" lang="ru-RU" sz="4400" spc="-1" strike="noStrike">
+              <a:latin typeface="Arial"/>
             </a:endParaRPr>
           </a:p>
         </p:txBody>
       </p:sp>
       <p:sp>
         <p:nvSpPr>
-          <p:cNvPr id="178" name="PlaceHolder 2"/>
+          <p:cNvPr id="172" name="PlaceHolder 2"/>
           <p:cNvSpPr>
             <a:spLocks noGrp="1"/>
           </p:cNvSpPr>
@@ -2103,8 +2221,8 @@
         </p:nvSpPr>
         <p:spPr>
           <a:xfrm>
-            <a:off x="1391400" y="2323800"/>
-            <a:ext cx="4582440" cy="3508560"/>
+            <a:off x="609480" y="1604520"/>
+            <a:ext cx="5354280" cy="3977280"/>
           </a:xfrm>
           <a:prstGeom prst="rect">
             <a:avLst/>
@@ -2115,18 +2233,15 @@
             <a:normAutofit/>
           </a:bodyPr>
           <a:p>
-            <a:endParaRPr b="0" lang="ru-RU" sz="2400" spc="-1" strike="noStrike">
-              <a:solidFill>
-                <a:srgbClr val="4e3b30"/>
-              </a:solidFill>
-              <a:latin typeface="Century Gothic"/>
+            <a:endParaRPr b="0" lang="ru-RU" sz="3200" spc="-1" strike="noStrike">
+              <a:latin typeface="Arial"/>
             </a:endParaRPr>
           </a:p>
         </p:txBody>
       </p:sp>
       <p:sp>
         <p:nvSpPr>
-          <p:cNvPr id="179" name="PlaceHolder 3"/>
+          <p:cNvPr id="173" name="PlaceHolder 3"/>
           <p:cNvSpPr>
             <a:spLocks noGrp="1"/>
           </p:cNvSpPr>
@@ -2136,8 +2251,8 @@
         </p:nvSpPr>
         <p:spPr>
           <a:xfrm>
-            <a:off x="6203520" y="2323800"/>
-            <a:ext cx="4582440" cy="3508560"/>
+            <a:off x="6231960" y="1604520"/>
+            <a:ext cx="5354280" cy="3977280"/>
           </a:xfrm>
           <a:prstGeom prst="rect">
             <a:avLst/>
@@ -2148,11 +2263,8 @@
             <a:normAutofit/>
           </a:bodyPr>
           <a:p>
-            <a:endParaRPr b="0" lang="ru-RU" sz="2400" spc="-1" strike="noStrike">
-              <a:solidFill>
-                <a:srgbClr val="4e3b30"/>
-              </a:solidFill>
-              <a:latin typeface="Century Gothic"/>
+            <a:endParaRPr b="0" lang="ru-RU" sz="3200" spc="-1" strike="noStrike">
+              <a:latin typeface="Arial"/>
             </a:endParaRPr>
           </a:p>
         </p:txBody>
@@ -2181,7 +2293,7 @@
       </p:grpSpPr>
       <p:sp>
         <p:nvSpPr>
-          <p:cNvPr id="180" name="PlaceHolder 1"/>
+          <p:cNvPr id="174" name="PlaceHolder 1"/>
           <p:cNvSpPr>
             <a:spLocks noGrp="1"/>
           </p:cNvSpPr>
@@ -2191,8 +2303,8 @@
         </p:nvSpPr>
         <p:spPr>
           <a:xfrm>
-            <a:off x="1391400" y="1027800"/>
-            <a:ext cx="9366120" cy="1142640"/>
+            <a:off x="609480" y="221040"/>
+            <a:ext cx="10972440" cy="1250280"/>
           </a:xfrm>
           <a:prstGeom prst="rect">
             <a:avLst/>
@@ -2201,11 +2313,9 @@
         <p:txBody>
           <a:bodyPr lIns="0" rIns="0" tIns="0" bIns="0" anchor="ctr"/>
           <a:p>
-            <a:endParaRPr b="0" lang="ru-RU" sz="1800" spc="-1" strike="noStrike">
-              <a:solidFill>
-                <a:srgbClr val="000000"/>
-              </a:solidFill>
-              <a:latin typeface="Century Gothic"/>
+            <a:pPr algn="ctr"/>
+            <a:endParaRPr b="0" lang="ru-RU" sz="4400" spc="-1" strike="noStrike">
+              <a:latin typeface="Arial"/>
             </a:endParaRPr>
           </a:p>
         </p:txBody>
@@ -2234,7 +2344,7 @@
       </p:grpSpPr>
       <p:sp>
         <p:nvSpPr>
-          <p:cNvPr id="181" name="PlaceHolder 1"/>
+          <p:cNvPr id="175" name="PlaceHolder 1"/>
           <p:cNvSpPr>
             <a:spLocks noGrp="1"/>
           </p:cNvSpPr>
@@ -2244,8 +2354,8 @@
         </p:nvSpPr>
         <p:spPr>
           <a:xfrm>
-            <a:off x="1391400" y="1027800"/>
-            <a:ext cx="9366120" cy="5297760"/>
+            <a:off x="609480" y="273600"/>
+            <a:ext cx="10972440" cy="5307840"/>
           </a:xfrm>
           <a:prstGeom prst="rect">
             <a:avLst/>
@@ -2285,7 +2395,7 @@
       </p:grpSpPr>
       <p:sp>
         <p:nvSpPr>
-          <p:cNvPr id="182" name="PlaceHolder 1"/>
+          <p:cNvPr id="176" name="PlaceHolder 1"/>
           <p:cNvSpPr>
             <a:spLocks noGrp="1"/>
           </p:cNvSpPr>
@@ -2295,8 +2405,8 @@
         </p:nvSpPr>
         <p:spPr>
           <a:xfrm>
-            <a:off x="1391400" y="1027800"/>
-            <a:ext cx="9366120" cy="1142640"/>
+            <a:off x="609480" y="221040"/>
+            <a:ext cx="10972440" cy="1250280"/>
           </a:xfrm>
           <a:prstGeom prst="rect">
             <a:avLst/>
@@ -2305,18 +2415,16 @@
         <p:txBody>
           <a:bodyPr lIns="0" rIns="0" tIns="0" bIns="0" anchor="ctr"/>
           <a:p>
-            <a:endParaRPr b="0" lang="ru-RU" sz="1800" spc="-1" strike="noStrike">
-              <a:solidFill>
-                <a:srgbClr val="000000"/>
-              </a:solidFill>
-              <a:latin typeface="Century Gothic"/>
+            <a:pPr algn="ctr"/>
+            <a:endParaRPr b="0" lang="ru-RU" sz="4400" spc="-1" strike="noStrike">
+              <a:latin typeface="Arial"/>
             </a:endParaRPr>
           </a:p>
         </p:txBody>
       </p:sp>
       <p:sp>
         <p:nvSpPr>
-          <p:cNvPr id="183" name="PlaceHolder 2"/>
+          <p:cNvPr id="177" name="PlaceHolder 2"/>
           <p:cNvSpPr>
             <a:spLocks noGrp="1"/>
           </p:cNvSpPr>
@@ -2326,8 +2434,8 @@
         </p:nvSpPr>
         <p:spPr>
           <a:xfrm>
-            <a:off x="1391400" y="2323800"/>
-            <a:ext cx="4582440" cy="1673280"/>
+            <a:off x="609480" y="1604520"/>
+            <a:ext cx="5354280" cy="1896840"/>
           </a:xfrm>
           <a:prstGeom prst="rect">
             <a:avLst/>
@@ -2338,18 +2446,15 @@
             <a:normAutofit/>
           </a:bodyPr>
           <a:p>
-            <a:endParaRPr b="0" lang="ru-RU" sz="2400" spc="-1" strike="noStrike">
-              <a:solidFill>
-                <a:srgbClr val="4e3b30"/>
-              </a:solidFill>
-              <a:latin typeface="Century Gothic"/>
+            <a:endParaRPr b="0" lang="ru-RU" sz="3200" spc="-1" strike="noStrike">
+              <a:latin typeface="Arial"/>
             </a:endParaRPr>
           </a:p>
         </p:txBody>
       </p:sp>
       <p:sp>
         <p:nvSpPr>
-          <p:cNvPr id="184" name="PlaceHolder 3"/>
+          <p:cNvPr id="178" name="PlaceHolder 3"/>
           <p:cNvSpPr>
             <a:spLocks noGrp="1"/>
           </p:cNvSpPr>
@@ -2359,8 +2464,8 @@
         </p:nvSpPr>
         <p:spPr>
           <a:xfrm>
-            <a:off x="6203520" y="2323800"/>
-            <a:ext cx="4582440" cy="3508560"/>
+            <a:off x="6231960" y="1604520"/>
+            <a:ext cx="5354280" cy="3977280"/>
           </a:xfrm>
           <a:prstGeom prst="rect">
             <a:avLst/>
@@ -2371,18 +2476,15 @@
             <a:normAutofit/>
           </a:bodyPr>
           <a:p>
-            <a:endParaRPr b="0" lang="ru-RU" sz="2400" spc="-1" strike="noStrike">
-              <a:solidFill>
-                <a:srgbClr val="4e3b30"/>
-              </a:solidFill>
-              <a:latin typeface="Century Gothic"/>
+            <a:endParaRPr b="0" lang="ru-RU" sz="3200" spc="-1" strike="noStrike">
+              <a:latin typeface="Arial"/>
             </a:endParaRPr>
           </a:p>
         </p:txBody>
       </p:sp>
       <p:sp>
         <p:nvSpPr>
-          <p:cNvPr id="185" name="PlaceHolder 4"/>
+          <p:cNvPr id="179" name="PlaceHolder 4"/>
           <p:cNvSpPr>
             <a:spLocks noGrp="1"/>
           </p:cNvSpPr>
@@ -2392,8 +2494,8 @@
         </p:nvSpPr>
         <p:spPr>
           <a:xfrm>
-            <a:off x="1391400" y="4156560"/>
-            <a:ext cx="4582440" cy="1673280"/>
+            <a:off x="609480" y="3682080"/>
+            <a:ext cx="5354280" cy="1896840"/>
           </a:xfrm>
           <a:prstGeom prst="rect">
             <a:avLst/>
@@ -2404,11 +2506,8 @@
             <a:normAutofit/>
           </a:bodyPr>
           <a:p>
-            <a:endParaRPr b="0" lang="ru-RU" sz="2400" spc="-1" strike="noStrike">
-              <a:solidFill>
-                <a:srgbClr val="4e3b30"/>
-              </a:solidFill>
-              <a:latin typeface="Century Gothic"/>
+            <a:endParaRPr b="0" lang="ru-RU" sz="3200" spc="-1" strike="noStrike">
+              <a:latin typeface="Arial"/>
             </a:endParaRPr>
           </a:p>
         </p:txBody>
@@ -2437,7 +2536,7 @@
       </p:grpSpPr>
       <p:sp>
         <p:nvSpPr>
-          <p:cNvPr id="90" name="PlaceHolder 1"/>
+          <p:cNvPr id="87" name="PlaceHolder 1"/>
           <p:cNvSpPr>
             <a:spLocks noGrp="1"/>
           </p:cNvSpPr>
@@ -2447,8 +2546,8 @@
         </p:nvSpPr>
         <p:spPr>
           <a:xfrm>
-            <a:off x="1391400" y="1027800"/>
-            <a:ext cx="9366120" cy="1142640"/>
+            <a:off x="609480" y="221040"/>
+            <a:ext cx="10972440" cy="1250280"/>
           </a:xfrm>
           <a:prstGeom prst="rect">
             <a:avLst/>
@@ -2457,18 +2556,16 @@
         <p:txBody>
           <a:bodyPr lIns="0" rIns="0" tIns="0" bIns="0" anchor="ctr"/>
           <a:p>
-            <a:endParaRPr b="0" lang="ru-RU" sz="1800" spc="-1" strike="noStrike">
-              <a:solidFill>
-                <a:srgbClr val="000000"/>
-              </a:solidFill>
-              <a:latin typeface="Century Gothic"/>
+            <a:pPr algn="ctr"/>
+            <a:endParaRPr b="0" lang="ru-RU" sz="4400" spc="-1" strike="noStrike">
+              <a:latin typeface="Arial"/>
             </a:endParaRPr>
           </a:p>
         </p:txBody>
       </p:sp>
       <p:sp>
         <p:nvSpPr>
-          <p:cNvPr id="91" name="PlaceHolder 2"/>
+          <p:cNvPr id="88" name="PlaceHolder 2"/>
           <p:cNvSpPr>
             <a:spLocks noGrp="1"/>
           </p:cNvSpPr>
@@ -2478,8 +2575,8 @@
         </p:nvSpPr>
         <p:spPr>
           <a:xfrm>
-            <a:off x="1391400" y="2323800"/>
-            <a:ext cx="9390600" cy="3508560"/>
+            <a:off x="609480" y="1604520"/>
+            <a:ext cx="10972440" cy="3977280"/>
           </a:xfrm>
           <a:prstGeom prst="rect">
             <a:avLst/>
@@ -2519,7 +2616,7 @@
       </p:grpSpPr>
       <p:sp>
         <p:nvSpPr>
-          <p:cNvPr id="186" name="PlaceHolder 1"/>
+          <p:cNvPr id="180" name="PlaceHolder 1"/>
           <p:cNvSpPr>
             <a:spLocks noGrp="1"/>
           </p:cNvSpPr>
@@ -2529,8 +2626,8 @@
         </p:nvSpPr>
         <p:spPr>
           <a:xfrm>
-            <a:off x="1391400" y="1027800"/>
-            <a:ext cx="9366120" cy="1142640"/>
+            <a:off x="609480" y="221040"/>
+            <a:ext cx="10972440" cy="1250280"/>
           </a:xfrm>
           <a:prstGeom prst="rect">
             <a:avLst/>
@@ -2539,18 +2636,16 @@
         <p:txBody>
           <a:bodyPr lIns="0" rIns="0" tIns="0" bIns="0" anchor="ctr"/>
           <a:p>
-            <a:endParaRPr b="0" lang="ru-RU" sz="1800" spc="-1" strike="noStrike">
-              <a:solidFill>
-                <a:srgbClr val="000000"/>
-              </a:solidFill>
-              <a:latin typeface="Century Gothic"/>
+            <a:pPr algn="ctr"/>
+            <a:endParaRPr b="0" lang="ru-RU" sz="4400" spc="-1" strike="noStrike">
+              <a:latin typeface="Arial"/>
             </a:endParaRPr>
           </a:p>
         </p:txBody>
       </p:sp>
       <p:sp>
         <p:nvSpPr>
-          <p:cNvPr id="187" name="PlaceHolder 2"/>
+          <p:cNvPr id="181" name="PlaceHolder 2"/>
           <p:cNvSpPr>
             <a:spLocks noGrp="1"/>
           </p:cNvSpPr>
@@ -2560,8 +2655,8 @@
         </p:nvSpPr>
         <p:spPr>
           <a:xfrm>
-            <a:off x="1391400" y="2323800"/>
-            <a:ext cx="4582440" cy="3508560"/>
+            <a:off x="609480" y="1604520"/>
+            <a:ext cx="5354280" cy="3977280"/>
           </a:xfrm>
           <a:prstGeom prst="rect">
             <a:avLst/>
@@ -2572,18 +2667,15 @@
             <a:normAutofit/>
           </a:bodyPr>
           <a:p>
-            <a:endParaRPr b="0" lang="ru-RU" sz="2400" spc="-1" strike="noStrike">
-              <a:solidFill>
-                <a:srgbClr val="4e3b30"/>
-              </a:solidFill>
-              <a:latin typeface="Century Gothic"/>
+            <a:endParaRPr b="0" lang="ru-RU" sz="3200" spc="-1" strike="noStrike">
+              <a:latin typeface="Arial"/>
             </a:endParaRPr>
           </a:p>
         </p:txBody>
       </p:sp>
       <p:sp>
         <p:nvSpPr>
-          <p:cNvPr id="188" name="PlaceHolder 3"/>
+          <p:cNvPr id="182" name="PlaceHolder 3"/>
           <p:cNvSpPr>
             <a:spLocks noGrp="1"/>
           </p:cNvSpPr>
@@ -2593,8 +2685,8 @@
         </p:nvSpPr>
         <p:spPr>
           <a:xfrm>
-            <a:off x="6203520" y="2323800"/>
-            <a:ext cx="4582440" cy="1673280"/>
+            <a:off x="6231960" y="1604520"/>
+            <a:ext cx="5354280" cy="1896840"/>
           </a:xfrm>
           <a:prstGeom prst="rect">
             <a:avLst/>
@@ -2605,18 +2697,15 @@
             <a:normAutofit/>
           </a:bodyPr>
           <a:p>
-            <a:endParaRPr b="0" lang="ru-RU" sz="2400" spc="-1" strike="noStrike">
-              <a:solidFill>
-                <a:srgbClr val="4e3b30"/>
-              </a:solidFill>
-              <a:latin typeface="Century Gothic"/>
+            <a:endParaRPr b="0" lang="ru-RU" sz="3200" spc="-1" strike="noStrike">
+              <a:latin typeface="Arial"/>
             </a:endParaRPr>
           </a:p>
         </p:txBody>
       </p:sp>
       <p:sp>
         <p:nvSpPr>
-          <p:cNvPr id="189" name="PlaceHolder 4"/>
+          <p:cNvPr id="183" name="PlaceHolder 4"/>
           <p:cNvSpPr>
             <a:spLocks noGrp="1"/>
           </p:cNvSpPr>
@@ -2626,8 +2715,8 @@
         </p:nvSpPr>
         <p:spPr>
           <a:xfrm>
-            <a:off x="6203520" y="4156560"/>
-            <a:ext cx="4582440" cy="1673280"/>
+            <a:off x="6231960" y="3682080"/>
+            <a:ext cx="5354280" cy="1896840"/>
           </a:xfrm>
           <a:prstGeom prst="rect">
             <a:avLst/>
@@ -2638,11 +2727,8 @@
             <a:normAutofit/>
           </a:bodyPr>
           <a:p>
-            <a:endParaRPr b="0" lang="ru-RU" sz="2400" spc="-1" strike="noStrike">
-              <a:solidFill>
-                <a:srgbClr val="4e3b30"/>
-              </a:solidFill>
-              <a:latin typeface="Century Gothic"/>
+            <a:endParaRPr b="0" lang="ru-RU" sz="3200" spc="-1" strike="noStrike">
+              <a:latin typeface="Arial"/>
             </a:endParaRPr>
           </a:p>
         </p:txBody>
@@ -2671,7 +2757,7 @@
       </p:grpSpPr>
       <p:sp>
         <p:nvSpPr>
-          <p:cNvPr id="190" name="PlaceHolder 1"/>
+          <p:cNvPr id="184" name="PlaceHolder 1"/>
           <p:cNvSpPr>
             <a:spLocks noGrp="1"/>
           </p:cNvSpPr>
@@ -2681,8 +2767,8 @@
         </p:nvSpPr>
         <p:spPr>
           <a:xfrm>
-            <a:off x="1391400" y="1027800"/>
-            <a:ext cx="9366120" cy="1142640"/>
+            <a:off x="609480" y="221040"/>
+            <a:ext cx="10972440" cy="1250280"/>
           </a:xfrm>
           <a:prstGeom prst="rect">
             <a:avLst/>
@@ -2691,18 +2777,16 @@
         <p:txBody>
           <a:bodyPr lIns="0" rIns="0" tIns="0" bIns="0" anchor="ctr"/>
           <a:p>
-            <a:endParaRPr b="0" lang="ru-RU" sz="1800" spc="-1" strike="noStrike">
-              <a:solidFill>
-                <a:srgbClr val="000000"/>
-              </a:solidFill>
-              <a:latin typeface="Century Gothic"/>
+            <a:pPr algn="ctr"/>
+            <a:endParaRPr b="0" lang="ru-RU" sz="4400" spc="-1" strike="noStrike">
+              <a:latin typeface="Arial"/>
             </a:endParaRPr>
           </a:p>
         </p:txBody>
       </p:sp>
       <p:sp>
         <p:nvSpPr>
-          <p:cNvPr id="191" name="PlaceHolder 2"/>
+          <p:cNvPr id="185" name="PlaceHolder 2"/>
           <p:cNvSpPr>
             <a:spLocks noGrp="1"/>
           </p:cNvSpPr>
@@ -2712,8 +2796,8 @@
         </p:nvSpPr>
         <p:spPr>
           <a:xfrm>
-            <a:off x="1391400" y="2323800"/>
-            <a:ext cx="4582440" cy="1673280"/>
+            <a:off x="609480" y="1604520"/>
+            <a:ext cx="5354280" cy="1896840"/>
           </a:xfrm>
           <a:prstGeom prst="rect">
             <a:avLst/>
@@ -2724,18 +2808,15 @@
             <a:normAutofit/>
           </a:bodyPr>
           <a:p>
-            <a:endParaRPr b="0" lang="ru-RU" sz="2400" spc="-1" strike="noStrike">
-              <a:solidFill>
-                <a:srgbClr val="4e3b30"/>
-              </a:solidFill>
-              <a:latin typeface="Century Gothic"/>
+            <a:endParaRPr b="0" lang="ru-RU" sz="3200" spc="-1" strike="noStrike">
+              <a:latin typeface="Arial"/>
             </a:endParaRPr>
           </a:p>
         </p:txBody>
       </p:sp>
       <p:sp>
         <p:nvSpPr>
-          <p:cNvPr id="192" name="PlaceHolder 3"/>
+          <p:cNvPr id="186" name="PlaceHolder 3"/>
           <p:cNvSpPr>
             <a:spLocks noGrp="1"/>
           </p:cNvSpPr>
@@ -2745,8 +2826,8 @@
         </p:nvSpPr>
         <p:spPr>
           <a:xfrm>
-            <a:off x="6203520" y="2323800"/>
-            <a:ext cx="4582440" cy="1673280"/>
+            <a:off x="6231960" y="1604520"/>
+            <a:ext cx="5354280" cy="1896840"/>
           </a:xfrm>
           <a:prstGeom prst="rect">
             <a:avLst/>
@@ -2757,18 +2838,15 @@
             <a:normAutofit/>
           </a:bodyPr>
           <a:p>
-            <a:endParaRPr b="0" lang="ru-RU" sz="2400" spc="-1" strike="noStrike">
-              <a:solidFill>
-                <a:srgbClr val="4e3b30"/>
-              </a:solidFill>
-              <a:latin typeface="Century Gothic"/>
+            <a:endParaRPr b="0" lang="ru-RU" sz="3200" spc="-1" strike="noStrike">
+              <a:latin typeface="Arial"/>
             </a:endParaRPr>
           </a:p>
         </p:txBody>
       </p:sp>
       <p:sp>
         <p:nvSpPr>
-          <p:cNvPr id="193" name="PlaceHolder 4"/>
+          <p:cNvPr id="187" name="PlaceHolder 4"/>
           <p:cNvSpPr>
             <a:spLocks noGrp="1"/>
           </p:cNvSpPr>
@@ -2778,8 +2856,8 @@
         </p:nvSpPr>
         <p:spPr>
           <a:xfrm>
-            <a:off x="1391400" y="4156560"/>
-            <a:ext cx="9390600" cy="1673280"/>
+            <a:off x="609480" y="3682080"/>
+            <a:ext cx="10972440" cy="1896840"/>
           </a:xfrm>
           <a:prstGeom prst="rect">
             <a:avLst/>
@@ -2790,11 +2868,8 @@
             <a:normAutofit/>
           </a:bodyPr>
           <a:p>
-            <a:endParaRPr b="0" lang="ru-RU" sz="2400" spc="-1" strike="noStrike">
-              <a:solidFill>
-                <a:srgbClr val="4e3b30"/>
-              </a:solidFill>
-              <a:latin typeface="Century Gothic"/>
+            <a:endParaRPr b="0" lang="ru-RU" sz="3200" spc="-1" strike="noStrike">
+              <a:latin typeface="Arial"/>
             </a:endParaRPr>
           </a:p>
         </p:txBody>
@@ -2823,7 +2898,7 @@
       </p:grpSpPr>
       <p:sp>
         <p:nvSpPr>
-          <p:cNvPr id="194" name="PlaceHolder 1"/>
+          <p:cNvPr id="188" name="PlaceHolder 1"/>
           <p:cNvSpPr>
             <a:spLocks noGrp="1"/>
           </p:cNvSpPr>
@@ -2833,8 +2908,8 @@
         </p:nvSpPr>
         <p:spPr>
           <a:xfrm>
-            <a:off x="1391400" y="1027800"/>
-            <a:ext cx="9366120" cy="1142640"/>
+            <a:off x="609480" y="221040"/>
+            <a:ext cx="10972440" cy="1250280"/>
           </a:xfrm>
           <a:prstGeom prst="rect">
             <a:avLst/>
@@ -2843,18 +2918,16 @@
         <p:txBody>
           <a:bodyPr lIns="0" rIns="0" tIns="0" bIns="0" anchor="ctr"/>
           <a:p>
-            <a:endParaRPr b="0" lang="ru-RU" sz="1800" spc="-1" strike="noStrike">
-              <a:solidFill>
-                <a:srgbClr val="000000"/>
-              </a:solidFill>
-              <a:latin typeface="Century Gothic"/>
+            <a:pPr algn="ctr"/>
+            <a:endParaRPr b="0" lang="ru-RU" sz="4400" spc="-1" strike="noStrike">
+              <a:latin typeface="Arial"/>
             </a:endParaRPr>
           </a:p>
         </p:txBody>
       </p:sp>
       <p:sp>
         <p:nvSpPr>
-          <p:cNvPr id="195" name="PlaceHolder 2"/>
+          <p:cNvPr id="189" name="PlaceHolder 2"/>
           <p:cNvSpPr>
             <a:spLocks noGrp="1"/>
           </p:cNvSpPr>
@@ -2864,8 +2937,8 @@
         </p:nvSpPr>
         <p:spPr>
           <a:xfrm>
-            <a:off x="1391400" y="2323800"/>
-            <a:ext cx="9390600" cy="1673280"/>
+            <a:off x="609480" y="1604520"/>
+            <a:ext cx="10972440" cy="1896840"/>
           </a:xfrm>
           <a:prstGeom prst="rect">
             <a:avLst/>
@@ -2876,18 +2949,15 @@
             <a:normAutofit/>
           </a:bodyPr>
           <a:p>
-            <a:endParaRPr b="0" lang="ru-RU" sz="2400" spc="-1" strike="noStrike">
-              <a:solidFill>
-                <a:srgbClr val="4e3b30"/>
-              </a:solidFill>
-              <a:latin typeface="Century Gothic"/>
+            <a:endParaRPr b="0" lang="ru-RU" sz="3200" spc="-1" strike="noStrike">
+              <a:latin typeface="Arial"/>
             </a:endParaRPr>
           </a:p>
         </p:txBody>
       </p:sp>
       <p:sp>
         <p:nvSpPr>
-          <p:cNvPr id="196" name="PlaceHolder 3"/>
+          <p:cNvPr id="190" name="PlaceHolder 3"/>
           <p:cNvSpPr>
             <a:spLocks noGrp="1"/>
           </p:cNvSpPr>
@@ -2897,8 +2967,8 @@
         </p:nvSpPr>
         <p:spPr>
           <a:xfrm>
-            <a:off x="1391400" y="4156560"/>
-            <a:ext cx="9390600" cy="1673280"/>
+            <a:off x="609480" y="3682080"/>
+            <a:ext cx="10972440" cy="1896840"/>
           </a:xfrm>
           <a:prstGeom prst="rect">
             <a:avLst/>
@@ -2909,11 +2979,8 @@
             <a:normAutofit/>
           </a:bodyPr>
           <a:p>
-            <a:endParaRPr b="0" lang="ru-RU" sz="2400" spc="-1" strike="noStrike">
-              <a:solidFill>
-                <a:srgbClr val="4e3b30"/>
-              </a:solidFill>
-              <a:latin typeface="Century Gothic"/>
+            <a:endParaRPr b="0" lang="ru-RU" sz="3200" spc="-1" strike="noStrike">
+              <a:latin typeface="Arial"/>
             </a:endParaRPr>
           </a:p>
         </p:txBody>
@@ -2942,7 +3009,7 @@
       </p:grpSpPr>
       <p:sp>
         <p:nvSpPr>
-          <p:cNvPr id="197" name="PlaceHolder 1"/>
+          <p:cNvPr id="191" name="PlaceHolder 1"/>
           <p:cNvSpPr>
             <a:spLocks noGrp="1"/>
           </p:cNvSpPr>
@@ -2952,8 +3019,8 @@
         </p:nvSpPr>
         <p:spPr>
           <a:xfrm>
-            <a:off x="1391400" y="1027800"/>
-            <a:ext cx="9366120" cy="1142640"/>
+            <a:off x="609480" y="221040"/>
+            <a:ext cx="10972440" cy="1250280"/>
           </a:xfrm>
           <a:prstGeom prst="rect">
             <a:avLst/>
@@ -2962,18 +3029,16 @@
         <p:txBody>
           <a:bodyPr lIns="0" rIns="0" tIns="0" bIns="0" anchor="ctr"/>
           <a:p>
-            <a:endParaRPr b="0" lang="ru-RU" sz="1800" spc="-1" strike="noStrike">
-              <a:solidFill>
-                <a:srgbClr val="000000"/>
-              </a:solidFill>
-              <a:latin typeface="Century Gothic"/>
+            <a:pPr algn="ctr"/>
+            <a:endParaRPr b="0" lang="ru-RU" sz="4400" spc="-1" strike="noStrike">
+              <a:latin typeface="Arial"/>
             </a:endParaRPr>
           </a:p>
         </p:txBody>
       </p:sp>
       <p:sp>
         <p:nvSpPr>
-          <p:cNvPr id="198" name="PlaceHolder 2"/>
+          <p:cNvPr id="192" name="PlaceHolder 2"/>
           <p:cNvSpPr>
             <a:spLocks noGrp="1"/>
           </p:cNvSpPr>
@@ -2983,8 +3048,8 @@
         </p:nvSpPr>
         <p:spPr>
           <a:xfrm>
-            <a:off x="1391400" y="2323800"/>
-            <a:ext cx="4582440" cy="1673280"/>
+            <a:off x="609480" y="1604520"/>
+            <a:ext cx="5354280" cy="1896840"/>
           </a:xfrm>
           <a:prstGeom prst="rect">
             <a:avLst/>
@@ -2995,18 +3060,15 @@
             <a:normAutofit/>
           </a:bodyPr>
           <a:p>
-            <a:endParaRPr b="0" lang="ru-RU" sz="2400" spc="-1" strike="noStrike">
-              <a:solidFill>
-                <a:srgbClr val="4e3b30"/>
-              </a:solidFill>
-              <a:latin typeface="Century Gothic"/>
+            <a:endParaRPr b="0" lang="ru-RU" sz="3200" spc="-1" strike="noStrike">
+              <a:latin typeface="Arial"/>
             </a:endParaRPr>
           </a:p>
         </p:txBody>
       </p:sp>
       <p:sp>
         <p:nvSpPr>
-          <p:cNvPr id="199" name="PlaceHolder 3"/>
+          <p:cNvPr id="193" name="PlaceHolder 3"/>
           <p:cNvSpPr>
             <a:spLocks noGrp="1"/>
           </p:cNvSpPr>
@@ -3016,8 +3078,8 @@
         </p:nvSpPr>
         <p:spPr>
           <a:xfrm>
-            <a:off x="6203520" y="2323800"/>
-            <a:ext cx="4582440" cy="1673280"/>
+            <a:off x="6231960" y="1604520"/>
+            <a:ext cx="5354280" cy="1896840"/>
           </a:xfrm>
           <a:prstGeom prst="rect">
             <a:avLst/>
@@ -3028,18 +3090,15 @@
             <a:normAutofit/>
           </a:bodyPr>
           <a:p>
-            <a:endParaRPr b="0" lang="ru-RU" sz="2400" spc="-1" strike="noStrike">
-              <a:solidFill>
-                <a:srgbClr val="4e3b30"/>
-              </a:solidFill>
-              <a:latin typeface="Century Gothic"/>
+            <a:endParaRPr b="0" lang="ru-RU" sz="3200" spc="-1" strike="noStrike">
+              <a:latin typeface="Arial"/>
             </a:endParaRPr>
           </a:p>
         </p:txBody>
       </p:sp>
       <p:sp>
         <p:nvSpPr>
-          <p:cNvPr id="200" name="PlaceHolder 4"/>
+          <p:cNvPr id="194" name="PlaceHolder 4"/>
           <p:cNvSpPr>
             <a:spLocks noGrp="1"/>
           </p:cNvSpPr>
@@ -3049,8 +3108,8 @@
         </p:nvSpPr>
         <p:spPr>
           <a:xfrm>
-            <a:off x="1391400" y="4156560"/>
-            <a:ext cx="4582440" cy="1673280"/>
+            <a:off x="609480" y="3682080"/>
+            <a:ext cx="5354280" cy="1896840"/>
           </a:xfrm>
           <a:prstGeom prst="rect">
             <a:avLst/>
@@ -3061,18 +3120,15 @@
             <a:normAutofit/>
           </a:bodyPr>
           <a:p>
-            <a:endParaRPr b="0" lang="ru-RU" sz="2400" spc="-1" strike="noStrike">
-              <a:solidFill>
-                <a:srgbClr val="4e3b30"/>
-              </a:solidFill>
-              <a:latin typeface="Century Gothic"/>
+            <a:endParaRPr b="0" lang="ru-RU" sz="3200" spc="-1" strike="noStrike">
+              <a:latin typeface="Arial"/>
             </a:endParaRPr>
           </a:p>
         </p:txBody>
       </p:sp>
       <p:sp>
         <p:nvSpPr>
-          <p:cNvPr id="201" name="PlaceHolder 5"/>
+          <p:cNvPr id="195" name="PlaceHolder 5"/>
           <p:cNvSpPr>
             <a:spLocks noGrp="1"/>
           </p:cNvSpPr>
@@ -3082,8 +3138,8 @@
         </p:nvSpPr>
         <p:spPr>
           <a:xfrm>
-            <a:off x="6203520" y="4156560"/>
-            <a:ext cx="4582440" cy="1673280"/>
+            <a:off x="6231960" y="3682080"/>
+            <a:ext cx="5354280" cy="1896840"/>
           </a:xfrm>
           <a:prstGeom prst="rect">
             <a:avLst/>
@@ -3094,11 +3150,8 @@
             <a:normAutofit/>
           </a:bodyPr>
           <a:p>
-            <a:endParaRPr b="0" lang="ru-RU" sz="2400" spc="-1" strike="noStrike">
-              <a:solidFill>
-                <a:srgbClr val="4e3b30"/>
-              </a:solidFill>
-              <a:latin typeface="Century Gothic"/>
+            <a:endParaRPr b="0" lang="ru-RU" sz="3200" spc="-1" strike="noStrike">
+              <a:latin typeface="Arial"/>
             </a:endParaRPr>
           </a:p>
         </p:txBody>
@@ -3127,7 +3180,7 @@
       </p:grpSpPr>
       <p:sp>
         <p:nvSpPr>
-          <p:cNvPr id="202" name="PlaceHolder 1"/>
+          <p:cNvPr id="196" name="PlaceHolder 1"/>
           <p:cNvSpPr>
             <a:spLocks noGrp="1"/>
           </p:cNvSpPr>
@@ -3137,8 +3190,8 @@
         </p:nvSpPr>
         <p:spPr>
           <a:xfrm>
-            <a:off x="1391400" y="1027800"/>
-            <a:ext cx="9366120" cy="1142640"/>
+            <a:off x="609480" y="221040"/>
+            <a:ext cx="10972440" cy="1250280"/>
           </a:xfrm>
           <a:prstGeom prst="rect">
             <a:avLst/>
@@ -3147,18 +3200,16 @@
         <p:txBody>
           <a:bodyPr lIns="0" rIns="0" tIns="0" bIns="0" anchor="ctr"/>
           <a:p>
-            <a:endParaRPr b="0" lang="ru-RU" sz="1800" spc="-1" strike="noStrike">
-              <a:solidFill>
-                <a:srgbClr val="000000"/>
-              </a:solidFill>
-              <a:latin typeface="Century Gothic"/>
+            <a:pPr algn="ctr"/>
+            <a:endParaRPr b="0" lang="ru-RU" sz="4400" spc="-1" strike="noStrike">
+              <a:latin typeface="Arial"/>
             </a:endParaRPr>
           </a:p>
         </p:txBody>
       </p:sp>
       <p:sp>
         <p:nvSpPr>
-          <p:cNvPr id="203" name="PlaceHolder 2"/>
+          <p:cNvPr id="197" name="PlaceHolder 2"/>
           <p:cNvSpPr>
             <a:spLocks noGrp="1"/>
           </p:cNvSpPr>
@@ -3168,8 +3219,8 @@
         </p:nvSpPr>
         <p:spPr>
           <a:xfrm>
-            <a:off x="1391400" y="2323800"/>
-            <a:ext cx="3023640" cy="1673280"/>
+            <a:off x="609480" y="1604520"/>
+            <a:ext cx="3533040" cy="1896840"/>
           </a:xfrm>
           <a:prstGeom prst="rect">
             <a:avLst/>
@@ -3180,18 +3231,15 @@
             <a:normAutofit/>
           </a:bodyPr>
           <a:p>
-            <a:endParaRPr b="0" lang="ru-RU" sz="2400" spc="-1" strike="noStrike">
-              <a:solidFill>
-                <a:srgbClr val="4e3b30"/>
-              </a:solidFill>
-              <a:latin typeface="Century Gothic"/>
+            <a:endParaRPr b="0" lang="ru-RU" sz="3200" spc="-1" strike="noStrike">
+              <a:latin typeface="Arial"/>
             </a:endParaRPr>
           </a:p>
         </p:txBody>
       </p:sp>
       <p:sp>
         <p:nvSpPr>
-          <p:cNvPr id="204" name="PlaceHolder 3"/>
+          <p:cNvPr id="198" name="PlaceHolder 3"/>
           <p:cNvSpPr>
             <a:spLocks noGrp="1"/>
           </p:cNvSpPr>
@@ -3201,8 +3249,8 @@
         </p:nvSpPr>
         <p:spPr>
           <a:xfrm>
-            <a:off x="4566600" y="2323800"/>
-            <a:ext cx="3023640" cy="1673280"/>
+            <a:off x="4319640" y="1604520"/>
+            <a:ext cx="3533040" cy="1896840"/>
           </a:xfrm>
           <a:prstGeom prst="rect">
             <a:avLst/>
@@ -3213,18 +3261,15 @@
             <a:normAutofit/>
           </a:bodyPr>
           <a:p>
-            <a:endParaRPr b="0" lang="ru-RU" sz="2400" spc="-1" strike="noStrike">
-              <a:solidFill>
-                <a:srgbClr val="4e3b30"/>
-              </a:solidFill>
-              <a:latin typeface="Century Gothic"/>
+            <a:endParaRPr b="0" lang="ru-RU" sz="3200" spc="-1" strike="noStrike">
+              <a:latin typeface="Arial"/>
             </a:endParaRPr>
           </a:p>
         </p:txBody>
       </p:sp>
       <p:sp>
         <p:nvSpPr>
-          <p:cNvPr id="205" name="PlaceHolder 4"/>
+          <p:cNvPr id="199" name="PlaceHolder 4"/>
           <p:cNvSpPr>
             <a:spLocks noGrp="1"/>
           </p:cNvSpPr>
@@ -3234,8 +3279,8 @@
         </p:nvSpPr>
         <p:spPr>
           <a:xfrm>
-            <a:off x="7741800" y="2323800"/>
-            <a:ext cx="3023640" cy="1673280"/>
+            <a:off x="8029800" y="1604520"/>
+            <a:ext cx="3533040" cy="1896840"/>
           </a:xfrm>
           <a:prstGeom prst="rect">
             <a:avLst/>
@@ -3246,18 +3291,15 @@
             <a:normAutofit/>
           </a:bodyPr>
           <a:p>
-            <a:endParaRPr b="0" lang="ru-RU" sz="2400" spc="-1" strike="noStrike">
-              <a:solidFill>
-                <a:srgbClr val="4e3b30"/>
-              </a:solidFill>
-              <a:latin typeface="Century Gothic"/>
+            <a:endParaRPr b="0" lang="ru-RU" sz="3200" spc="-1" strike="noStrike">
+              <a:latin typeface="Arial"/>
             </a:endParaRPr>
           </a:p>
         </p:txBody>
       </p:sp>
       <p:sp>
         <p:nvSpPr>
-          <p:cNvPr id="206" name="PlaceHolder 5"/>
+          <p:cNvPr id="200" name="PlaceHolder 5"/>
           <p:cNvSpPr>
             <a:spLocks noGrp="1"/>
           </p:cNvSpPr>
@@ -3267,8 +3309,8 @@
         </p:nvSpPr>
         <p:spPr>
           <a:xfrm>
-            <a:off x="1391400" y="4156560"/>
-            <a:ext cx="3023640" cy="1673280"/>
+            <a:off x="609480" y="3682080"/>
+            <a:ext cx="3533040" cy="1896840"/>
           </a:xfrm>
           <a:prstGeom prst="rect">
             <a:avLst/>
@@ -3279,18 +3321,15 @@
             <a:normAutofit/>
           </a:bodyPr>
           <a:p>
-            <a:endParaRPr b="0" lang="ru-RU" sz="2400" spc="-1" strike="noStrike">
-              <a:solidFill>
-                <a:srgbClr val="4e3b30"/>
-              </a:solidFill>
-              <a:latin typeface="Century Gothic"/>
+            <a:endParaRPr b="0" lang="ru-RU" sz="3200" spc="-1" strike="noStrike">
+              <a:latin typeface="Arial"/>
             </a:endParaRPr>
           </a:p>
         </p:txBody>
       </p:sp>
       <p:sp>
         <p:nvSpPr>
-          <p:cNvPr id="207" name="PlaceHolder 6"/>
+          <p:cNvPr id="201" name="PlaceHolder 6"/>
           <p:cNvSpPr>
             <a:spLocks noGrp="1"/>
           </p:cNvSpPr>
@@ -3300,8 +3339,8 @@
         </p:nvSpPr>
         <p:spPr>
           <a:xfrm>
-            <a:off x="4566600" y="4156560"/>
-            <a:ext cx="3023640" cy="1673280"/>
+            <a:off x="4319640" y="3682080"/>
+            <a:ext cx="3533040" cy="1896840"/>
           </a:xfrm>
           <a:prstGeom prst="rect">
             <a:avLst/>
@@ -3312,18 +3351,15 @@
             <a:normAutofit/>
           </a:bodyPr>
           <a:p>
-            <a:endParaRPr b="0" lang="ru-RU" sz="2400" spc="-1" strike="noStrike">
-              <a:solidFill>
-                <a:srgbClr val="4e3b30"/>
-              </a:solidFill>
-              <a:latin typeface="Century Gothic"/>
+            <a:endParaRPr b="0" lang="ru-RU" sz="3200" spc="-1" strike="noStrike">
+              <a:latin typeface="Arial"/>
             </a:endParaRPr>
           </a:p>
         </p:txBody>
       </p:sp>
       <p:sp>
         <p:nvSpPr>
-          <p:cNvPr id="208" name="PlaceHolder 7"/>
+          <p:cNvPr id="202" name="PlaceHolder 7"/>
           <p:cNvSpPr>
             <a:spLocks noGrp="1"/>
           </p:cNvSpPr>
@@ -3333,8 +3369,8 @@
         </p:nvSpPr>
         <p:spPr>
           <a:xfrm>
-            <a:off x="7741800" y="4156560"/>
-            <a:ext cx="3023640" cy="1673280"/>
+            <a:off x="8029800" y="3682080"/>
+            <a:ext cx="3533040" cy="1896840"/>
           </a:xfrm>
           <a:prstGeom prst="rect">
             <a:avLst/>
@@ -3345,11 +3381,8 @@
             <a:normAutofit/>
           </a:bodyPr>
           <a:p>
-            <a:endParaRPr b="0" lang="ru-RU" sz="2400" spc="-1" strike="noStrike">
-              <a:solidFill>
-                <a:srgbClr val="4e3b30"/>
-              </a:solidFill>
-              <a:latin typeface="Century Gothic"/>
+            <a:endParaRPr b="0" lang="ru-RU" sz="3200" spc="-1" strike="noStrike">
+              <a:latin typeface="Arial"/>
             </a:endParaRPr>
           </a:p>
         </p:txBody>
@@ -3378,7 +3411,7 @@
       </p:grpSpPr>
       <p:sp>
         <p:nvSpPr>
-          <p:cNvPr id="92" name="PlaceHolder 1"/>
+          <p:cNvPr id="89" name="PlaceHolder 1"/>
           <p:cNvSpPr>
             <a:spLocks noGrp="1"/>
           </p:cNvSpPr>
@@ -3388,8 +3421,8 @@
         </p:nvSpPr>
         <p:spPr>
           <a:xfrm>
-            <a:off x="1391400" y="1027800"/>
-            <a:ext cx="9366120" cy="1142640"/>
+            <a:off x="609480" y="221040"/>
+            <a:ext cx="10972440" cy="1250280"/>
           </a:xfrm>
           <a:prstGeom prst="rect">
             <a:avLst/>
@@ -3398,18 +3431,16 @@
         <p:txBody>
           <a:bodyPr lIns="0" rIns="0" tIns="0" bIns="0" anchor="ctr"/>
           <a:p>
-            <a:endParaRPr b="0" lang="ru-RU" sz="1800" spc="-1" strike="noStrike">
-              <a:solidFill>
-                <a:srgbClr val="000000"/>
-              </a:solidFill>
-              <a:latin typeface="Century Gothic"/>
+            <a:pPr algn="ctr"/>
+            <a:endParaRPr b="0" lang="ru-RU" sz="4400" spc="-1" strike="noStrike">
+              <a:latin typeface="Arial"/>
             </a:endParaRPr>
           </a:p>
         </p:txBody>
       </p:sp>
       <p:sp>
         <p:nvSpPr>
-          <p:cNvPr id="93" name="PlaceHolder 2"/>
+          <p:cNvPr id="90" name="PlaceHolder 2"/>
           <p:cNvSpPr>
             <a:spLocks noGrp="1"/>
           </p:cNvSpPr>
@@ -3419,8 +3450,8 @@
         </p:nvSpPr>
         <p:spPr>
           <a:xfrm>
-            <a:off x="1391400" y="2323800"/>
-            <a:ext cx="9390600" cy="3508560"/>
+            <a:off x="609480" y="1604520"/>
+            <a:ext cx="10972440" cy="3977280"/>
           </a:xfrm>
           <a:prstGeom prst="rect">
             <a:avLst/>
@@ -3431,11 +3462,8 @@
             <a:normAutofit/>
           </a:bodyPr>
           <a:p>
-            <a:endParaRPr b="0" lang="ru-RU" sz="2400" spc="-1" strike="noStrike">
-              <a:solidFill>
-                <a:srgbClr val="4e3b30"/>
-              </a:solidFill>
-              <a:latin typeface="Century Gothic"/>
+            <a:endParaRPr b="0" lang="ru-RU" sz="3200" spc="-1" strike="noStrike">
+              <a:latin typeface="Arial"/>
             </a:endParaRPr>
           </a:p>
         </p:txBody>
@@ -3464,7 +3492,7 @@
       </p:grpSpPr>
       <p:sp>
         <p:nvSpPr>
-          <p:cNvPr id="94" name="PlaceHolder 1"/>
+          <p:cNvPr id="91" name="PlaceHolder 1"/>
           <p:cNvSpPr>
             <a:spLocks noGrp="1"/>
           </p:cNvSpPr>
@@ -3474,8 +3502,8 @@
         </p:nvSpPr>
         <p:spPr>
           <a:xfrm>
-            <a:off x="1391400" y="1027800"/>
-            <a:ext cx="9366120" cy="1142640"/>
+            <a:off x="609480" y="221040"/>
+            <a:ext cx="10972440" cy="1250280"/>
           </a:xfrm>
           <a:prstGeom prst="rect">
             <a:avLst/>
@@ -3484,18 +3512,16 @@
         <p:txBody>
           <a:bodyPr lIns="0" rIns="0" tIns="0" bIns="0" anchor="ctr"/>
           <a:p>
-            <a:endParaRPr b="0" lang="ru-RU" sz="1800" spc="-1" strike="noStrike">
-              <a:solidFill>
-                <a:srgbClr val="000000"/>
-              </a:solidFill>
-              <a:latin typeface="Century Gothic"/>
+            <a:pPr algn="ctr"/>
+            <a:endParaRPr b="0" lang="ru-RU" sz="4400" spc="-1" strike="noStrike">
+              <a:latin typeface="Arial"/>
             </a:endParaRPr>
           </a:p>
         </p:txBody>
       </p:sp>
       <p:sp>
         <p:nvSpPr>
-          <p:cNvPr id="95" name="PlaceHolder 2"/>
+          <p:cNvPr id="92" name="PlaceHolder 2"/>
           <p:cNvSpPr>
             <a:spLocks noGrp="1"/>
           </p:cNvSpPr>
@@ -3505,8 +3531,8 @@
         </p:nvSpPr>
         <p:spPr>
           <a:xfrm>
-            <a:off x="1391400" y="2323800"/>
-            <a:ext cx="4582440" cy="3508560"/>
+            <a:off x="609480" y="1604520"/>
+            <a:ext cx="5354280" cy="3977280"/>
           </a:xfrm>
           <a:prstGeom prst="rect">
             <a:avLst/>
@@ -3517,18 +3543,15 @@
             <a:normAutofit/>
           </a:bodyPr>
           <a:p>
-            <a:endParaRPr b="0" lang="ru-RU" sz="2400" spc="-1" strike="noStrike">
-              <a:solidFill>
-                <a:srgbClr val="4e3b30"/>
-              </a:solidFill>
-              <a:latin typeface="Century Gothic"/>
+            <a:endParaRPr b="0" lang="ru-RU" sz="3200" spc="-1" strike="noStrike">
+              <a:latin typeface="Arial"/>
             </a:endParaRPr>
           </a:p>
         </p:txBody>
       </p:sp>
       <p:sp>
         <p:nvSpPr>
-          <p:cNvPr id="96" name="PlaceHolder 3"/>
+          <p:cNvPr id="93" name="PlaceHolder 3"/>
           <p:cNvSpPr>
             <a:spLocks noGrp="1"/>
           </p:cNvSpPr>
@@ -3538,8 +3561,8 @@
         </p:nvSpPr>
         <p:spPr>
           <a:xfrm>
-            <a:off x="6203520" y="2323800"/>
-            <a:ext cx="4582440" cy="3508560"/>
+            <a:off x="6231960" y="1604520"/>
+            <a:ext cx="5354280" cy="3977280"/>
           </a:xfrm>
           <a:prstGeom prst="rect">
             <a:avLst/>
@@ -3550,11 +3573,8 @@
             <a:normAutofit/>
           </a:bodyPr>
           <a:p>
-            <a:endParaRPr b="0" lang="ru-RU" sz="2400" spc="-1" strike="noStrike">
-              <a:solidFill>
-                <a:srgbClr val="4e3b30"/>
-              </a:solidFill>
-              <a:latin typeface="Century Gothic"/>
+            <a:endParaRPr b="0" lang="ru-RU" sz="3200" spc="-1" strike="noStrike">
+              <a:latin typeface="Arial"/>
             </a:endParaRPr>
           </a:p>
         </p:txBody>
@@ -3583,7 +3603,7 @@
       </p:grpSpPr>
       <p:sp>
         <p:nvSpPr>
-          <p:cNvPr id="97" name="PlaceHolder 1"/>
+          <p:cNvPr id="94" name="PlaceHolder 1"/>
           <p:cNvSpPr>
             <a:spLocks noGrp="1"/>
           </p:cNvSpPr>
@@ -3593,8 +3613,8 @@
         </p:nvSpPr>
         <p:spPr>
           <a:xfrm>
-            <a:off x="1391400" y="1027800"/>
-            <a:ext cx="9366120" cy="1142640"/>
+            <a:off x="609480" y="221040"/>
+            <a:ext cx="10972440" cy="1250280"/>
           </a:xfrm>
           <a:prstGeom prst="rect">
             <a:avLst/>
@@ -3603,11 +3623,9 @@
         <p:txBody>
           <a:bodyPr lIns="0" rIns="0" tIns="0" bIns="0" anchor="ctr"/>
           <a:p>
-            <a:endParaRPr b="0" lang="ru-RU" sz="1800" spc="-1" strike="noStrike">
-              <a:solidFill>
-                <a:srgbClr val="000000"/>
-              </a:solidFill>
-              <a:latin typeface="Century Gothic"/>
+            <a:pPr algn="ctr"/>
+            <a:endParaRPr b="0" lang="ru-RU" sz="4400" spc="-1" strike="noStrike">
+              <a:latin typeface="Arial"/>
             </a:endParaRPr>
           </a:p>
         </p:txBody>
@@ -3636,7 +3654,7 @@
       </p:grpSpPr>
       <p:sp>
         <p:nvSpPr>
-          <p:cNvPr id="98" name="PlaceHolder 1"/>
+          <p:cNvPr id="95" name="PlaceHolder 1"/>
           <p:cNvSpPr>
             <a:spLocks noGrp="1"/>
           </p:cNvSpPr>
@@ -3646,8 +3664,8 @@
         </p:nvSpPr>
         <p:spPr>
           <a:xfrm>
-            <a:off x="1391400" y="1027800"/>
-            <a:ext cx="9366120" cy="5297760"/>
+            <a:off x="609480" y="273600"/>
+            <a:ext cx="10972440" cy="5307840"/>
           </a:xfrm>
           <a:prstGeom prst="rect">
             <a:avLst/>
@@ -3687,7 +3705,7 @@
       </p:grpSpPr>
       <p:sp>
         <p:nvSpPr>
-          <p:cNvPr id="99" name="PlaceHolder 1"/>
+          <p:cNvPr id="96" name="PlaceHolder 1"/>
           <p:cNvSpPr>
             <a:spLocks noGrp="1"/>
           </p:cNvSpPr>
@@ -3697,8 +3715,8 @@
         </p:nvSpPr>
         <p:spPr>
           <a:xfrm>
-            <a:off x="1391400" y="1027800"/>
-            <a:ext cx="9366120" cy="1142640"/>
+            <a:off x="609480" y="221040"/>
+            <a:ext cx="10972440" cy="1250280"/>
           </a:xfrm>
           <a:prstGeom prst="rect">
             <a:avLst/>
@@ -3707,18 +3725,16 @@
         <p:txBody>
           <a:bodyPr lIns="0" rIns="0" tIns="0" bIns="0" anchor="ctr"/>
           <a:p>
-            <a:endParaRPr b="0" lang="ru-RU" sz="1800" spc="-1" strike="noStrike">
-              <a:solidFill>
-                <a:srgbClr val="000000"/>
-              </a:solidFill>
-              <a:latin typeface="Century Gothic"/>
+            <a:pPr algn="ctr"/>
+            <a:endParaRPr b="0" lang="ru-RU" sz="4400" spc="-1" strike="noStrike">
+              <a:latin typeface="Arial"/>
             </a:endParaRPr>
           </a:p>
         </p:txBody>
       </p:sp>
       <p:sp>
         <p:nvSpPr>
-          <p:cNvPr id="100" name="PlaceHolder 2"/>
+          <p:cNvPr id="97" name="PlaceHolder 2"/>
           <p:cNvSpPr>
             <a:spLocks noGrp="1"/>
           </p:cNvSpPr>
@@ -3728,8 +3744,8 @@
         </p:nvSpPr>
         <p:spPr>
           <a:xfrm>
-            <a:off x="1391400" y="2323800"/>
-            <a:ext cx="4582440" cy="1673280"/>
+            <a:off x="609480" y="1604520"/>
+            <a:ext cx="5354280" cy="1896840"/>
           </a:xfrm>
           <a:prstGeom prst="rect">
             <a:avLst/>
@@ -3740,18 +3756,15 @@
             <a:normAutofit/>
           </a:bodyPr>
           <a:p>
-            <a:endParaRPr b="0" lang="ru-RU" sz="2400" spc="-1" strike="noStrike">
-              <a:solidFill>
-                <a:srgbClr val="4e3b30"/>
-              </a:solidFill>
-              <a:latin typeface="Century Gothic"/>
+            <a:endParaRPr b="0" lang="ru-RU" sz="3200" spc="-1" strike="noStrike">
+              <a:latin typeface="Arial"/>
             </a:endParaRPr>
           </a:p>
         </p:txBody>
       </p:sp>
       <p:sp>
         <p:nvSpPr>
-          <p:cNvPr id="101" name="PlaceHolder 3"/>
+          <p:cNvPr id="98" name="PlaceHolder 3"/>
           <p:cNvSpPr>
             <a:spLocks noGrp="1"/>
           </p:cNvSpPr>
@@ -3761,8 +3774,8 @@
         </p:nvSpPr>
         <p:spPr>
           <a:xfrm>
-            <a:off x="6203520" y="2323800"/>
-            <a:ext cx="4582440" cy="3508560"/>
+            <a:off x="6231960" y="1604520"/>
+            <a:ext cx="5354280" cy="3977280"/>
           </a:xfrm>
           <a:prstGeom prst="rect">
             <a:avLst/>
@@ -3773,18 +3786,15 @@
             <a:normAutofit/>
           </a:bodyPr>
           <a:p>
-            <a:endParaRPr b="0" lang="ru-RU" sz="2400" spc="-1" strike="noStrike">
-              <a:solidFill>
-                <a:srgbClr val="4e3b30"/>
-              </a:solidFill>
-              <a:latin typeface="Century Gothic"/>
+            <a:endParaRPr b="0" lang="ru-RU" sz="3200" spc="-1" strike="noStrike">
+              <a:latin typeface="Arial"/>
             </a:endParaRPr>
           </a:p>
         </p:txBody>
       </p:sp>
       <p:sp>
         <p:nvSpPr>
-          <p:cNvPr id="102" name="PlaceHolder 4"/>
+          <p:cNvPr id="99" name="PlaceHolder 4"/>
           <p:cNvSpPr>
             <a:spLocks noGrp="1"/>
           </p:cNvSpPr>
@@ -3794,8 +3804,8 @@
         </p:nvSpPr>
         <p:spPr>
           <a:xfrm>
-            <a:off x="1391400" y="4156560"/>
-            <a:ext cx="4582440" cy="1673280"/>
+            <a:off x="609480" y="3682080"/>
+            <a:ext cx="5354280" cy="1896840"/>
           </a:xfrm>
           <a:prstGeom prst="rect">
             <a:avLst/>
@@ -3806,11 +3816,8 @@
             <a:normAutofit/>
           </a:bodyPr>
           <a:p>
-            <a:endParaRPr b="0" lang="ru-RU" sz="2400" spc="-1" strike="noStrike">
-              <a:solidFill>
-                <a:srgbClr val="4e3b30"/>
-              </a:solidFill>
-              <a:latin typeface="Century Gothic"/>
+            <a:endParaRPr b="0" lang="ru-RU" sz="3200" spc="-1" strike="noStrike">
+              <a:latin typeface="Arial"/>
             </a:endParaRPr>
           </a:p>
         </p:txBody>
@@ -3839,7 +3846,7 @@
       </p:grpSpPr>
       <p:sp>
         <p:nvSpPr>
-          <p:cNvPr id="103" name="PlaceHolder 1"/>
+          <p:cNvPr id="100" name="PlaceHolder 1"/>
           <p:cNvSpPr>
             <a:spLocks noGrp="1"/>
           </p:cNvSpPr>
@@ -3849,8 +3856,8 @@
         </p:nvSpPr>
         <p:spPr>
           <a:xfrm>
-            <a:off x="1391400" y="1027800"/>
-            <a:ext cx="9366120" cy="1142640"/>
+            <a:off x="609480" y="221040"/>
+            <a:ext cx="10972440" cy="1250280"/>
           </a:xfrm>
           <a:prstGeom prst="rect">
             <a:avLst/>
@@ -3859,18 +3866,16 @@
         <p:txBody>
           <a:bodyPr lIns="0" rIns="0" tIns="0" bIns="0" anchor="ctr"/>
           <a:p>
-            <a:endParaRPr b="0" lang="ru-RU" sz="1800" spc="-1" strike="noStrike">
-              <a:solidFill>
-                <a:srgbClr val="000000"/>
-              </a:solidFill>
-              <a:latin typeface="Century Gothic"/>
+            <a:pPr algn="ctr"/>
+            <a:endParaRPr b="0" lang="ru-RU" sz="4400" spc="-1" strike="noStrike">
+              <a:latin typeface="Arial"/>
             </a:endParaRPr>
           </a:p>
         </p:txBody>
       </p:sp>
       <p:sp>
         <p:nvSpPr>
-          <p:cNvPr id="104" name="PlaceHolder 2"/>
+          <p:cNvPr id="101" name="PlaceHolder 2"/>
           <p:cNvSpPr>
             <a:spLocks noGrp="1"/>
           </p:cNvSpPr>
@@ -3880,8 +3885,8 @@
         </p:nvSpPr>
         <p:spPr>
           <a:xfrm>
-            <a:off x="1391400" y="2323800"/>
-            <a:ext cx="4582440" cy="3508560"/>
+            <a:off x="609480" y="1604520"/>
+            <a:ext cx="5354280" cy="3977280"/>
           </a:xfrm>
           <a:prstGeom prst="rect">
             <a:avLst/>
@@ -3892,18 +3897,15 @@
             <a:normAutofit/>
           </a:bodyPr>
           <a:p>
-            <a:endParaRPr b="0" lang="ru-RU" sz="2400" spc="-1" strike="noStrike">
-              <a:solidFill>
-                <a:srgbClr val="4e3b30"/>
-              </a:solidFill>
-              <a:latin typeface="Century Gothic"/>
+            <a:endParaRPr b="0" lang="ru-RU" sz="3200" spc="-1" strike="noStrike">
+              <a:latin typeface="Arial"/>
             </a:endParaRPr>
           </a:p>
         </p:txBody>
       </p:sp>
       <p:sp>
         <p:nvSpPr>
-          <p:cNvPr id="105" name="PlaceHolder 3"/>
+          <p:cNvPr id="102" name="PlaceHolder 3"/>
           <p:cNvSpPr>
             <a:spLocks noGrp="1"/>
           </p:cNvSpPr>
@@ -3913,8 +3915,8 @@
         </p:nvSpPr>
         <p:spPr>
           <a:xfrm>
-            <a:off x="6203520" y="2323800"/>
-            <a:ext cx="4582440" cy="1673280"/>
+            <a:off x="6231960" y="1604520"/>
+            <a:ext cx="5354280" cy="1896840"/>
           </a:xfrm>
           <a:prstGeom prst="rect">
             <a:avLst/>
@@ -3925,18 +3927,15 @@
             <a:normAutofit/>
           </a:bodyPr>
           <a:p>
-            <a:endParaRPr b="0" lang="ru-RU" sz="2400" spc="-1" strike="noStrike">
-              <a:solidFill>
-                <a:srgbClr val="4e3b30"/>
-              </a:solidFill>
-              <a:latin typeface="Century Gothic"/>
+            <a:endParaRPr b="0" lang="ru-RU" sz="3200" spc="-1" strike="noStrike">
+              <a:latin typeface="Arial"/>
             </a:endParaRPr>
           </a:p>
         </p:txBody>
       </p:sp>
       <p:sp>
         <p:nvSpPr>
-          <p:cNvPr id="106" name="PlaceHolder 4"/>
+          <p:cNvPr id="103" name="PlaceHolder 4"/>
           <p:cNvSpPr>
             <a:spLocks noGrp="1"/>
           </p:cNvSpPr>
@@ -3946,8 +3945,8 @@
         </p:nvSpPr>
         <p:spPr>
           <a:xfrm>
-            <a:off x="6203520" y="4156560"/>
-            <a:ext cx="4582440" cy="1673280"/>
+            <a:off x="6231960" y="3682080"/>
+            <a:ext cx="5354280" cy="1896840"/>
           </a:xfrm>
           <a:prstGeom prst="rect">
             <a:avLst/>
@@ -3958,11 +3957,8 @@
             <a:normAutofit/>
           </a:bodyPr>
           <a:p>
-            <a:endParaRPr b="0" lang="ru-RU" sz="2400" spc="-1" strike="noStrike">
-              <a:solidFill>
-                <a:srgbClr val="4e3b30"/>
-              </a:solidFill>
-              <a:latin typeface="Century Gothic"/>
+            <a:endParaRPr b="0" lang="ru-RU" sz="3200" spc="-1" strike="noStrike">
+              <a:latin typeface="Arial"/>
             </a:endParaRPr>
           </a:p>
         </p:txBody>
@@ -3991,7 +3987,7 @@
       </p:grpSpPr>
       <p:sp>
         <p:nvSpPr>
-          <p:cNvPr id="107" name="PlaceHolder 1"/>
+          <p:cNvPr id="104" name="PlaceHolder 1"/>
           <p:cNvSpPr>
             <a:spLocks noGrp="1"/>
           </p:cNvSpPr>
@@ -4001,8 +3997,8 @@
         </p:nvSpPr>
         <p:spPr>
           <a:xfrm>
-            <a:off x="1391400" y="1027800"/>
-            <a:ext cx="9366120" cy="1142640"/>
+            <a:off x="609480" y="221040"/>
+            <a:ext cx="10972440" cy="1250280"/>
           </a:xfrm>
           <a:prstGeom prst="rect">
             <a:avLst/>
@@ -4011,18 +4007,16 @@
         <p:txBody>
           <a:bodyPr lIns="0" rIns="0" tIns="0" bIns="0" anchor="ctr"/>
           <a:p>
-            <a:endParaRPr b="0" lang="ru-RU" sz="1800" spc="-1" strike="noStrike">
-              <a:solidFill>
-                <a:srgbClr val="000000"/>
-              </a:solidFill>
-              <a:latin typeface="Century Gothic"/>
+            <a:pPr algn="ctr"/>
+            <a:endParaRPr b="0" lang="ru-RU" sz="4400" spc="-1" strike="noStrike">
+              <a:latin typeface="Arial"/>
             </a:endParaRPr>
           </a:p>
         </p:txBody>
       </p:sp>
       <p:sp>
         <p:nvSpPr>
-          <p:cNvPr id="108" name="PlaceHolder 2"/>
+          <p:cNvPr id="105" name="PlaceHolder 2"/>
           <p:cNvSpPr>
             <a:spLocks noGrp="1"/>
           </p:cNvSpPr>
@@ -4032,8 +4026,8 @@
         </p:nvSpPr>
         <p:spPr>
           <a:xfrm>
-            <a:off x="1391400" y="2323800"/>
-            <a:ext cx="4582440" cy="1673280"/>
+            <a:off x="609480" y="1604520"/>
+            <a:ext cx="5354280" cy="1896840"/>
           </a:xfrm>
           <a:prstGeom prst="rect">
             <a:avLst/>
@@ -4044,18 +4038,15 @@
             <a:normAutofit/>
           </a:bodyPr>
           <a:p>
-            <a:endParaRPr b="0" lang="ru-RU" sz="2400" spc="-1" strike="noStrike">
-              <a:solidFill>
-                <a:srgbClr val="4e3b30"/>
-              </a:solidFill>
-              <a:latin typeface="Century Gothic"/>
+            <a:endParaRPr b="0" lang="ru-RU" sz="3200" spc="-1" strike="noStrike">
+              <a:latin typeface="Arial"/>
             </a:endParaRPr>
           </a:p>
         </p:txBody>
       </p:sp>
       <p:sp>
         <p:nvSpPr>
-          <p:cNvPr id="109" name="PlaceHolder 3"/>
+          <p:cNvPr id="106" name="PlaceHolder 3"/>
           <p:cNvSpPr>
             <a:spLocks noGrp="1"/>
           </p:cNvSpPr>
@@ -4065,8 +4056,8 @@
         </p:nvSpPr>
         <p:spPr>
           <a:xfrm>
-            <a:off x="6203520" y="2323800"/>
-            <a:ext cx="4582440" cy="1673280"/>
+            <a:off x="6231960" y="1604520"/>
+            <a:ext cx="5354280" cy="1896840"/>
           </a:xfrm>
           <a:prstGeom prst="rect">
             <a:avLst/>
@@ -4077,18 +4068,15 @@
             <a:normAutofit/>
           </a:bodyPr>
           <a:p>
-            <a:endParaRPr b="0" lang="ru-RU" sz="2400" spc="-1" strike="noStrike">
-              <a:solidFill>
-                <a:srgbClr val="4e3b30"/>
-              </a:solidFill>
-              <a:latin typeface="Century Gothic"/>
+            <a:endParaRPr b="0" lang="ru-RU" sz="3200" spc="-1" strike="noStrike">
+              <a:latin typeface="Arial"/>
             </a:endParaRPr>
           </a:p>
         </p:txBody>
       </p:sp>
       <p:sp>
         <p:nvSpPr>
-          <p:cNvPr id="110" name="PlaceHolder 4"/>
+          <p:cNvPr id="107" name="PlaceHolder 4"/>
           <p:cNvSpPr>
             <a:spLocks noGrp="1"/>
           </p:cNvSpPr>
@@ -4098,8 +4086,8 @@
         </p:nvSpPr>
         <p:spPr>
           <a:xfrm>
-            <a:off x="1391400" y="4156560"/>
-            <a:ext cx="9390600" cy="1673280"/>
+            <a:off x="609480" y="3682080"/>
+            <a:ext cx="10972440" cy="1896840"/>
           </a:xfrm>
           <a:prstGeom prst="rect">
             <a:avLst/>
@@ -4110,11 +4098,8 @@
             <a:normAutofit/>
           </a:bodyPr>
           <a:p>
-            <a:endParaRPr b="0" lang="ru-RU" sz="2400" spc="-1" strike="noStrike">
-              <a:solidFill>
-                <a:srgbClr val="4e3b30"/>
-              </a:solidFill>
-              <a:latin typeface="Century Gothic"/>
+            <a:endParaRPr b="0" lang="ru-RU" sz="3200" spc="-1" strike="noStrike">
+              <a:latin typeface="Arial"/>
             </a:endParaRPr>
           </a:p>
         </p:txBody>
@@ -4149,10 +4134,10 @@
         </p:nvGrpSpPr>
         <p:grpSpPr>
           <a:xfrm>
-            <a:off x="-174600" y="0"/>
-            <a:ext cx="13262400" cy="7411680"/>
-            <a:chOff x="-174600" y="0"/>
-            <a:chExt cx="13262400" cy="7411680"/>
+            <a:off x="-515160" y="0"/>
+            <a:ext cx="13602240" cy="7263360"/>
+            <a:chOff x="-515160" y="0"/>
+            <a:chExt cx="13602240" cy="7263360"/>
           </a:xfrm>
         </p:grpSpPr>
         <p:grpSp>
@@ -4178,9 +4163,9 @@
             <p:grpSpPr>
               <a:xfrm>
                 <a:off x="3240" y="0"/>
-                <a:ext cx="3352680" cy="6857640"/>
+                <a:ext cx="3352320" cy="6857280"/>
                 <a:chOff x="3240" y="0"/>
-                <a:chExt cx="3352680" cy="6857640"/>
+                <a:chExt cx="3352320" cy="6857280"/>
               </a:xfrm>
             </p:grpSpPr>
             <p:sp>
@@ -4192,7 +4177,7 @@
               <p:spPr>
                 <a:xfrm>
                   <a:off x="1222560" y="0"/>
-                  <a:ext cx="2133360" cy="6857640"/>
+                  <a:ext cx="2133000" cy="6857280"/>
                 </a:xfrm>
                 <a:prstGeom prst="rect">
                   <a:avLst/>
@@ -4230,7 +4215,7 @@
               <p:spPr>
                 <a:xfrm>
                   <a:off x="3240" y="0"/>
-                  <a:ext cx="609120" cy="6857640"/>
+                  <a:ext cx="608760" cy="6857280"/>
                 </a:xfrm>
                 <a:prstGeom prst="rect">
                   <a:avLst/>
@@ -4268,7 +4253,7 @@
               <p:spPr>
                 <a:xfrm>
                   <a:off x="308160" y="0"/>
-                  <a:ext cx="1015560" cy="6857640"/>
+                  <a:ext cx="1015200" cy="6857280"/>
                 </a:xfrm>
                 <a:prstGeom prst="rect">
                   <a:avLst/>
@@ -4307,9 +4292,9 @@
             <p:grpSpPr>
               <a:xfrm>
                 <a:off x="567000" y="0"/>
-                <a:ext cx="3352680" cy="6857640"/>
+                <a:ext cx="3352320" cy="6857280"/>
                 <a:chOff x="567000" y="0"/>
-                <a:chExt cx="3352680" cy="6857640"/>
+                <a:chExt cx="3352320" cy="6857280"/>
               </a:xfrm>
             </p:grpSpPr>
             <p:sp>
@@ -4321,7 +4306,7 @@
               <p:spPr>
                 <a:xfrm>
                   <a:off x="1786320" y="0"/>
-                  <a:ext cx="2133360" cy="6857640"/>
+                  <a:ext cx="2133000" cy="6857280"/>
                 </a:xfrm>
                 <a:prstGeom prst="rect">
                   <a:avLst/>
@@ -4359,7 +4344,7 @@
               <p:spPr>
                 <a:xfrm>
                   <a:off x="567000" y="0"/>
-                  <a:ext cx="609120" cy="6857640"/>
+                  <a:ext cx="608760" cy="6857280"/>
                 </a:xfrm>
                 <a:prstGeom prst="rect">
                   <a:avLst/>
@@ -4397,7 +4382,7 @@
               <p:spPr>
                 <a:xfrm>
                   <a:off x="871920" y="0"/>
-                  <a:ext cx="1015560" cy="6857640"/>
+                  <a:ext cx="1015200" cy="6857280"/>
                 </a:xfrm>
                 <a:prstGeom prst="rect">
                   <a:avLst/>
@@ -4435,10 +4420,10 @@
             </p:nvGrpSpPr>
             <p:grpSpPr>
               <a:xfrm>
-                <a:off x="8842680" y="360"/>
-                <a:ext cx="3352680" cy="6857640"/>
-                <a:chOff x="8842680" y="360"/>
-                <a:chExt cx="3352680" cy="6857640"/>
+                <a:off x="8843040" y="720"/>
+                <a:ext cx="3352320" cy="6857280"/>
+                <a:chOff x="8843040" y="720"/>
+                <a:chExt cx="3352320" cy="6857280"/>
               </a:xfrm>
             </p:grpSpPr>
             <p:sp>
@@ -4449,8 +4434,8 @@
               </p:nvSpPr>
               <p:spPr>
                 <a:xfrm rot="10800000">
-                  <a:off x="8842680" y="360"/>
-                  <a:ext cx="2133360" cy="6857640"/>
+                  <a:off x="8843040" y="720"/>
+                  <a:ext cx="2133000" cy="6857280"/>
                 </a:xfrm>
                 <a:prstGeom prst="rect">
                   <a:avLst/>
@@ -4487,8 +4472,8 @@
               </p:nvSpPr>
               <p:spPr>
                 <a:xfrm rot="10800000">
-                  <a:off x="11586240" y="360"/>
-                  <a:ext cx="609120" cy="6857640"/>
+                  <a:off x="11586600" y="720"/>
+                  <a:ext cx="608760" cy="6857280"/>
                 </a:xfrm>
                 <a:prstGeom prst="rect">
                   <a:avLst/>
@@ -4525,8 +4510,8 @@
               </p:nvSpPr>
               <p:spPr>
                 <a:xfrm rot="10800000">
-                  <a:off x="10874880" y="360"/>
-                  <a:ext cx="1015560" cy="6857640"/>
+                  <a:off x="10875240" y="720"/>
+                  <a:ext cx="1015200" cy="6857280"/>
                 </a:xfrm>
                 <a:prstGeom prst="rect">
                   <a:avLst/>
@@ -4565,7 +4550,7 @@
             <p:spPr>
               <a:xfrm>
                 <a:off x="5083200" y="0"/>
-                <a:ext cx="3758760" cy="6857640"/>
+                <a:ext cx="3758400" cy="6857280"/>
               </a:xfrm>
               <a:prstGeom prst="rect">
                 <a:avLst/>
@@ -4603,7 +4588,7 @@
             <p:spPr>
               <a:xfrm>
                 <a:off x="3864240" y="0"/>
-                <a:ext cx="609120" cy="6857640"/>
+                <a:ext cx="608760" cy="6857280"/>
               </a:xfrm>
               <a:prstGeom prst="rect">
                 <a:avLst/>
@@ -4641,7 +4626,7 @@
             <p:spPr>
               <a:xfrm>
                 <a:off x="4168800" y="0"/>
-                <a:ext cx="1015560" cy="6857640"/>
+                <a:ext cx="1015200" cy="6857280"/>
               </a:xfrm>
               <a:prstGeom prst="rect">
                 <a:avLst/>
@@ -4680,7 +4665,7 @@
           <p:spPr>
             <a:xfrm>
               <a:off x="-12600" y="5034960"/>
-              <a:ext cx="12191760" cy="1175400"/>
+              <a:ext cx="12191400" cy="1175040"/>
             </a:xfrm>
             <a:custGeom>
               <a:avLst/>
@@ -4722,6 +4707,7 @@
                   <a:alpha val="20000"/>
                 </a:schemeClr>
               </a:solidFill>
+              <a:round/>
             </a:ln>
           </p:spPr>
           <p:style>
@@ -4746,7 +4732,7 @@
           <p:spPr>
             <a:xfrm>
               <a:off x="-12600" y="3467520"/>
-              <a:ext cx="12191760" cy="890280"/>
+              <a:ext cx="12191400" cy="889920"/>
             </a:xfrm>
             <a:custGeom>
               <a:avLst/>
@@ -4788,6 +4774,7 @@
                   <a:alpha val="20000"/>
                 </a:schemeClr>
               </a:solidFill>
+              <a:round/>
             </a:ln>
           </p:spPr>
           <p:style>
@@ -4812,7 +4799,7 @@
           <p:spPr>
             <a:xfrm>
               <a:off x="-28440" y="5640840"/>
-              <a:ext cx="4005720" cy="1211040"/>
+              <a:ext cx="4005360" cy="1210680"/>
             </a:xfrm>
             <a:custGeom>
               <a:avLst/>
@@ -4839,6 +4826,7 @@
                   <a:alpha val="20000"/>
                 </a:schemeClr>
               </a:solidFill>
+              <a:round/>
             </a:ln>
           </p:spPr>
           <p:style>
@@ -4863,7 +4851,7 @@
           <p:spPr>
             <a:xfrm>
               <a:off x="-12600" y="5284440"/>
-              <a:ext cx="12191760" cy="1478160"/>
+              <a:ext cx="12191400" cy="1477800"/>
             </a:xfrm>
             <a:custGeom>
               <a:avLst/>
@@ -4915,6 +4903,7 @@
                   <a:alpha val="20000"/>
                 </a:schemeClr>
               </a:solidFill>
+              <a:round/>
             </a:ln>
           </p:spPr>
           <p:style>
@@ -4939,7 +4928,7 @@
           <p:spPr>
             <a:xfrm>
               <a:off x="2853360" y="5132160"/>
-              <a:ext cx="9309960" cy="1719720"/>
+              <a:ext cx="9309600" cy="1719360"/>
             </a:xfrm>
             <a:custGeom>
               <a:avLst/>
@@ -5009,6 +4998,7 @@
                   <a:alpha val="20000"/>
                 </a:schemeClr>
               </a:solidFill>
+              <a:round/>
             </a:ln>
           </p:spPr>
           <p:style>
@@ -5032,8 +5022,8 @@
           </p:nvSpPr>
           <p:spPr>
             <a:xfrm rot="1404600">
-              <a:off x="4228920" y="2891520"/>
-              <a:ext cx="2014560" cy="1470600"/>
+              <a:off x="4228920" y="2891160"/>
+              <a:ext cx="2014200" cy="1470240"/>
             </a:xfrm>
             <a:prstGeom prst="hexagon">
               <a:avLst>
@@ -5052,6 +5042,7 @@
                   <a:alpha val="12000"/>
                 </a:schemeClr>
               </a:solidFill>
+              <a:round/>
             </a:ln>
           </p:spPr>
           <p:style>
@@ -5077,8 +5068,8 @@
           </p:nvSpPr>
           <p:spPr>
             <a:xfrm rot="1404600">
-              <a:off x="5194080" y="4158360"/>
-              <a:ext cx="2014560" cy="1470600"/>
+              <a:off x="5194080" y="4158000"/>
+              <a:ext cx="2014200" cy="1470240"/>
             </a:xfrm>
             <a:prstGeom prst="hexagon">
               <a:avLst>
@@ -5093,6 +5084,7 @@
                   <a:alpha val="12000"/>
                 </a:schemeClr>
               </a:solidFill>
+              <a:round/>
             </a:ln>
           </p:spPr>
           <p:style>
@@ -5118,8 +5110,8 @@
           </p:nvSpPr>
           <p:spPr>
             <a:xfrm rot="1404600">
-              <a:off x="5206680" y="1624680"/>
-              <a:ext cx="2014560" cy="1470600"/>
+              <a:off x="5206680" y="1624320"/>
+              <a:ext cx="2014200" cy="1470240"/>
             </a:xfrm>
             <a:prstGeom prst="hexagon">
               <a:avLst>
@@ -5138,6 +5130,7 @@
                   <a:alpha val="8000"/>
                 </a:schemeClr>
               </a:solidFill>
+              <a:round/>
             </a:ln>
           </p:spPr>
           <p:style>
@@ -5163,8 +5156,8 @@
           </p:nvSpPr>
           <p:spPr>
             <a:xfrm rot="1404600">
-              <a:off x="4203360" y="357840"/>
-              <a:ext cx="2014560" cy="1470600"/>
+              <a:off x="4203360" y="357480"/>
+              <a:ext cx="2014200" cy="1470240"/>
             </a:xfrm>
             <a:prstGeom prst="hexagon">
               <a:avLst>
@@ -5183,6 +5176,7 @@
                   <a:alpha val="8000"/>
                 </a:schemeClr>
               </a:solidFill>
+              <a:round/>
             </a:ln>
           </p:spPr>
           <p:style>
@@ -5208,8 +5202,8 @@
           </p:nvSpPr>
           <p:spPr>
             <a:xfrm rot="1404600">
-              <a:off x="6184440" y="5415480"/>
-              <a:ext cx="2014560" cy="1470600"/>
+              <a:off x="6184440" y="5415120"/>
+              <a:ext cx="2014200" cy="1470240"/>
             </a:xfrm>
             <a:prstGeom prst="hexagon">
               <a:avLst>
@@ -5228,6 +5222,7 @@
                   <a:alpha val="12000"/>
                 </a:schemeClr>
               </a:solidFill>
+              <a:round/>
             </a:ln>
           </p:spPr>
           <p:style>
@@ -5253,8 +5248,8 @@
           </p:nvSpPr>
           <p:spPr>
             <a:xfrm rot="1404600">
-              <a:off x="-288360" y="4233600"/>
-              <a:ext cx="1586880" cy="1470600"/>
+              <a:off x="-288000" y="4233240"/>
+              <a:ext cx="1586520" cy="1470240"/>
             </a:xfrm>
             <a:custGeom>
               <a:avLst/>
@@ -5299,6 +5294,7 @@
                   <a:alpha val="12000"/>
                 </a:schemeClr>
               </a:solidFill>
+              <a:round/>
             </a:ln>
           </p:spPr>
           <p:style>
@@ -5324,8 +5320,8 @@
           </p:nvSpPr>
           <p:spPr>
             <a:xfrm rot="1404600">
-              <a:off x="266400" y="5434560"/>
-              <a:ext cx="2014560" cy="1470600"/>
+              <a:off x="266400" y="5434200"/>
+              <a:ext cx="2014200" cy="1470240"/>
             </a:xfrm>
             <a:prstGeom prst="hexagon">
               <a:avLst>
@@ -5340,6 +5336,7 @@
                   <a:alpha val="12000"/>
                 </a:schemeClr>
               </a:solidFill>
+              <a:round/>
             </a:ln>
           </p:spPr>
           <p:style>
@@ -5365,8 +5362,8 @@
           </p:nvSpPr>
           <p:spPr>
             <a:xfrm rot="1404600">
-              <a:off x="304560" y="2881800"/>
-              <a:ext cx="2014560" cy="1470600"/>
+              <a:off x="304560" y="2881440"/>
+              <a:ext cx="2014200" cy="1470240"/>
             </a:xfrm>
             <a:prstGeom prst="hexagon">
               <a:avLst>
@@ -5385,6 +5382,7 @@
                   <a:alpha val="8000"/>
                 </a:schemeClr>
               </a:solidFill>
+              <a:round/>
             </a:ln>
           </p:spPr>
           <p:style>
@@ -5410,8 +5408,8 @@
           </p:nvSpPr>
           <p:spPr>
             <a:xfrm rot="1404600">
-              <a:off x="1269720" y="4158360"/>
-              <a:ext cx="2014560" cy="1470600"/>
+              <a:off x="1269720" y="4158000"/>
+              <a:ext cx="2014200" cy="1470240"/>
             </a:xfrm>
             <a:prstGeom prst="hexagon">
               <a:avLst>
@@ -5426,6 +5424,7 @@
                   <a:alpha val="12000"/>
                 </a:schemeClr>
               </a:solidFill>
+              <a:round/>
             </a:ln>
           </p:spPr>
           <p:style>
@@ -5451,8 +5450,8 @@
           </p:nvSpPr>
           <p:spPr>
             <a:xfrm rot="1404600">
-              <a:off x="2247480" y="5443920"/>
-              <a:ext cx="2014560" cy="1470600"/>
+              <a:off x="2247480" y="5443560"/>
+              <a:ext cx="2014200" cy="1470240"/>
             </a:xfrm>
             <a:prstGeom prst="hexagon">
               <a:avLst>
@@ -5467,6 +5466,7 @@
                   <a:alpha val="12000"/>
                 </a:schemeClr>
               </a:solidFill>
+              <a:round/>
             </a:ln>
           </p:spPr>
           <p:style>
@@ -5492,8 +5492,8 @@
           </p:nvSpPr>
           <p:spPr>
             <a:xfrm rot="1404600">
-              <a:off x="2273040" y="2891520"/>
-              <a:ext cx="2014560" cy="1470600"/>
+              <a:off x="2273040" y="2891160"/>
+              <a:ext cx="2014200" cy="1470240"/>
             </a:xfrm>
             <a:prstGeom prst="hexagon">
               <a:avLst>
@@ -5512,6 +5512,7 @@
                   <a:alpha val="8000"/>
                 </a:schemeClr>
               </a:solidFill>
+              <a:round/>
             </a:ln>
           </p:spPr>
           <p:style>
@@ -5537,8 +5538,8 @@
           </p:nvSpPr>
           <p:spPr>
             <a:xfrm rot="1404600">
-              <a:off x="1295280" y="1595880"/>
-              <a:ext cx="2014560" cy="1470600"/>
+              <a:off x="1295280" y="1595520"/>
+              <a:ext cx="2014200" cy="1470240"/>
             </a:xfrm>
             <a:prstGeom prst="hexagon">
               <a:avLst>
@@ -5553,6 +5554,7 @@
                   <a:alpha val="12000"/>
                 </a:schemeClr>
               </a:solidFill>
+              <a:round/>
             </a:ln>
           </p:spPr>
           <p:style>
@@ -5578,8 +5580,8 @@
           </p:nvSpPr>
           <p:spPr>
             <a:xfrm rot="1404600">
-              <a:off x="9308880" y="4177080"/>
-              <a:ext cx="2014560" cy="1470600"/>
+              <a:off x="9308880" y="4176720"/>
+              <a:ext cx="2014200" cy="1470240"/>
             </a:xfrm>
             <a:prstGeom prst="hexagon">
               <a:avLst>
@@ -5598,6 +5600,7 @@
                   <a:alpha val="12000"/>
                 </a:schemeClr>
               </a:solidFill>
+              <a:round/>
             </a:ln>
           </p:spPr>
           <p:style>
@@ -5623,8 +5626,8 @@
           </p:nvSpPr>
           <p:spPr>
             <a:xfrm rot="1404600">
-              <a:off x="10299240" y="5453640"/>
-              <a:ext cx="2014560" cy="1470600"/>
+              <a:off x="10299240" y="5453280"/>
+              <a:ext cx="2014200" cy="1470240"/>
             </a:xfrm>
             <a:prstGeom prst="hexagon">
               <a:avLst>
@@ -5639,6 +5642,7 @@
                   <a:alpha val="12000"/>
                 </a:schemeClr>
               </a:solidFill>
+              <a:round/>
             </a:ln>
           </p:spPr>
           <p:style>
@@ -5664,8 +5668,8 @@
           </p:nvSpPr>
           <p:spPr>
             <a:xfrm rot="1404600">
-              <a:off x="10299240" y="2900880"/>
-              <a:ext cx="2014560" cy="1470600"/>
+              <a:off x="10299240" y="2900520"/>
+              <a:ext cx="2014200" cy="1470240"/>
             </a:xfrm>
             <a:prstGeom prst="hexagon">
               <a:avLst>
@@ -5684,6 +5688,7 @@
                   <a:alpha val="8000"/>
                 </a:schemeClr>
               </a:solidFill>
+              <a:round/>
             </a:ln>
           </p:spPr>
           <p:style>
@@ -5709,8 +5714,8 @@
           </p:nvSpPr>
           <p:spPr>
             <a:xfrm rot="1404600">
-              <a:off x="11295720" y="4087800"/>
-              <a:ext cx="1564200" cy="1470600"/>
+              <a:off x="11295360" y="4087440"/>
+              <a:ext cx="1563840" cy="1470240"/>
             </a:xfrm>
             <a:custGeom>
               <a:avLst/>
@@ -5755,6 +5760,7 @@
                   <a:alpha val="12000"/>
                 </a:schemeClr>
               </a:solidFill>
+              <a:round/>
             </a:ln>
           </p:spPr>
           <p:style>
@@ -5780,8 +5786,8 @@
           </p:nvSpPr>
           <p:spPr>
             <a:xfrm rot="1404600">
-              <a:off x="11296080" y="1543680"/>
-              <a:ext cx="1562400" cy="1471320"/>
+              <a:off x="11296080" y="1543320"/>
+              <a:ext cx="1562040" cy="1470960"/>
             </a:xfrm>
             <a:custGeom>
               <a:avLst/>
@@ -5822,6 +5828,7 @@
                   <a:alpha val="12000"/>
                 </a:schemeClr>
               </a:solidFill>
+              <a:round/>
             </a:ln>
           </p:spPr>
           <p:style>
@@ -5849,7 +5856,7 @@
         <p:spPr>
           <a:xfrm>
             <a:off x="609480" y="333360"/>
-            <a:ext cx="10972440" cy="6185160"/>
+            <a:ext cx="10972080" cy="6184800"/>
           </a:xfrm>
           <a:prstGeom prst="rect">
             <a:avLst/>
@@ -5861,6 +5868,7 @@
             <a:solidFill>
               <a:schemeClr val="tx1"/>
             </a:solidFill>
+            <a:round/>
           </a:ln>
         </p:spPr>
         <p:style>
@@ -5887,7 +5895,7 @@
         <p:spPr>
           <a:xfrm>
             <a:off x="6081480" y="-21600"/>
-            <a:ext cx="4905000" cy="698760"/>
+            <a:ext cx="4904640" cy="698400"/>
           </a:xfrm>
           <a:prstGeom prst="rect">
             <a:avLst/>
@@ -5901,6 +5909,7 @@
                 <a:lumMod val="50000"/>
               </a:schemeClr>
             </a:solidFill>
+            <a:round/>
           </a:ln>
         </p:spPr>
         <p:style>
@@ -5927,7 +5936,7 @@
         <p:spPr>
           <a:xfrm>
             <a:off x="6198840" y="-21600"/>
-            <a:ext cx="4673160" cy="623520"/>
+            <a:ext cx="4672800" cy="623160"/>
           </a:xfrm>
           <a:prstGeom prst="rect">
             <a:avLst/>
@@ -5962,10 +5971,10 @@
         </p:nvGrpSpPr>
         <p:grpSpPr>
           <a:xfrm>
-            <a:off x="-177840" y="0"/>
-            <a:ext cx="13262400" cy="7411680"/>
-            <a:chOff x="-177840" y="0"/>
-            <a:chExt cx="13262400" cy="7411680"/>
+            <a:off x="-518400" y="0"/>
+            <a:ext cx="13602240" cy="7263360"/>
+            <a:chOff x="-518400" y="0"/>
+            <a:chExt cx="13602240" cy="7263360"/>
           </a:xfrm>
         </p:grpSpPr>
         <p:grpSp>
@@ -5991,9 +6000,9 @@
             <p:grpSpPr>
               <a:xfrm>
                 <a:off x="0" y="0"/>
-                <a:ext cx="3352680" cy="6857640"/>
+                <a:ext cx="3352320" cy="6857280"/>
                 <a:chOff x="0" y="0"/>
-                <a:chExt cx="3352680" cy="6857640"/>
+                <a:chExt cx="3352320" cy="6857280"/>
               </a:xfrm>
             </p:grpSpPr>
             <p:sp>
@@ -6005,7 +6014,7 @@
               <p:spPr>
                 <a:xfrm>
                   <a:off x="1219320" y="0"/>
-                  <a:ext cx="2133360" cy="6857640"/>
+                  <a:ext cx="2133000" cy="6857280"/>
                 </a:xfrm>
                 <a:prstGeom prst="rect">
                   <a:avLst/>
@@ -6043,7 +6052,7 @@
               <p:spPr>
                 <a:xfrm>
                   <a:off x="0" y="0"/>
-                  <a:ext cx="609120" cy="6857640"/>
+                  <a:ext cx="608760" cy="6857280"/>
                 </a:xfrm>
                 <a:prstGeom prst="rect">
                   <a:avLst/>
@@ -6081,7 +6090,7 @@
               <p:spPr>
                 <a:xfrm>
                   <a:off x="304920" y="0"/>
-                  <a:ext cx="1015560" cy="6857640"/>
+                  <a:ext cx="1015200" cy="6857280"/>
                 </a:xfrm>
                 <a:prstGeom prst="rect">
                   <a:avLst/>
@@ -6120,9 +6129,9 @@
             <p:grpSpPr>
               <a:xfrm>
                 <a:off x="563760" y="0"/>
-                <a:ext cx="3352680" cy="6857640"/>
+                <a:ext cx="3352320" cy="6857280"/>
                 <a:chOff x="563760" y="0"/>
-                <a:chExt cx="3352680" cy="6857640"/>
+                <a:chExt cx="3352320" cy="6857280"/>
               </a:xfrm>
             </p:grpSpPr>
             <p:sp>
@@ -6134,7 +6143,7 @@
               <p:spPr>
                 <a:xfrm>
                   <a:off x="1783080" y="0"/>
-                  <a:ext cx="2133360" cy="6857640"/>
+                  <a:ext cx="2133000" cy="6857280"/>
                 </a:xfrm>
                 <a:prstGeom prst="rect">
                   <a:avLst/>
@@ -6172,7 +6181,7 @@
               <p:spPr>
                 <a:xfrm>
                   <a:off x="563760" y="0"/>
-                  <a:ext cx="609120" cy="6857640"/>
+                  <a:ext cx="608760" cy="6857280"/>
                 </a:xfrm>
                 <a:prstGeom prst="rect">
                   <a:avLst/>
@@ -6210,7 +6219,7 @@
               <p:spPr>
                 <a:xfrm>
                   <a:off x="868680" y="0"/>
-                  <a:ext cx="1015560" cy="6857640"/>
+                  <a:ext cx="1015200" cy="6857280"/>
                 </a:xfrm>
                 <a:prstGeom prst="rect">
                   <a:avLst/>
@@ -6248,10 +6257,10 @@
             </p:nvGrpSpPr>
             <p:grpSpPr>
               <a:xfrm>
-                <a:off x="8839440" y="360"/>
-                <a:ext cx="3352680" cy="6857640"/>
-                <a:chOff x="8839440" y="360"/>
-                <a:chExt cx="3352680" cy="6857640"/>
+                <a:off x="8839800" y="720"/>
+                <a:ext cx="3352320" cy="6857280"/>
+                <a:chOff x="8839800" y="720"/>
+                <a:chExt cx="3352320" cy="6857280"/>
               </a:xfrm>
             </p:grpSpPr>
             <p:sp>
@@ -6262,8 +6271,8 @@
               </p:nvSpPr>
               <p:spPr>
                 <a:xfrm rot="10800000">
-                  <a:off x="8839440" y="360"/>
-                  <a:ext cx="2133360" cy="6857640"/>
+                  <a:off x="8839800" y="720"/>
+                  <a:ext cx="2133000" cy="6857280"/>
                 </a:xfrm>
                 <a:prstGeom prst="rect">
                   <a:avLst/>
@@ -6300,8 +6309,8 @@
               </p:nvSpPr>
               <p:spPr>
                 <a:xfrm rot="10800000">
-                  <a:off x="11583000" y="360"/>
-                  <a:ext cx="609120" cy="6857640"/>
+                  <a:off x="11583360" y="720"/>
+                  <a:ext cx="608760" cy="6857280"/>
                 </a:xfrm>
                 <a:prstGeom prst="rect">
                   <a:avLst/>
@@ -6338,8 +6347,8 @@
               </p:nvSpPr>
               <p:spPr>
                 <a:xfrm rot="10800000">
-                  <a:off x="10871640" y="360"/>
-                  <a:ext cx="1015560" cy="6857640"/>
+                  <a:off x="10872000" y="720"/>
+                  <a:ext cx="1015200" cy="6857280"/>
                 </a:xfrm>
                 <a:prstGeom prst="rect">
                   <a:avLst/>
@@ -6378,7 +6387,7 @@
             <p:spPr>
               <a:xfrm>
                 <a:off x="5079960" y="0"/>
-                <a:ext cx="3758760" cy="6857640"/>
+                <a:ext cx="3758400" cy="6857280"/>
               </a:xfrm>
               <a:prstGeom prst="rect">
                 <a:avLst/>
@@ -6416,7 +6425,7 @@
             <p:spPr>
               <a:xfrm>
                 <a:off x="3860640" y="0"/>
-                <a:ext cx="609120" cy="6857640"/>
+                <a:ext cx="608760" cy="6857280"/>
               </a:xfrm>
               <a:prstGeom prst="rect">
                 <a:avLst/>
@@ -6454,7 +6463,7 @@
             <p:spPr>
               <a:xfrm>
                 <a:off x="4165560" y="0"/>
-                <a:ext cx="1015560" cy="6857640"/>
+                <a:ext cx="1015200" cy="6857280"/>
               </a:xfrm>
               <a:prstGeom prst="rect">
                 <a:avLst/>
@@ -6493,7 +6502,7 @@
           <p:spPr>
             <a:xfrm>
               <a:off x="-15840" y="5034960"/>
-              <a:ext cx="12191760" cy="1175400"/>
+              <a:ext cx="12191400" cy="1175040"/>
             </a:xfrm>
             <a:custGeom>
               <a:avLst/>
@@ -6535,6 +6544,7 @@
                   <a:alpha val="20000"/>
                 </a:schemeClr>
               </a:solidFill>
+              <a:round/>
             </a:ln>
           </p:spPr>
           <p:style>
@@ -6559,7 +6569,7 @@
           <p:spPr>
             <a:xfrm>
               <a:off x="-15840" y="3467520"/>
-              <a:ext cx="12191760" cy="890280"/>
+              <a:ext cx="12191400" cy="889920"/>
             </a:xfrm>
             <a:custGeom>
               <a:avLst/>
@@ -6601,6 +6611,7 @@
                   <a:alpha val="20000"/>
                 </a:schemeClr>
               </a:solidFill>
+              <a:round/>
             </a:ln>
           </p:spPr>
           <p:style>
@@ -6625,7 +6636,7 @@
           <p:spPr>
             <a:xfrm>
               <a:off x="-31680" y="5640840"/>
-              <a:ext cx="4005720" cy="1211040"/>
+              <a:ext cx="4005360" cy="1210680"/>
             </a:xfrm>
             <a:custGeom>
               <a:avLst/>
@@ -6652,6 +6663,7 @@
                   <a:alpha val="20000"/>
                 </a:schemeClr>
               </a:solidFill>
+              <a:round/>
             </a:ln>
           </p:spPr>
           <p:style>
@@ -6676,7 +6688,7 @@
           <p:spPr>
             <a:xfrm>
               <a:off x="-15840" y="5284440"/>
-              <a:ext cx="12191760" cy="1478160"/>
+              <a:ext cx="12191400" cy="1477800"/>
             </a:xfrm>
             <a:custGeom>
               <a:avLst/>
@@ -6728,6 +6740,7 @@
                   <a:alpha val="20000"/>
                 </a:schemeClr>
               </a:solidFill>
+              <a:round/>
             </a:ln>
           </p:spPr>
           <p:style>
@@ -6752,7 +6765,7 @@
           <p:spPr>
             <a:xfrm>
               <a:off x="2850120" y="5132160"/>
-              <a:ext cx="9309960" cy="1719720"/>
+              <a:ext cx="9309600" cy="1719360"/>
             </a:xfrm>
             <a:custGeom>
               <a:avLst/>
@@ -6822,6 +6835,7 @@
                   <a:alpha val="20000"/>
                 </a:schemeClr>
               </a:solidFill>
+              <a:round/>
             </a:ln>
           </p:spPr>
           <p:style>
@@ -6845,8 +6859,8 @@
           </p:nvSpPr>
           <p:spPr>
             <a:xfrm rot="1404600">
-              <a:off x="4225680" y="2891520"/>
-              <a:ext cx="2014560" cy="1470600"/>
+              <a:off x="4225680" y="2891160"/>
+              <a:ext cx="2014200" cy="1470240"/>
             </a:xfrm>
             <a:prstGeom prst="hexagon">
               <a:avLst>
@@ -6865,6 +6879,7 @@
                   <a:alpha val="12000"/>
                 </a:schemeClr>
               </a:solidFill>
+              <a:round/>
             </a:ln>
           </p:spPr>
           <p:style>
@@ -6890,8 +6905,8 @@
           </p:nvSpPr>
           <p:spPr>
             <a:xfrm rot="1404600">
-              <a:off x="5190840" y="4158360"/>
-              <a:ext cx="2014560" cy="1470600"/>
+              <a:off x="5190840" y="4158000"/>
+              <a:ext cx="2014200" cy="1470240"/>
             </a:xfrm>
             <a:prstGeom prst="hexagon">
               <a:avLst>
@@ -6906,6 +6921,7 @@
                   <a:alpha val="12000"/>
                 </a:schemeClr>
               </a:solidFill>
+              <a:round/>
             </a:ln>
           </p:spPr>
           <p:style>
@@ -6931,8 +6947,8 @@
           </p:nvSpPr>
           <p:spPr>
             <a:xfrm rot="1404600">
-              <a:off x="5203440" y="1624680"/>
-              <a:ext cx="2014560" cy="1470600"/>
+              <a:off x="5203440" y="1624320"/>
+              <a:ext cx="2014200" cy="1470240"/>
             </a:xfrm>
             <a:prstGeom prst="hexagon">
               <a:avLst>
@@ -6951,6 +6967,7 @@
                   <a:alpha val="8000"/>
                 </a:schemeClr>
               </a:solidFill>
+              <a:round/>
             </a:ln>
           </p:spPr>
           <p:style>
@@ -6976,8 +6993,8 @@
           </p:nvSpPr>
           <p:spPr>
             <a:xfrm rot="1404600">
-              <a:off x="4200120" y="357840"/>
-              <a:ext cx="2014560" cy="1470600"/>
+              <a:off x="4200120" y="357480"/>
+              <a:ext cx="2014200" cy="1470240"/>
             </a:xfrm>
             <a:prstGeom prst="hexagon">
               <a:avLst>
@@ -6996,6 +7013,7 @@
                   <a:alpha val="8000"/>
                 </a:schemeClr>
               </a:solidFill>
+              <a:round/>
             </a:ln>
           </p:spPr>
           <p:style>
@@ -7021,8 +7039,8 @@
           </p:nvSpPr>
           <p:spPr>
             <a:xfrm rot="1404600">
-              <a:off x="6181200" y="5415480"/>
-              <a:ext cx="2014560" cy="1470600"/>
+              <a:off x="6181200" y="5415120"/>
+              <a:ext cx="2014200" cy="1470240"/>
             </a:xfrm>
             <a:prstGeom prst="hexagon">
               <a:avLst>
@@ -7041,6 +7059,7 @@
                   <a:alpha val="12000"/>
                 </a:schemeClr>
               </a:solidFill>
+              <a:round/>
             </a:ln>
           </p:spPr>
           <p:style>
@@ -7066,8 +7085,8 @@
           </p:nvSpPr>
           <p:spPr>
             <a:xfrm rot="1404600">
-              <a:off x="-291600" y="4233600"/>
-              <a:ext cx="1586880" cy="1470600"/>
+              <a:off x="-291240" y="4233240"/>
+              <a:ext cx="1586520" cy="1470240"/>
             </a:xfrm>
             <a:custGeom>
               <a:avLst/>
@@ -7112,6 +7131,7 @@
                   <a:alpha val="12000"/>
                 </a:schemeClr>
               </a:solidFill>
+              <a:round/>
             </a:ln>
           </p:spPr>
           <p:style>
@@ -7137,8 +7157,8 @@
           </p:nvSpPr>
           <p:spPr>
             <a:xfrm rot="1404600">
-              <a:off x="263160" y="5434560"/>
-              <a:ext cx="2014560" cy="1470600"/>
+              <a:off x="263160" y="5434200"/>
+              <a:ext cx="2014200" cy="1470240"/>
             </a:xfrm>
             <a:prstGeom prst="hexagon">
               <a:avLst>
@@ -7153,6 +7173,7 @@
                   <a:alpha val="12000"/>
                 </a:schemeClr>
               </a:solidFill>
+              <a:round/>
             </a:ln>
           </p:spPr>
           <p:style>
@@ -7178,8 +7199,8 @@
           </p:nvSpPr>
           <p:spPr>
             <a:xfrm rot="1404600">
-              <a:off x="301320" y="2881800"/>
-              <a:ext cx="2014560" cy="1470600"/>
+              <a:off x="301320" y="2881440"/>
+              <a:ext cx="2014200" cy="1470240"/>
             </a:xfrm>
             <a:prstGeom prst="hexagon">
               <a:avLst>
@@ -7198,6 +7219,7 @@
                   <a:alpha val="8000"/>
                 </a:schemeClr>
               </a:solidFill>
+              <a:round/>
             </a:ln>
           </p:spPr>
           <p:style>
@@ -7223,8 +7245,8 @@
           </p:nvSpPr>
           <p:spPr>
             <a:xfrm rot="1404600">
-              <a:off x="1266480" y="4158360"/>
-              <a:ext cx="2014560" cy="1470600"/>
+              <a:off x="1266480" y="4158000"/>
+              <a:ext cx="2014200" cy="1470240"/>
             </a:xfrm>
             <a:prstGeom prst="hexagon">
               <a:avLst>
@@ -7239,6 +7261,7 @@
                   <a:alpha val="12000"/>
                 </a:schemeClr>
               </a:solidFill>
+              <a:round/>
             </a:ln>
           </p:spPr>
           <p:style>
@@ -7264,8 +7287,8 @@
           </p:nvSpPr>
           <p:spPr>
             <a:xfrm rot="1404600">
-              <a:off x="2244240" y="5443920"/>
-              <a:ext cx="2014560" cy="1470600"/>
+              <a:off x="2244240" y="5443560"/>
+              <a:ext cx="2014200" cy="1470240"/>
             </a:xfrm>
             <a:prstGeom prst="hexagon">
               <a:avLst>
@@ -7280,6 +7303,7 @@
                   <a:alpha val="12000"/>
                 </a:schemeClr>
               </a:solidFill>
+              <a:round/>
             </a:ln>
           </p:spPr>
           <p:style>
@@ -7305,8 +7329,8 @@
           </p:nvSpPr>
           <p:spPr>
             <a:xfrm rot="1404600">
-              <a:off x="2269800" y="2891520"/>
-              <a:ext cx="2014560" cy="1470600"/>
+              <a:off x="2269800" y="2891160"/>
+              <a:ext cx="2014200" cy="1470240"/>
             </a:xfrm>
             <a:prstGeom prst="hexagon">
               <a:avLst>
@@ -7325,6 +7349,7 @@
                   <a:alpha val="8000"/>
                 </a:schemeClr>
               </a:solidFill>
+              <a:round/>
             </a:ln>
           </p:spPr>
           <p:style>
@@ -7350,8 +7375,8 @@
           </p:nvSpPr>
           <p:spPr>
             <a:xfrm rot="1404600">
-              <a:off x="1291680" y="1595880"/>
-              <a:ext cx="2014560" cy="1470600"/>
+              <a:off x="1291680" y="1595520"/>
+              <a:ext cx="2014200" cy="1470240"/>
             </a:xfrm>
             <a:prstGeom prst="hexagon">
               <a:avLst>
@@ -7366,6 +7391,7 @@
                   <a:alpha val="12000"/>
                 </a:schemeClr>
               </a:solidFill>
+              <a:round/>
             </a:ln>
           </p:spPr>
           <p:style>
@@ -7391,8 +7417,8 @@
           </p:nvSpPr>
           <p:spPr>
             <a:xfrm rot="1404600">
-              <a:off x="9305640" y="4177080"/>
-              <a:ext cx="2014560" cy="1470600"/>
+              <a:off x="9305640" y="4176720"/>
+              <a:ext cx="2014200" cy="1470240"/>
             </a:xfrm>
             <a:prstGeom prst="hexagon">
               <a:avLst>
@@ -7411,6 +7437,7 @@
                   <a:alpha val="12000"/>
                 </a:schemeClr>
               </a:solidFill>
+              <a:round/>
             </a:ln>
           </p:spPr>
           <p:style>
@@ -7436,8 +7463,8 @@
           </p:nvSpPr>
           <p:spPr>
             <a:xfrm rot="1404600">
-              <a:off x="10296000" y="5453640"/>
-              <a:ext cx="2014560" cy="1470600"/>
+              <a:off x="10296000" y="5453280"/>
+              <a:ext cx="2014200" cy="1470240"/>
             </a:xfrm>
             <a:prstGeom prst="hexagon">
               <a:avLst>
@@ -7452,6 +7479,7 @@
                   <a:alpha val="12000"/>
                 </a:schemeClr>
               </a:solidFill>
+              <a:round/>
             </a:ln>
           </p:spPr>
           <p:style>
@@ -7477,8 +7505,8 @@
           </p:nvSpPr>
           <p:spPr>
             <a:xfrm rot="1404600">
-              <a:off x="10296000" y="2900880"/>
-              <a:ext cx="2014560" cy="1470600"/>
+              <a:off x="10296000" y="2900520"/>
+              <a:ext cx="2014200" cy="1470240"/>
             </a:xfrm>
             <a:prstGeom prst="hexagon">
               <a:avLst>
@@ -7497,6 +7525,7 @@
                   <a:alpha val="8000"/>
                 </a:schemeClr>
               </a:solidFill>
+              <a:round/>
             </a:ln>
           </p:spPr>
           <p:style>
@@ -7522,8 +7551,8 @@
           </p:nvSpPr>
           <p:spPr>
             <a:xfrm rot="1404600">
-              <a:off x="11292480" y="4087800"/>
-              <a:ext cx="1564200" cy="1470600"/>
+              <a:off x="11292120" y="4087440"/>
+              <a:ext cx="1563840" cy="1470240"/>
             </a:xfrm>
             <a:custGeom>
               <a:avLst/>
@@ -7568,6 +7597,7 @@
                   <a:alpha val="12000"/>
                 </a:schemeClr>
               </a:solidFill>
+              <a:round/>
             </a:ln>
           </p:spPr>
           <p:style>
@@ -7593,8 +7623,8 @@
           </p:nvSpPr>
           <p:spPr>
             <a:xfrm rot="1404600">
-              <a:off x="11292840" y="1543680"/>
-              <a:ext cx="1562400" cy="1471320"/>
+              <a:off x="11292840" y="1543320"/>
+              <a:ext cx="1562040" cy="1470960"/>
             </a:xfrm>
             <a:custGeom>
               <a:avLst/>
@@ -7635,6 +7665,7 @@
                   <a:alpha val="12000"/>
                 </a:schemeClr>
               </a:solidFill>
+              <a:round/>
             </a:ln>
           </p:spPr>
           <p:style>
@@ -7662,7 +7693,7 @@
         <p:spPr>
           <a:xfrm>
             <a:off x="6081480" y="-21600"/>
-            <a:ext cx="4905000" cy="6271560"/>
+            <a:ext cx="4904640" cy="6271200"/>
           </a:xfrm>
           <a:prstGeom prst="rect">
             <a:avLst/>
@@ -7678,6 +7709,7 @@
                 <a:lumMod val="50000"/>
               </a:schemeClr>
             </a:solidFill>
+            <a:round/>
           </a:ln>
         </p:spPr>
         <p:style>
@@ -7704,7 +7736,7 @@
         <p:spPr>
           <a:xfrm>
             <a:off x="6201360" y="6088320"/>
-            <a:ext cx="4673160" cy="81360"/>
+            <a:ext cx="4672800" cy="81000"/>
           </a:xfrm>
           <a:prstGeom prst="rect">
             <a:avLst/>
@@ -7740,7 +7772,7 @@
         <p:spPr>
           <a:xfrm>
             <a:off x="6201360" y="6088320"/>
-            <a:ext cx="4673160" cy="81360"/>
+            <a:ext cx="4672800" cy="81000"/>
           </a:xfrm>
           <a:prstGeom prst="rect">
             <a:avLst/>
@@ -7778,7 +7810,7 @@
         <p:spPr>
           <a:xfrm>
             <a:off x="6198840" y="-21600"/>
-            <a:ext cx="4673160" cy="2312640"/>
+            <a:ext cx="4672800" cy="2312280"/>
           </a:xfrm>
           <a:prstGeom prst="rect">
             <a:avLst/>
@@ -7817,172 +7849,25 @@
         </p:nvSpPr>
         <p:spPr>
           <a:xfrm>
-            <a:off x="6311160" y="2708640"/>
-            <a:ext cx="4417560" cy="1701720"/>
+            <a:off x="609480" y="273600"/>
+            <a:ext cx="10972440" cy="1144800"/>
           </a:xfrm>
           <a:prstGeom prst="rect">
             <a:avLst/>
           </a:prstGeom>
         </p:spPr>
         <p:txBody>
-          <a:bodyPr anchor="b">
-            <a:normAutofit/>
-          </a:bodyPr>
-          <a:p>
-            <a:pPr>
-              <a:lnSpc>
-                <a:spcPct val="100000"/>
-              </a:lnSpc>
-            </a:pPr>
+          <a:bodyPr lIns="0" rIns="0" tIns="0" bIns="0" anchor="ctr"/>
+          <a:p>
+            <a:pPr algn="ctr"/>
             <a:r>
-              <a:rPr b="0" lang="ru-RU" sz="3600" spc="-1" strike="noStrike">
-                <a:solidFill>
-                  <a:srgbClr val="85540a"/>
-                </a:solidFill>
-                <a:latin typeface="Century Gothic"/>
+              <a:rPr b="0" lang="ru-RU" sz="4400" spc="-1" strike="noStrike">
+                <a:latin typeface="Arial"/>
               </a:rPr>
-              <a:t>О</a:t>
+              <a:t>Для правки текста заглавия щёлкните мышью</a:t>
             </a:r>
-            <a:r>
-              <a:rPr b="0" lang="ru-RU" sz="3600" spc="-1" strike="noStrike">
-                <a:solidFill>
-                  <a:srgbClr val="85540a"/>
-                </a:solidFill>
-                <a:latin typeface="Century Gothic"/>
-              </a:rPr>
-              <a:t>б</a:t>
-            </a:r>
-            <a:r>
-              <a:rPr b="0" lang="ru-RU" sz="3600" spc="-1" strike="noStrike">
-                <a:solidFill>
-                  <a:srgbClr val="85540a"/>
-                </a:solidFill>
-                <a:latin typeface="Century Gothic"/>
-              </a:rPr>
-              <a:t>р</a:t>
-            </a:r>
-            <a:r>
-              <a:rPr b="0" lang="ru-RU" sz="3600" spc="-1" strike="noStrike">
-                <a:solidFill>
-                  <a:srgbClr val="85540a"/>
-                </a:solidFill>
-                <a:latin typeface="Century Gothic"/>
-              </a:rPr>
-              <a:t>а</a:t>
-            </a:r>
-            <a:r>
-              <a:rPr b="0" lang="ru-RU" sz="3600" spc="-1" strike="noStrike">
-                <a:solidFill>
-                  <a:srgbClr val="85540a"/>
-                </a:solidFill>
-                <a:latin typeface="Century Gothic"/>
-              </a:rPr>
-              <a:t>з</a:t>
-            </a:r>
-            <a:r>
-              <a:rPr b="0" lang="ru-RU" sz="3600" spc="-1" strike="noStrike">
-                <a:solidFill>
-                  <a:srgbClr val="85540a"/>
-                </a:solidFill>
-                <a:latin typeface="Century Gothic"/>
-              </a:rPr>
-              <a:t>е</a:t>
-            </a:r>
-            <a:r>
-              <a:rPr b="0" lang="ru-RU" sz="3600" spc="-1" strike="noStrike">
-                <a:solidFill>
-                  <a:srgbClr val="85540a"/>
-                </a:solidFill>
-                <a:latin typeface="Century Gothic"/>
-              </a:rPr>
-              <a:t>ц </a:t>
-            </a:r>
-            <a:r>
-              <a:rPr b="0" lang="ru-RU" sz="3600" spc="-1" strike="noStrike">
-                <a:solidFill>
-                  <a:srgbClr val="85540a"/>
-                </a:solidFill>
-                <a:latin typeface="Century Gothic"/>
-              </a:rPr>
-              <a:t>з</a:t>
-            </a:r>
-            <a:r>
-              <a:rPr b="0" lang="ru-RU" sz="3600" spc="-1" strike="noStrike">
-                <a:solidFill>
-                  <a:srgbClr val="85540a"/>
-                </a:solidFill>
-                <a:latin typeface="Century Gothic"/>
-              </a:rPr>
-              <a:t>а</a:t>
-            </a:r>
-            <a:r>
-              <a:rPr b="0" lang="ru-RU" sz="3600" spc="-1" strike="noStrike">
-                <a:solidFill>
-                  <a:srgbClr val="85540a"/>
-                </a:solidFill>
-                <a:latin typeface="Century Gothic"/>
-              </a:rPr>
-              <a:t>г</a:t>
-            </a:r>
-            <a:r>
-              <a:rPr b="0" lang="ru-RU" sz="3600" spc="-1" strike="noStrike">
-                <a:solidFill>
-                  <a:srgbClr val="85540a"/>
-                </a:solidFill>
-                <a:latin typeface="Century Gothic"/>
-              </a:rPr>
-              <a:t>о</a:t>
-            </a:r>
-            <a:r>
-              <a:rPr b="0" lang="ru-RU" sz="3600" spc="-1" strike="noStrike">
-                <a:solidFill>
-                  <a:srgbClr val="85540a"/>
-                </a:solidFill>
-                <a:latin typeface="Century Gothic"/>
-              </a:rPr>
-              <a:t>л</a:t>
-            </a:r>
-            <a:r>
-              <a:rPr b="0" lang="ru-RU" sz="3600" spc="-1" strike="noStrike">
-                <a:solidFill>
-                  <a:srgbClr val="85540a"/>
-                </a:solidFill>
-                <a:latin typeface="Century Gothic"/>
-              </a:rPr>
-              <a:t>о</a:t>
-            </a:r>
-            <a:r>
-              <a:rPr b="0" lang="ru-RU" sz="3600" spc="-1" strike="noStrike">
-                <a:solidFill>
-                  <a:srgbClr val="85540a"/>
-                </a:solidFill>
-                <a:latin typeface="Century Gothic"/>
-              </a:rPr>
-              <a:t>в</a:t>
-            </a:r>
-            <a:r>
-              <a:rPr b="0" lang="ru-RU" sz="3600" spc="-1" strike="noStrike">
-                <a:solidFill>
-                  <a:srgbClr val="85540a"/>
-                </a:solidFill>
-                <a:latin typeface="Century Gothic"/>
-              </a:rPr>
-              <a:t>к</a:t>
-            </a:r>
-            <a:r>
-              <a:rPr b="0" lang="ru-RU" sz="3600" spc="-1" strike="noStrike">
-                <a:solidFill>
-                  <a:srgbClr val="85540a"/>
-                </a:solidFill>
-                <a:latin typeface="Century Gothic"/>
-              </a:rPr>
-              <a:t>а</a:t>
-            </a:r>
-            <a:endParaRPr b="0" lang="ru-RU" sz="3600" spc="-1" strike="noStrike">
-              <a:solidFill>
-                <a:srgbClr val="000000"/>
-              </a:solidFill>
-              <a:latin typeface="Century Gothic"/>
+            <a:endParaRPr b="0" lang="ru-RU" sz="4400" spc="-1" strike="noStrike">
+              <a:latin typeface="Arial"/>
             </a:endParaRPr>
           </a:p>
         </p:txBody>
@@ -7999,163 +7884,169 @@
         </p:nvSpPr>
         <p:spPr>
           <a:xfrm>
-            <a:off x="1195920" y="2695680"/>
-            <a:ext cx="4414320" cy="3551040"/>
+            <a:off x="609480" y="1604520"/>
+            <a:ext cx="10972440" cy="3977280"/>
           </a:xfrm>
           <a:prstGeom prst="rect">
             <a:avLst/>
           </a:prstGeom>
         </p:spPr>
         <p:txBody>
-          <a:bodyPr lIns="90000" rIns="90000" tIns="45000" bIns="45000" anchor="ctr"/>
-          <a:p>
-            <a:pPr marL="68760">
-              <a:lnSpc>
-                <a:spcPct val="100000"/>
-              </a:lnSpc>
+          <a:bodyPr lIns="0" rIns="0" tIns="0" bIns="0">
+            <a:normAutofit/>
+          </a:bodyPr>
+          <a:p>
+            <a:pPr marL="432000" indent="-324000">
+              <a:spcBef>
+                <a:spcPts val="1417"/>
+              </a:spcBef>
+              <a:buClr>
+                <a:srgbClr val="000000"/>
+              </a:buClr>
+              <a:buSzPct val="45000"/>
+              <a:buFont typeface="Wingdings" charset="2"/>
+              <a:buChar char=""/>
             </a:pPr>
             <a:r>
-              <a:rPr b="0" lang="ru-RU" sz="1800" spc="-1" strike="noStrike">
-                <a:solidFill>
-                  <a:srgbClr val="000000"/>
-                </a:solidFill>
-                <a:latin typeface="Century Gothic"/>
+              <a:rPr b="0" lang="ru-RU" sz="3200" spc="-1" strike="noStrike">
+                <a:latin typeface="Arial"/>
               </a:rPr>
-              <a:t>Вставьте сюда фото продукта</a:t>
+              <a:t>Для правки структуры щёлкните мышью</a:t>
             </a:r>
-            <a:endParaRPr b="0" lang="ru-RU" sz="1800" spc="-1" strike="noStrike">
-              <a:solidFill>
-                <a:srgbClr val="4e3b30"/>
-              </a:solidFill>
-              <a:latin typeface="Century Gothic"/>
-            </a:endParaRPr>
-          </a:p>
-        </p:txBody>
-      </p:sp>
-      <p:sp>
-        <p:nvSpPr>
-          <p:cNvPr id="87" name="PlaceHolder 88"/>
-          <p:cNvSpPr>
-            <a:spLocks noGrp="1"/>
-          </p:cNvSpPr>
-          <p:nvPr>
-            <p:ph type="sldNum"/>
-          </p:nvPr>
-        </p:nvSpPr>
-        <p:spPr>
-          <a:xfrm>
-            <a:off x="6198840" y="5720040"/>
-            <a:ext cx="857880" cy="364680"/>
-          </a:xfrm>
-          <a:prstGeom prst="rect">
-            <a:avLst/>
-          </a:prstGeom>
-        </p:spPr>
-        <p:txBody>
-          <a:bodyPr anchor="ctr"/>
-          <a:p>
-            <a:pPr>
-              <a:lnSpc>
-                <a:spcPct val="100000"/>
-              </a:lnSpc>
-            </a:pPr>
-            <a:fld id="{8CFBF45C-233F-465A-B357-088648A39F94}" type="slidenum">
-              <a:rPr b="0" lang="ru-RU" sz="1100" spc="-1" strike="noStrike">
-                <a:solidFill>
-                  <a:srgbClr val="85540a"/>
-                </a:solidFill>
-                <a:latin typeface="Century Gothic"/>
-              </a:rPr>
-              <a:t>&lt;номер&gt;</a:t>
-            </a:fld>
-            <a:endParaRPr b="0" lang="ru-RU" sz="1100" spc="-1" strike="noStrike">
-              <a:latin typeface="Times New Roman"/>
-            </a:endParaRPr>
-          </a:p>
-        </p:txBody>
-      </p:sp>
-      <p:sp>
-        <p:nvSpPr>
-          <p:cNvPr id="88" name="PlaceHolder 89"/>
-          <p:cNvSpPr>
-            <a:spLocks noGrp="1"/>
-          </p:cNvSpPr>
-          <p:nvPr>
-            <p:ph type="ftr"/>
-          </p:nvPr>
-        </p:nvSpPr>
-        <p:spPr>
-          <a:xfrm>
-            <a:off x="7071480" y="5720040"/>
-            <a:ext cx="3774960" cy="364680"/>
-          </a:xfrm>
-          <a:prstGeom prst="rect">
-            <a:avLst/>
-          </a:prstGeom>
-        </p:spPr>
-        <p:txBody>
-          <a:bodyPr anchor="ctr">
-            <a:normAutofit/>
-          </a:bodyPr>
-          <a:p>
-            <a:pPr algn="r">
-              <a:lnSpc>
-                <a:spcPct val="100000"/>
-              </a:lnSpc>
+            <a:endParaRPr b="0" lang="ru-RU" sz="3200" spc="-1" strike="noStrike">
+              <a:latin typeface="Arial"/>
+            </a:endParaRPr>
+          </a:p>
+          <a:p>
+            <a:pPr lvl="1" marL="864000" indent="-324000">
+              <a:spcBef>
+                <a:spcPts val="1134"/>
+              </a:spcBef>
+              <a:buClr>
+                <a:srgbClr val="000000"/>
+              </a:buClr>
+              <a:buSzPct val="75000"/>
+              <a:buFont typeface="Symbol" charset="2"/>
+              <a:buChar char=""/>
             </a:pPr>
             <a:r>
-              <a:rPr b="0" lang="ru-RU" sz="1100" spc="-1" strike="noStrike">
-                <a:solidFill>
-                  <a:srgbClr val="432a05"/>
-                </a:solidFill>
-                <a:latin typeface="Century Gothic"/>
+              <a:rPr b="0" lang="ru-RU" sz="2800" spc="-1" strike="noStrike">
+                <a:latin typeface="Arial"/>
               </a:rPr>
-              <a:t>Добавить нижний колонтитул</a:t>
+              <a:t>Второй уровень структуры</a:t>
             </a:r>
-            <a:endParaRPr b="0" lang="ru-RU" sz="1100" spc="-1" strike="noStrike">
-              <a:latin typeface="Times New Roman"/>
-            </a:endParaRPr>
-          </a:p>
-        </p:txBody>
-      </p:sp>
-      <p:sp>
-        <p:nvSpPr>
-          <p:cNvPr id="89" name="PlaceHolder 90"/>
-          <p:cNvSpPr>
-            <a:spLocks noGrp="1"/>
-          </p:cNvSpPr>
-          <p:nvPr>
-            <p:ph type="dt"/>
-          </p:nvPr>
-        </p:nvSpPr>
-        <p:spPr>
-          <a:xfrm>
-            <a:off x="6318360" y="1516680"/>
-            <a:ext cx="2844360" cy="750600"/>
-          </a:xfrm>
-          <a:prstGeom prst="rect">
-            <a:avLst/>
-          </a:prstGeom>
-        </p:spPr>
-        <p:txBody>
-          <a:bodyPr anchor="b"/>
-          <a:p>
-            <a:pPr>
-              <a:lnSpc>
-                <a:spcPct val="100000"/>
-              </a:lnSpc>
+            <a:endParaRPr b="0" lang="ru-RU" sz="2800" spc="-1" strike="noStrike">
+              <a:latin typeface="Arial"/>
+            </a:endParaRPr>
+          </a:p>
+          <a:p>
+            <a:pPr lvl="2" marL="1296000" indent="-288000">
+              <a:spcBef>
+                <a:spcPts val="850"/>
+              </a:spcBef>
+              <a:buClr>
+                <a:srgbClr val="000000"/>
+              </a:buClr>
+              <a:buSzPct val="45000"/>
+              <a:buFont typeface="Wingdings" charset="2"/>
+              <a:buChar char=""/>
             </a:pPr>
-            <a:fld id="{4A4198F6-48C1-4C9B-B4D7-17E55FC6A40C}" type="datetime1">
+            <a:r>
               <a:rPr b="0" lang="ru-RU" sz="2400" spc="-1" strike="noStrike">
-                <a:solidFill>
-                  <a:srgbClr val="fefefe"/>
-                </a:solidFill>
-                <a:latin typeface="Century Gothic"/>
+                <a:latin typeface="Arial"/>
               </a:rPr>
-              <a:t>17.02.2019</a:t>
-            </a:fld>
+              <a:t>Третий уровень структуры</a:t>
+            </a:r>
             <a:endParaRPr b="0" lang="ru-RU" sz="2400" spc="-1" strike="noStrike">
-              <a:latin typeface="Times New Roman"/>
+              <a:latin typeface="Arial"/>
+            </a:endParaRPr>
+          </a:p>
+          <a:p>
+            <a:pPr lvl="3" marL="1728000" indent="-216000">
+              <a:spcBef>
+                <a:spcPts val="567"/>
+              </a:spcBef>
+              <a:buClr>
+                <a:srgbClr val="000000"/>
+              </a:buClr>
+              <a:buSzPct val="75000"/>
+              <a:buFont typeface="Symbol" charset="2"/>
+              <a:buChar char=""/>
+            </a:pPr>
+            <a:r>
+              <a:rPr b="0" lang="ru-RU" sz="2000" spc="-1" strike="noStrike">
+                <a:latin typeface="Arial"/>
+              </a:rPr>
+              <a:t>Четвёртый уровень структуры</a:t>
+            </a:r>
+            <a:endParaRPr b="0" lang="ru-RU" sz="2000" spc="-1" strike="noStrike">
+              <a:latin typeface="Arial"/>
+            </a:endParaRPr>
+          </a:p>
+          <a:p>
+            <a:pPr lvl="4" marL="2160000" indent="-216000">
+              <a:spcBef>
+                <a:spcPts val="283"/>
+              </a:spcBef>
+              <a:buClr>
+                <a:srgbClr val="000000"/>
+              </a:buClr>
+              <a:buSzPct val="45000"/>
+              <a:buFont typeface="Wingdings" charset="2"/>
+              <a:buChar char=""/>
+            </a:pPr>
+            <a:r>
+              <a:rPr b="0" lang="ru-RU" sz="2000" spc="-1" strike="noStrike">
+                <a:latin typeface="Arial"/>
+              </a:rPr>
+              <a:t>Пятый уровень структуры</a:t>
+            </a:r>
+            <a:endParaRPr b="0" lang="ru-RU" sz="2000" spc="-1" strike="noStrike">
+              <a:latin typeface="Arial"/>
+            </a:endParaRPr>
+          </a:p>
+          <a:p>
+            <a:pPr lvl="5" marL="2592000" indent="-216000">
+              <a:spcBef>
+                <a:spcPts val="283"/>
+              </a:spcBef>
+              <a:buClr>
+                <a:srgbClr val="000000"/>
+              </a:buClr>
+              <a:buSzPct val="45000"/>
+              <a:buFont typeface="Wingdings" charset="2"/>
+              <a:buChar char=""/>
+            </a:pPr>
+            <a:r>
+              <a:rPr b="0" lang="ru-RU" sz="2000" spc="-1" strike="noStrike">
+                <a:latin typeface="Arial"/>
+              </a:rPr>
+              <a:t>Шестой уровень структуры</a:t>
+            </a:r>
+            <a:endParaRPr b="0" lang="ru-RU" sz="2000" spc="-1" strike="noStrike">
+              <a:latin typeface="Arial"/>
+            </a:endParaRPr>
+          </a:p>
+          <a:p>
+            <a:pPr lvl="6" marL="3024000" indent="-216000">
+              <a:spcBef>
+                <a:spcPts val="283"/>
+              </a:spcBef>
+              <a:buClr>
+                <a:srgbClr val="000000"/>
+              </a:buClr>
+              <a:buSzPct val="45000"/>
+              <a:buFont typeface="Wingdings" charset="2"/>
+              <a:buChar char=""/>
+            </a:pPr>
+            <a:r>
+              <a:rPr b="0" lang="ru-RU" sz="2000" spc="-1" strike="noStrike">
+                <a:latin typeface="Arial"/>
+              </a:rPr>
+              <a:t>Седьмой уровень структуры</a:t>
+            </a:r>
+            <a:endParaRPr b="0" lang="ru-RU" sz="2000" spc="-1" strike="noStrike">
+              <a:latin typeface="Arial"/>
             </a:endParaRPr>
           </a:p>
         </p:txBody>
@@ -8199,21 +8090,21 @@
       </p:grpSpPr>
       <p:grpSp>
         <p:nvGrpSpPr>
-          <p:cNvPr id="126" name="Group 1"/>
+          <p:cNvPr id="123" name="Group 1"/>
           <p:cNvGrpSpPr/>
           <p:nvPr/>
         </p:nvGrpSpPr>
         <p:grpSpPr>
           <a:xfrm>
-            <a:off x="-174600" y="0"/>
-            <a:ext cx="13262400" cy="7411680"/>
-            <a:chOff x="-174600" y="0"/>
-            <a:chExt cx="13262400" cy="7411680"/>
+            <a:off x="-515160" y="0"/>
+            <a:ext cx="13602240" cy="7263360"/>
+            <a:chOff x="-515160" y="0"/>
+            <a:chExt cx="13602240" cy="7263360"/>
           </a:xfrm>
         </p:grpSpPr>
         <p:grpSp>
           <p:nvGrpSpPr>
-            <p:cNvPr id="127" name="Group 2"/>
+            <p:cNvPr id="124" name="Group 2"/>
             <p:cNvGrpSpPr/>
             <p:nvPr/>
           </p:nvGrpSpPr>
@@ -8227,28 +8118,28 @@
           </p:grpSpPr>
           <p:grpSp>
             <p:nvGrpSpPr>
-              <p:cNvPr id="128" name="Group 3"/>
+              <p:cNvPr id="125" name="Group 3"/>
               <p:cNvGrpSpPr/>
               <p:nvPr/>
             </p:nvGrpSpPr>
             <p:grpSpPr>
               <a:xfrm>
                 <a:off x="3240" y="0"/>
-                <a:ext cx="3352680" cy="6857640"/>
+                <a:ext cx="3352320" cy="6857280"/>
                 <a:chOff x="3240" y="0"/>
-                <a:chExt cx="3352680" cy="6857640"/>
+                <a:chExt cx="3352320" cy="6857280"/>
               </a:xfrm>
             </p:grpSpPr>
             <p:sp>
               <p:nvSpPr>
-                <p:cNvPr id="129" name="CustomShape 4"/>
+                <p:cNvPr id="126" name="CustomShape 4"/>
                 <p:cNvSpPr/>
                 <p:nvPr/>
               </p:nvSpPr>
               <p:spPr>
                 <a:xfrm>
                   <a:off x="1222560" y="0"/>
-                  <a:ext cx="2133360" cy="6857640"/>
+                  <a:ext cx="2133000" cy="6857280"/>
                 </a:xfrm>
                 <a:prstGeom prst="rect">
                   <a:avLst/>
@@ -8279,14 +8170,14 @@
             </p:sp>
             <p:sp>
               <p:nvSpPr>
-                <p:cNvPr id="130" name="CustomShape 5"/>
+                <p:cNvPr id="127" name="CustomShape 5"/>
                 <p:cNvSpPr/>
                 <p:nvPr/>
               </p:nvSpPr>
               <p:spPr>
                 <a:xfrm>
                   <a:off x="3240" y="0"/>
-                  <a:ext cx="609120" cy="6857640"/>
+                  <a:ext cx="608760" cy="6857280"/>
                 </a:xfrm>
                 <a:prstGeom prst="rect">
                   <a:avLst/>
@@ -8317,14 +8208,14 @@
             </p:sp>
             <p:sp>
               <p:nvSpPr>
-                <p:cNvPr id="131" name="CustomShape 6"/>
+                <p:cNvPr id="128" name="CustomShape 6"/>
                 <p:cNvSpPr/>
                 <p:nvPr/>
               </p:nvSpPr>
               <p:spPr>
                 <a:xfrm>
                   <a:off x="308160" y="0"/>
-                  <a:ext cx="1015560" cy="6857640"/>
+                  <a:ext cx="1015200" cy="6857280"/>
                 </a:xfrm>
                 <a:prstGeom prst="rect">
                   <a:avLst/>
@@ -8356,28 +8247,28 @@
           </p:grpSp>
           <p:grpSp>
             <p:nvGrpSpPr>
-              <p:cNvPr id="132" name="Group 7"/>
+              <p:cNvPr id="129" name="Group 7"/>
               <p:cNvGrpSpPr/>
               <p:nvPr/>
             </p:nvGrpSpPr>
             <p:grpSpPr>
               <a:xfrm>
                 <a:off x="567000" y="0"/>
-                <a:ext cx="3352680" cy="6857640"/>
+                <a:ext cx="3352320" cy="6857280"/>
                 <a:chOff x="567000" y="0"/>
-                <a:chExt cx="3352680" cy="6857640"/>
+                <a:chExt cx="3352320" cy="6857280"/>
               </a:xfrm>
             </p:grpSpPr>
             <p:sp>
               <p:nvSpPr>
-                <p:cNvPr id="133" name="CustomShape 8"/>
+                <p:cNvPr id="130" name="CustomShape 8"/>
                 <p:cNvSpPr/>
                 <p:nvPr/>
               </p:nvSpPr>
               <p:spPr>
                 <a:xfrm>
                   <a:off x="1786320" y="0"/>
-                  <a:ext cx="2133360" cy="6857640"/>
+                  <a:ext cx="2133000" cy="6857280"/>
                 </a:xfrm>
                 <a:prstGeom prst="rect">
                   <a:avLst/>
@@ -8408,14 +8299,14 @@
             </p:sp>
             <p:sp>
               <p:nvSpPr>
-                <p:cNvPr id="134" name="CustomShape 9"/>
+                <p:cNvPr id="131" name="CustomShape 9"/>
                 <p:cNvSpPr/>
                 <p:nvPr/>
               </p:nvSpPr>
               <p:spPr>
                 <a:xfrm>
                   <a:off x="567000" y="0"/>
-                  <a:ext cx="609120" cy="6857640"/>
+                  <a:ext cx="608760" cy="6857280"/>
                 </a:xfrm>
                 <a:prstGeom prst="rect">
                   <a:avLst/>
@@ -8446,14 +8337,14 @@
             </p:sp>
             <p:sp>
               <p:nvSpPr>
-                <p:cNvPr id="135" name="CustomShape 10"/>
+                <p:cNvPr id="132" name="CustomShape 10"/>
                 <p:cNvSpPr/>
                 <p:nvPr/>
               </p:nvSpPr>
               <p:spPr>
                 <a:xfrm>
                   <a:off x="871920" y="0"/>
-                  <a:ext cx="1015560" cy="6857640"/>
+                  <a:ext cx="1015200" cy="6857280"/>
                 </a:xfrm>
                 <a:prstGeom prst="rect">
                   <a:avLst/>
@@ -8485,28 +8376,28 @@
           </p:grpSp>
           <p:grpSp>
             <p:nvGrpSpPr>
-              <p:cNvPr id="136" name="Group 11"/>
+              <p:cNvPr id="133" name="Group 11"/>
               <p:cNvGrpSpPr/>
               <p:nvPr/>
             </p:nvGrpSpPr>
             <p:grpSpPr>
               <a:xfrm>
-                <a:off x="8842680" y="360"/>
-                <a:ext cx="3352680" cy="6857640"/>
-                <a:chOff x="8842680" y="360"/>
-                <a:chExt cx="3352680" cy="6857640"/>
+                <a:off x="8843040" y="720"/>
+                <a:ext cx="3352320" cy="6857280"/>
+                <a:chOff x="8843040" y="720"/>
+                <a:chExt cx="3352320" cy="6857280"/>
               </a:xfrm>
             </p:grpSpPr>
             <p:sp>
               <p:nvSpPr>
-                <p:cNvPr id="137" name="CustomShape 12"/>
+                <p:cNvPr id="134" name="CustomShape 12"/>
                 <p:cNvSpPr/>
                 <p:nvPr/>
               </p:nvSpPr>
               <p:spPr>
                 <a:xfrm rot="10800000">
-                  <a:off x="8842680" y="360"/>
-                  <a:ext cx="2133360" cy="6857640"/>
+                  <a:off x="8843040" y="720"/>
+                  <a:ext cx="2133000" cy="6857280"/>
                 </a:xfrm>
                 <a:prstGeom prst="rect">
                   <a:avLst/>
@@ -8537,14 +8428,14 @@
             </p:sp>
             <p:sp>
               <p:nvSpPr>
-                <p:cNvPr id="138" name="CustomShape 13"/>
+                <p:cNvPr id="135" name="CustomShape 13"/>
                 <p:cNvSpPr/>
                 <p:nvPr/>
               </p:nvSpPr>
               <p:spPr>
                 <a:xfrm rot="10800000">
-                  <a:off x="11586240" y="360"/>
-                  <a:ext cx="609120" cy="6857640"/>
+                  <a:off x="11586600" y="720"/>
+                  <a:ext cx="608760" cy="6857280"/>
                 </a:xfrm>
                 <a:prstGeom prst="rect">
                   <a:avLst/>
@@ -8575,14 +8466,14 @@
             </p:sp>
             <p:sp>
               <p:nvSpPr>
-                <p:cNvPr id="139" name="CustomShape 14"/>
+                <p:cNvPr id="136" name="CustomShape 14"/>
                 <p:cNvSpPr/>
                 <p:nvPr/>
               </p:nvSpPr>
               <p:spPr>
                 <a:xfrm rot="10800000">
-                  <a:off x="10874880" y="360"/>
-                  <a:ext cx="1015560" cy="6857640"/>
+                  <a:off x="10875240" y="720"/>
+                  <a:ext cx="1015200" cy="6857280"/>
                 </a:xfrm>
                 <a:prstGeom prst="rect">
                   <a:avLst/>
@@ -8614,14 +8505,14 @@
           </p:grpSp>
           <p:sp>
             <p:nvSpPr>
-              <p:cNvPr id="140" name="CustomShape 15"/>
+              <p:cNvPr id="137" name="CustomShape 15"/>
               <p:cNvSpPr/>
               <p:nvPr/>
             </p:nvSpPr>
             <p:spPr>
               <a:xfrm>
                 <a:off x="5083200" y="0"/>
-                <a:ext cx="3758760" cy="6857640"/>
+                <a:ext cx="3758400" cy="6857280"/>
               </a:xfrm>
               <a:prstGeom prst="rect">
                 <a:avLst/>
@@ -8652,14 +8543,14 @@
           </p:sp>
           <p:sp>
             <p:nvSpPr>
-              <p:cNvPr id="141" name="CustomShape 16"/>
+              <p:cNvPr id="138" name="CustomShape 16"/>
               <p:cNvSpPr/>
               <p:nvPr/>
             </p:nvSpPr>
             <p:spPr>
               <a:xfrm>
                 <a:off x="3864240" y="0"/>
-                <a:ext cx="609120" cy="6857640"/>
+                <a:ext cx="608760" cy="6857280"/>
               </a:xfrm>
               <a:prstGeom prst="rect">
                 <a:avLst/>
@@ -8690,14 +8581,14 @@
           </p:sp>
           <p:sp>
             <p:nvSpPr>
-              <p:cNvPr id="142" name="CustomShape 17"/>
+              <p:cNvPr id="139" name="CustomShape 17"/>
               <p:cNvSpPr/>
               <p:nvPr/>
             </p:nvSpPr>
             <p:spPr>
               <a:xfrm>
                 <a:off x="4168800" y="0"/>
-                <a:ext cx="1015560" cy="6857640"/>
+                <a:ext cx="1015200" cy="6857280"/>
               </a:xfrm>
               <a:prstGeom prst="rect">
                 <a:avLst/>
@@ -8729,14 +8620,14 @@
         </p:grpSp>
         <p:sp>
           <p:nvSpPr>
-            <p:cNvPr id="143" name="CustomShape 18"/>
+            <p:cNvPr id="140" name="CustomShape 18"/>
             <p:cNvSpPr/>
             <p:nvPr/>
           </p:nvSpPr>
           <p:spPr>
             <a:xfrm>
               <a:off x="-12600" y="5034960"/>
-              <a:ext cx="12191760" cy="1175400"/>
+              <a:ext cx="12191400" cy="1175040"/>
             </a:xfrm>
             <a:custGeom>
               <a:avLst/>
@@ -8778,6 +8669,7 @@
                   <a:alpha val="20000"/>
                 </a:schemeClr>
               </a:solidFill>
+              <a:round/>
             </a:ln>
           </p:spPr>
           <p:style>
@@ -8795,14 +8687,14 @@
         </p:sp>
         <p:sp>
           <p:nvSpPr>
-            <p:cNvPr id="144" name="CustomShape 19"/>
+            <p:cNvPr id="141" name="CustomShape 19"/>
             <p:cNvSpPr/>
             <p:nvPr/>
           </p:nvSpPr>
           <p:spPr>
             <a:xfrm>
               <a:off x="-12600" y="3467520"/>
-              <a:ext cx="12191760" cy="890280"/>
+              <a:ext cx="12191400" cy="889920"/>
             </a:xfrm>
             <a:custGeom>
               <a:avLst/>
@@ -8844,6 +8736,7 @@
                   <a:alpha val="20000"/>
                 </a:schemeClr>
               </a:solidFill>
+              <a:round/>
             </a:ln>
           </p:spPr>
           <p:style>
@@ -8861,14 +8754,14 @@
         </p:sp>
         <p:sp>
           <p:nvSpPr>
-            <p:cNvPr id="145" name="CustomShape 20"/>
+            <p:cNvPr id="142" name="CustomShape 20"/>
             <p:cNvSpPr/>
             <p:nvPr/>
           </p:nvSpPr>
           <p:spPr>
             <a:xfrm>
               <a:off x="-28440" y="5640840"/>
-              <a:ext cx="4005720" cy="1211040"/>
+              <a:ext cx="4005360" cy="1210680"/>
             </a:xfrm>
             <a:custGeom>
               <a:avLst/>
@@ -8895,6 +8788,7 @@
                   <a:alpha val="20000"/>
                 </a:schemeClr>
               </a:solidFill>
+              <a:round/>
             </a:ln>
           </p:spPr>
           <p:style>
@@ -8912,14 +8806,14 @@
         </p:sp>
         <p:sp>
           <p:nvSpPr>
-            <p:cNvPr id="146" name="CustomShape 21"/>
+            <p:cNvPr id="143" name="CustomShape 21"/>
             <p:cNvSpPr/>
             <p:nvPr/>
           </p:nvSpPr>
           <p:spPr>
             <a:xfrm>
               <a:off x="-12600" y="5284440"/>
-              <a:ext cx="12191760" cy="1478160"/>
+              <a:ext cx="12191400" cy="1477800"/>
             </a:xfrm>
             <a:custGeom>
               <a:avLst/>
@@ -8971,6 +8865,7 @@
                   <a:alpha val="20000"/>
                 </a:schemeClr>
               </a:solidFill>
+              <a:round/>
             </a:ln>
           </p:spPr>
           <p:style>
@@ -8988,14 +8883,14 @@
         </p:sp>
         <p:sp>
           <p:nvSpPr>
-            <p:cNvPr id="147" name="CustomShape 22"/>
+            <p:cNvPr id="144" name="CustomShape 22"/>
             <p:cNvSpPr/>
             <p:nvPr/>
           </p:nvSpPr>
           <p:spPr>
             <a:xfrm>
               <a:off x="2853360" y="5132160"/>
-              <a:ext cx="9309960" cy="1719720"/>
+              <a:ext cx="9309600" cy="1719360"/>
             </a:xfrm>
             <a:custGeom>
               <a:avLst/>
@@ -9065,6 +8960,7 @@
                   <a:alpha val="20000"/>
                 </a:schemeClr>
               </a:solidFill>
+              <a:round/>
             </a:ln>
           </p:spPr>
           <p:style>
@@ -9082,14 +8978,14 @@
         </p:sp>
         <p:sp>
           <p:nvSpPr>
-            <p:cNvPr id="148" name="CustomShape 23"/>
+            <p:cNvPr id="145" name="CustomShape 23"/>
             <p:cNvSpPr/>
             <p:nvPr/>
           </p:nvSpPr>
           <p:spPr>
             <a:xfrm rot="1404600">
-              <a:off x="4228920" y="2891520"/>
-              <a:ext cx="2014560" cy="1470600"/>
+              <a:off x="4228920" y="2891160"/>
+              <a:ext cx="2014200" cy="1470240"/>
             </a:xfrm>
             <a:prstGeom prst="hexagon">
               <a:avLst>
@@ -9108,6 +9004,7 @@
                   <a:alpha val="12000"/>
                 </a:schemeClr>
               </a:solidFill>
+              <a:round/>
             </a:ln>
           </p:spPr>
           <p:style>
@@ -9127,14 +9024,14 @@
         </p:sp>
         <p:sp>
           <p:nvSpPr>
-            <p:cNvPr id="149" name="CustomShape 24"/>
+            <p:cNvPr id="146" name="CustomShape 24"/>
             <p:cNvSpPr/>
             <p:nvPr/>
           </p:nvSpPr>
           <p:spPr>
             <a:xfrm rot="1404600">
-              <a:off x="5194080" y="4158360"/>
-              <a:ext cx="2014560" cy="1470600"/>
+              <a:off x="5194080" y="4158000"/>
+              <a:ext cx="2014200" cy="1470240"/>
             </a:xfrm>
             <a:prstGeom prst="hexagon">
               <a:avLst>
@@ -9149,6 +9046,7 @@
                   <a:alpha val="12000"/>
                 </a:schemeClr>
               </a:solidFill>
+              <a:round/>
             </a:ln>
           </p:spPr>
           <p:style>
@@ -9168,14 +9066,14 @@
         </p:sp>
         <p:sp>
           <p:nvSpPr>
-            <p:cNvPr id="150" name="CustomShape 25"/>
+            <p:cNvPr id="147" name="CustomShape 25"/>
             <p:cNvSpPr/>
             <p:nvPr/>
           </p:nvSpPr>
           <p:spPr>
             <a:xfrm rot="1404600">
-              <a:off x="5206680" y="1624680"/>
-              <a:ext cx="2014560" cy="1470600"/>
+              <a:off x="5206680" y="1624320"/>
+              <a:ext cx="2014200" cy="1470240"/>
             </a:xfrm>
             <a:prstGeom prst="hexagon">
               <a:avLst>
@@ -9194,6 +9092,7 @@
                   <a:alpha val="8000"/>
                 </a:schemeClr>
               </a:solidFill>
+              <a:round/>
             </a:ln>
           </p:spPr>
           <p:style>
@@ -9213,14 +9112,14 @@
         </p:sp>
         <p:sp>
           <p:nvSpPr>
-            <p:cNvPr id="151" name="CustomShape 26"/>
+            <p:cNvPr id="148" name="CustomShape 26"/>
             <p:cNvSpPr/>
             <p:nvPr/>
           </p:nvSpPr>
           <p:spPr>
             <a:xfrm rot="1404600">
-              <a:off x="4203360" y="357840"/>
-              <a:ext cx="2014560" cy="1470600"/>
+              <a:off x="4203360" y="357480"/>
+              <a:ext cx="2014200" cy="1470240"/>
             </a:xfrm>
             <a:prstGeom prst="hexagon">
               <a:avLst>
@@ -9239,6 +9138,7 @@
                   <a:alpha val="8000"/>
                 </a:schemeClr>
               </a:solidFill>
+              <a:round/>
             </a:ln>
           </p:spPr>
           <p:style>
@@ -9258,14 +9158,14 @@
         </p:sp>
         <p:sp>
           <p:nvSpPr>
-            <p:cNvPr id="152" name="CustomShape 27"/>
+            <p:cNvPr id="149" name="CustomShape 27"/>
             <p:cNvSpPr/>
             <p:nvPr/>
           </p:nvSpPr>
           <p:spPr>
             <a:xfrm rot="1404600">
-              <a:off x="6184440" y="5415480"/>
-              <a:ext cx="2014560" cy="1470600"/>
+              <a:off x="6184440" y="5415120"/>
+              <a:ext cx="2014200" cy="1470240"/>
             </a:xfrm>
             <a:prstGeom prst="hexagon">
               <a:avLst>
@@ -9284,6 +9184,7 @@
                   <a:alpha val="12000"/>
                 </a:schemeClr>
               </a:solidFill>
+              <a:round/>
             </a:ln>
           </p:spPr>
           <p:style>
@@ -9303,14 +9204,14 @@
         </p:sp>
         <p:sp>
           <p:nvSpPr>
-            <p:cNvPr id="153" name="CustomShape 28"/>
+            <p:cNvPr id="150" name="CustomShape 28"/>
             <p:cNvSpPr/>
             <p:nvPr/>
           </p:nvSpPr>
           <p:spPr>
             <a:xfrm rot="1404600">
-              <a:off x="-288360" y="4233600"/>
-              <a:ext cx="1586880" cy="1470600"/>
+              <a:off x="-288000" y="4233240"/>
+              <a:ext cx="1586520" cy="1470240"/>
             </a:xfrm>
             <a:custGeom>
               <a:avLst/>
@@ -9355,6 +9256,7 @@
                   <a:alpha val="12000"/>
                 </a:schemeClr>
               </a:solidFill>
+              <a:round/>
             </a:ln>
           </p:spPr>
           <p:style>
@@ -9374,14 +9276,14 @@
         </p:sp>
         <p:sp>
           <p:nvSpPr>
-            <p:cNvPr id="154" name="CustomShape 29"/>
+            <p:cNvPr id="151" name="CustomShape 29"/>
             <p:cNvSpPr/>
             <p:nvPr/>
           </p:nvSpPr>
           <p:spPr>
             <a:xfrm rot="1404600">
-              <a:off x="266400" y="5434560"/>
-              <a:ext cx="2014560" cy="1470600"/>
+              <a:off x="266400" y="5434200"/>
+              <a:ext cx="2014200" cy="1470240"/>
             </a:xfrm>
             <a:prstGeom prst="hexagon">
               <a:avLst>
@@ -9396,6 +9298,7 @@
                   <a:alpha val="12000"/>
                 </a:schemeClr>
               </a:solidFill>
+              <a:round/>
             </a:ln>
           </p:spPr>
           <p:style>
@@ -9415,14 +9318,14 @@
         </p:sp>
         <p:sp>
           <p:nvSpPr>
-            <p:cNvPr id="155" name="CustomShape 30"/>
+            <p:cNvPr id="152" name="CustomShape 30"/>
             <p:cNvSpPr/>
             <p:nvPr/>
           </p:nvSpPr>
           <p:spPr>
             <a:xfrm rot="1404600">
-              <a:off x="304560" y="2881800"/>
-              <a:ext cx="2014560" cy="1470600"/>
+              <a:off x="304560" y="2881440"/>
+              <a:ext cx="2014200" cy="1470240"/>
             </a:xfrm>
             <a:prstGeom prst="hexagon">
               <a:avLst>
@@ -9441,6 +9344,7 @@
                   <a:alpha val="8000"/>
                 </a:schemeClr>
               </a:solidFill>
+              <a:round/>
             </a:ln>
           </p:spPr>
           <p:style>
@@ -9460,14 +9364,14 @@
         </p:sp>
         <p:sp>
           <p:nvSpPr>
-            <p:cNvPr id="156" name="CustomShape 31"/>
+            <p:cNvPr id="153" name="CustomShape 31"/>
             <p:cNvSpPr/>
             <p:nvPr/>
           </p:nvSpPr>
           <p:spPr>
             <a:xfrm rot="1404600">
-              <a:off x="1269720" y="4158360"/>
-              <a:ext cx="2014560" cy="1470600"/>
+              <a:off x="1269720" y="4158000"/>
+              <a:ext cx="2014200" cy="1470240"/>
             </a:xfrm>
             <a:prstGeom prst="hexagon">
               <a:avLst>
@@ -9482,6 +9386,7 @@
                   <a:alpha val="12000"/>
                 </a:schemeClr>
               </a:solidFill>
+              <a:round/>
             </a:ln>
           </p:spPr>
           <p:style>
@@ -9501,14 +9406,14 @@
         </p:sp>
         <p:sp>
           <p:nvSpPr>
-            <p:cNvPr id="157" name="CustomShape 32"/>
+            <p:cNvPr id="154" name="CustomShape 32"/>
             <p:cNvSpPr/>
             <p:nvPr/>
           </p:nvSpPr>
           <p:spPr>
             <a:xfrm rot="1404600">
-              <a:off x="2247480" y="5443920"/>
-              <a:ext cx="2014560" cy="1470600"/>
+              <a:off x="2247480" y="5443560"/>
+              <a:ext cx="2014200" cy="1470240"/>
             </a:xfrm>
             <a:prstGeom prst="hexagon">
               <a:avLst>
@@ -9523,6 +9428,7 @@
                   <a:alpha val="12000"/>
                 </a:schemeClr>
               </a:solidFill>
+              <a:round/>
             </a:ln>
           </p:spPr>
           <p:style>
@@ -9542,14 +9448,14 @@
         </p:sp>
         <p:sp>
           <p:nvSpPr>
-            <p:cNvPr id="158" name="CustomShape 33"/>
+            <p:cNvPr id="155" name="CustomShape 33"/>
             <p:cNvSpPr/>
             <p:nvPr/>
           </p:nvSpPr>
           <p:spPr>
             <a:xfrm rot="1404600">
-              <a:off x="2273040" y="2891520"/>
-              <a:ext cx="2014560" cy="1470600"/>
+              <a:off x="2273040" y="2891160"/>
+              <a:ext cx="2014200" cy="1470240"/>
             </a:xfrm>
             <a:prstGeom prst="hexagon">
               <a:avLst>
@@ -9568,6 +9474,7 @@
                   <a:alpha val="8000"/>
                 </a:schemeClr>
               </a:solidFill>
+              <a:round/>
             </a:ln>
           </p:spPr>
           <p:style>
@@ -9587,14 +9494,14 @@
         </p:sp>
         <p:sp>
           <p:nvSpPr>
-            <p:cNvPr id="159" name="CustomShape 34"/>
+            <p:cNvPr id="156" name="CustomShape 34"/>
             <p:cNvSpPr/>
             <p:nvPr/>
           </p:nvSpPr>
           <p:spPr>
             <a:xfrm rot="1404600">
-              <a:off x="1295280" y="1595880"/>
-              <a:ext cx="2014560" cy="1470600"/>
+              <a:off x="1295280" y="1595520"/>
+              <a:ext cx="2014200" cy="1470240"/>
             </a:xfrm>
             <a:prstGeom prst="hexagon">
               <a:avLst>
@@ -9609,6 +9516,7 @@
                   <a:alpha val="12000"/>
                 </a:schemeClr>
               </a:solidFill>
+              <a:round/>
             </a:ln>
           </p:spPr>
           <p:style>
@@ -9628,14 +9536,14 @@
         </p:sp>
         <p:sp>
           <p:nvSpPr>
-            <p:cNvPr id="160" name="CustomShape 35"/>
+            <p:cNvPr id="157" name="CustomShape 35"/>
             <p:cNvSpPr/>
             <p:nvPr/>
           </p:nvSpPr>
           <p:spPr>
             <a:xfrm rot="1404600">
-              <a:off x="9308880" y="4177080"/>
-              <a:ext cx="2014560" cy="1470600"/>
+              <a:off x="9308880" y="4176720"/>
+              <a:ext cx="2014200" cy="1470240"/>
             </a:xfrm>
             <a:prstGeom prst="hexagon">
               <a:avLst>
@@ -9654,6 +9562,7 @@
                   <a:alpha val="12000"/>
                 </a:schemeClr>
               </a:solidFill>
+              <a:round/>
             </a:ln>
           </p:spPr>
           <p:style>
@@ -9673,14 +9582,14 @@
         </p:sp>
         <p:sp>
           <p:nvSpPr>
-            <p:cNvPr id="161" name="CustomShape 36"/>
+            <p:cNvPr id="158" name="CustomShape 36"/>
             <p:cNvSpPr/>
             <p:nvPr/>
           </p:nvSpPr>
           <p:spPr>
             <a:xfrm rot="1404600">
-              <a:off x="10299240" y="5453640"/>
-              <a:ext cx="2014560" cy="1470600"/>
+              <a:off x="10299240" y="5453280"/>
+              <a:ext cx="2014200" cy="1470240"/>
             </a:xfrm>
             <a:prstGeom prst="hexagon">
               <a:avLst>
@@ -9695,6 +9604,7 @@
                   <a:alpha val="12000"/>
                 </a:schemeClr>
               </a:solidFill>
+              <a:round/>
             </a:ln>
           </p:spPr>
           <p:style>
@@ -9714,14 +9624,14 @@
         </p:sp>
         <p:sp>
           <p:nvSpPr>
-            <p:cNvPr id="162" name="CustomShape 37"/>
+            <p:cNvPr id="159" name="CustomShape 37"/>
             <p:cNvSpPr/>
             <p:nvPr/>
           </p:nvSpPr>
           <p:spPr>
             <a:xfrm rot="1404600">
-              <a:off x="10299240" y="2900880"/>
-              <a:ext cx="2014560" cy="1470600"/>
+              <a:off x="10299240" y="2900520"/>
+              <a:ext cx="2014200" cy="1470240"/>
             </a:xfrm>
             <a:prstGeom prst="hexagon">
               <a:avLst>
@@ -9740,6 +9650,7 @@
                   <a:alpha val="8000"/>
                 </a:schemeClr>
               </a:solidFill>
+              <a:round/>
             </a:ln>
           </p:spPr>
           <p:style>
@@ -9759,14 +9670,14 @@
         </p:sp>
         <p:sp>
           <p:nvSpPr>
-            <p:cNvPr id="163" name="CustomShape 38"/>
+            <p:cNvPr id="160" name="CustomShape 38"/>
             <p:cNvSpPr/>
             <p:nvPr/>
           </p:nvSpPr>
           <p:spPr>
             <a:xfrm rot="1404600">
-              <a:off x="11295720" y="4087800"/>
-              <a:ext cx="1564200" cy="1470600"/>
+              <a:off x="11295360" y="4087440"/>
+              <a:ext cx="1563840" cy="1470240"/>
             </a:xfrm>
             <a:custGeom>
               <a:avLst/>
@@ -9811,6 +9722,7 @@
                   <a:alpha val="12000"/>
                 </a:schemeClr>
               </a:solidFill>
+              <a:round/>
             </a:ln>
           </p:spPr>
           <p:style>
@@ -9830,14 +9742,14 @@
         </p:sp>
         <p:sp>
           <p:nvSpPr>
-            <p:cNvPr id="164" name="CustomShape 39"/>
+            <p:cNvPr id="161" name="CustomShape 39"/>
             <p:cNvSpPr/>
             <p:nvPr/>
           </p:nvSpPr>
           <p:spPr>
             <a:xfrm rot="1404600">
-              <a:off x="11296080" y="1543680"/>
-              <a:ext cx="1562400" cy="1471320"/>
+              <a:off x="11296080" y="1543320"/>
+              <a:ext cx="1562040" cy="1470960"/>
             </a:xfrm>
             <a:custGeom>
               <a:avLst/>
@@ -9878,6 +9790,7 @@
                   <a:alpha val="12000"/>
                 </a:schemeClr>
               </a:solidFill>
+              <a:round/>
             </a:ln>
           </p:spPr>
           <p:style>
@@ -9898,14 +9811,14 @@
       </p:grpSp>
       <p:sp>
         <p:nvSpPr>
-          <p:cNvPr id="165" name="CustomShape 40"/>
+          <p:cNvPr id="162" name="CustomShape 40"/>
           <p:cNvSpPr/>
           <p:nvPr/>
         </p:nvSpPr>
         <p:spPr>
           <a:xfrm>
             <a:off x="609480" y="333360"/>
-            <a:ext cx="10972440" cy="6185160"/>
+            <a:ext cx="10972080" cy="6184800"/>
           </a:xfrm>
           <a:prstGeom prst="rect">
             <a:avLst/>
@@ -9917,6 +9830,7 @@
             <a:solidFill>
               <a:schemeClr val="tx1"/>
             </a:solidFill>
+            <a:round/>
           </a:ln>
         </p:spPr>
         <p:style>
@@ -9936,14 +9850,14 @@
       </p:sp>
       <p:sp>
         <p:nvSpPr>
-          <p:cNvPr id="166" name="CustomShape 41"/>
+          <p:cNvPr id="163" name="CustomShape 41"/>
           <p:cNvSpPr/>
           <p:nvPr/>
         </p:nvSpPr>
         <p:spPr>
           <a:xfrm>
             <a:off x="6081480" y="-21600"/>
-            <a:ext cx="4905000" cy="698760"/>
+            <a:ext cx="4904640" cy="698400"/>
           </a:xfrm>
           <a:prstGeom prst="rect">
             <a:avLst/>
@@ -9957,6 +9871,7 @@
                 <a:lumMod val="50000"/>
               </a:schemeClr>
             </a:solidFill>
+            <a:round/>
           </a:ln>
         </p:spPr>
         <p:style>
@@ -9976,14 +9891,14 @@
       </p:sp>
       <p:sp>
         <p:nvSpPr>
-          <p:cNvPr id="167" name="CustomShape 42"/>
+          <p:cNvPr id="164" name="CustomShape 42"/>
           <p:cNvSpPr/>
           <p:nvPr/>
         </p:nvSpPr>
         <p:spPr>
           <a:xfrm>
             <a:off x="6198840" y="-21600"/>
-            <a:ext cx="4673160" cy="623520"/>
+            <a:ext cx="4672800" cy="623160"/>
           </a:xfrm>
           <a:prstGeom prst="rect">
             <a:avLst/>
@@ -10012,7 +9927,7 @@
       </p:sp>
       <p:sp>
         <p:nvSpPr>
-          <p:cNvPr id="168" name="PlaceHolder 43"/>
+          <p:cNvPr id="165" name="PlaceHolder 43"/>
           <p:cNvSpPr>
             <a:spLocks noGrp="1"/>
           </p:cNvSpPr>
@@ -10022,42 +9937,38 @@
         </p:nvSpPr>
         <p:spPr>
           <a:xfrm>
-            <a:off x="1391400" y="1027800"/>
-            <a:ext cx="9366120" cy="1142640"/>
+            <a:off x="609480" y="273600"/>
+            <a:ext cx="10972440" cy="1144800"/>
           </a:xfrm>
           <a:prstGeom prst="rect">
             <a:avLst/>
           </a:prstGeom>
         </p:spPr>
         <p:txBody>
-          <a:bodyPr anchor="b"/>
-          <a:p>
-            <a:pPr>
-              <a:lnSpc>
-                <a:spcPct val="100000"/>
-              </a:lnSpc>
-            </a:pPr>
+          <a:bodyPr lIns="0" rIns="0" tIns="0" bIns="0" anchor="ctr"/>
+          <a:p>
+            <a:pPr algn="ctr"/>
             <a:r>
-              <a:rPr b="0" lang="ru-RU" sz="4000" spc="-1" strike="noStrike">
-                <a:solidFill>
-                  <a:srgbClr val="85540a"/>
-                </a:solidFill>
-                <a:latin typeface="Century Gothic"/>
+              <a:rPr b="0" lang="ru-RU" sz="4400" spc="-1" strike="noStrike">
+                <a:latin typeface="Arial"/>
               </a:rPr>
-              <a:t>Образец заголовка</a:t>
+              <a:t>Для правки текста заглавия </a:t>
             </a:r>
-            <a:endParaRPr b="0" lang="ru-RU" sz="4000" spc="-1" strike="noStrike">
-              <a:solidFill>
-                <a:srgbClr val="000000"/>
-              </a:solidFill>
-              <a:latin typeface="Century Gothic"/>
+            <a:r>
+              <a:rPr b="0" lang="ru-RU" sz="4400" spc="-1" strike="noStrike">
+                <a:latin typeface="Arial"/>
+              </a:rPr>
+              <a:t>щёлкните мышью</a:t>
+            </a:r>
+            <a:endParaRPr b="0" lang="ru-RU" sz="4400" spc="-1" strike="noStrike">
+              <a:latin typeface="Arial"/>
             </a:endParaRPr>
           </a:p>
         </p:txBody>
       </p:sp>
       <p:sp>
         <p:nvSpPr>
-          <p:cNvPr id="169" name="PlaceHolder 44"/>
+          <p:cNvPr id="166" name="PlaceHolder 44"/>
           <p:cNvSpPr>
             <a:spLocks noGrp="1"/>
           </p:cNvSpPr>
@@ -10067,294 +9978,169 @@
         </p:nvSpPr>
         <p:spPr>
           <a:xfrm>
-            <a:off x="1391400" y="2323800"/>
-            <a:ext cx="9390600" cy="3508560"/>
+            <a:off x="609480" y="1604520"/>
+            <a:ext cx="10972440" cy="3977280"/>
           </a:xfrm>
           <a:prstGeom prst="rect">
             <a:avLst/>
           </a:prstGeom>
         </p:spPr>
         <p:txBody>
-          <a:bodyPr/>
-          <a:p>
-            <a:pPr marL="343080" indent="-273960">
-              <a:lnSpc>
-                <a:spcPct val="100000"/>
-              </a:lnSpc>
+          <a:bodyPr lIns="0" rIns="0" tIns="0" bIns="0">
+            <a:normAutofit/>
+          </a:bodyPr>
+          <a:p>
+            <a:pPr marL="432000" indent="-324000">
               <a:spcBef>
-                <a:spcPts val="479"/>
+                <a:spcPts val="1417"/>
               </a:spcBef>
               <a:buClr>
-                <a:srgbClr val="85540a"/>
+                <a:srgbClr val="000000"/>
               </a:buClr>
-              <a:buSzPct val="76000"/>
-              <a:buFont typeface="Wingdings 2" charset="2"/>
-              <a:buChar char=""/>
+              <a:buSzPct val="45000"/>
+              <a:buFont typeface="Wingdings" charset="2"/>
+              <a:buChar char=""/>
+            </a:pPr>
+            <a:r>
+              <a:rPr b="0" lang="ru-RU" sz="3200" spc="-1" strike="noStrike">
+                <a:latin typeface="Arial"/>
+              </a:rPr>
+              <a:t>Для правки структуры щёлкните мышью</a:t>
+            </a:r>
+            <a:endParaRPr b="0" lang="ru-RU" sz="3200" spc="-1" strike="noStrike">
+              <a:latin typeface="Arial"/>
+            </a:endParaRPr>
+          </a:p>
+          <a:p>
+            <a:pPr lvl="1" marL="864000" indent="-324000">
+              <a:spcBef>
+                <a:spcPts val="1134"/>
+              </a:spcBef>
+              <a:buClr>
+                <a:srgbClr val="000000"/>
+              </a:buClr>
+              <a:buSzPct val="75000"/>
+              <a:buFont typeface="Symbol" charset="2"/>
+              <a:buChar char=""/>
+            </a:pPr>
+            <a:r>
+              <a:rPr b="0" lang="ru-RU" sz="2800" spc="-1" strike="noStrike">
+                <a:latin typeface="Arial"/>
+              </a:rPr>
+              <a:t>Второй уровень структуры</a:t>
+            </a:r>
+            <a:endParaRPr b="0" lang="ru-RU" sz="2800" spc="-1" strike="noStrike">
+              <a:latin typeface="Arial"/>
+            </a:endParaRPr>
+          </a:p>
+          <a:p>
+            <a:pPr lvl="2" marL="1296000" indent="-288000">
+              <a:spcBef>
+                <a:spcPts val="850"/>
+              </a:spcBef>
+              <a:buClr>
+                <a:srgbClr val="000000"/>
+              </a:buClr>
+              <a:buSzPct val="45000"/>
+              <a:buFont typeface="Wingdings" charset="2"/>
+              <a:buChar char=""/>
             </a:pPr>
             <a:r>
               <a:rPr b="0" lang="ru-RU" sz="2400" spc="-1" strike="noStrike">
-                <a:solidFill>
-                  <a:srgbClr val="4e3b30"/>
-                </a:solidFill>
-                <a:latin typeface="Century Gothic"/>
+                <a:latin typeface="Arial"/>
               </a:rPr>
-              <a:t>Образец текста</a:t>
+              <a:t>Третий уровень структуры</a:t>
             </a:r>
             <a:endParaRPr b="0" lang="ru-RU" sz="2400" spc="-1" strike="noStrike">
-              <a:solidFill>
-                <a:srgbClr val="4e3b30"/>
-              </a:solidFill>
-              <a:latin typeface="Century Gothic"/>
-            </a:endParaRPr>
-          </a:p>
-          <a:p>
-            <a:pPr lvl="1" marL="640080" indent="-273960">
-              <a:lnSpc>
-                <a:spcPct val="100000"/>
-              </a:lnSpc>
+              <a:latin typeface="Arial"/>
+            </a:endParaRPr>
+          </a:p>
+          <a:p>
+            <a:pPr lvl="3" marL="1728000" indent="-216000">
               <a:spcBef>
-                <a:spcPts val="439"/>
+                <a:spcPts val="567"/>
               </a:spcBef>
               <a:buClr>
-                <a:srgbClr val="85540a"/>
+                <a:srgbClr val="000000"/>
               </a:buClr>
-              <a:buSzPct val="76000"/>
-              <a:buFont typeface="Wingdings 2" charset="2"/>
-              <a:buChar char=""/>
-            </a:pPr>
-            <a:r>
-              <a:rPr b="0" lang="ru-RU" sz="2200" spc="-1" strike="noStrike">
-                <a:solidFill>
-                  <a:srgbClr val="4e3b30"/>
-                </a:solidFill>
-                <a:latin typeface="Century Gothic"/>
-              </a:rPr>
-              <a:t>Второй уровень</a:t>
-            </a:r>
-            <a:endParaRPr b="0" lang="ru-RU" sz="2200" spc="-1" strike="noStrike">
-              <a:solidFill>
-                <a:srgbClr val="4e3b30"/>
-              </a:solidFill>
-              <a:latin typeface="Century Gothic"/>
-            </a:endParaRPr>
-          </a:p>
-          <a:p>
-            <a:pPr lvl="2" marL="914400" indent="-228240">
-              <a:lnSpc>
-                <a:spcPct val="100000"/>
-              </a:lnSpc>
-              <a:spcBef>
-                <a:spcPts val="400"/>
-              </a:spcBef>
-              <a:buClr>
-                <a:srgbClr val="85540a"/>
-              </a:buClr>
-              <a:buSzPct val="76000"/>
-              <a:buFont typeface="Wingdings 2" charset="2"/>
-              <a:buChar char=""/>
+              <a:buSzPct val="75000"/>
+              <a:buFont typeface="Symbol" charset="2"/>
+              <a:buChar char=""/>
             </a:pPr>
             <a:r>
               <a:rPr b="0" lang="ru-RU" sz="2000" spc="-1" strike="noStrike">
-                <a:solidFill>
-                  <a:srgbClr val="4e3b30"/>
-                </a:solidFill>
-                <a:latin typeface="Century Gothic"/>
+                <a:latin typeface="Arial"/>
               </a:rPr>
-              <a:t>Третий уровень</a:t>
+              <a:t>Четвёртый уровень структуры</a:t>
             </a:r>
             <a:endParaRPr b="0" lang="ru-RU" sz="2000" spc="-1" strike="noStrike">
-              <a:solidFill>
-                <a:srgbClr val="4e3b30"/>
-              </a:solidFill>
-              <a:latin typeface="Century Gothic"/>
-            </a:endParaRPr>
-          </a:p>
-          <a:p>
-            <a:pPr lvl="3" marL="1124640" indent="-228240">
-              <a:lnSpc>
-                <a:spcPct val="100000"/>
-              </a:lnSpc>
+              <a:latin typeface="Arial"/>
+            </a:endParaRPr>
+          </a:p>
+          <a:p>
+            <a:pPr lvl="4" marL="2160000" indent="-216000">
               <a:spcBef>
-                <a:spcPts val="360"/>
+                <a:spcPts val="283"/>
               </a:spcBef>
               <a:buClr>
-                <a:srgbClr val="85540a"/>
+                <a:srgbClr val="000000"/>
               </a:buClr>
-              <a:buSzPct val="76000"/>
-              <a:buFont typeface="Wingdings 2" charset="2"/>
-              <a:buChar char=""/>
+              <a:buSzPct val="45000"/>
+              <a:buFont typeface="Wingdings" charset="2"/>
+              <a:buChar char=""/>
             </a:pPr>
             <a:r>
-              <a:rPr b="0" lang="ru-RU" sz="1800" spc="-1" strike="noStrike">
-                <a:solidFill>
-                  <a:srgbClr val="4e3b30"/>
-                </a:solidFill>
-                <a:latin typeface="Century Gothic"/>
+              <a:rPr b="0" lang="ru-RU" sz="2000" spc="-1" strike="noStrike">
+                <a:latin typeface="Arial"/>
               </a:rPr>
-              <a:t>Четвертый уровень</a:t>
+              <a:t>Пятый уровень структуры</a:t>
             </a:r>
-            <a:endParaRPr b="0" lang="ru-RU" sz="1800" spc="-1" strike="noStrike">
-              <a:solidFill>
-                <a:srgbClr val="4e3b30"/>
-              </a:solidFill>
-              <a:latin typeface="Century Gothic"/>
-            </a:endParaRPr>
-          </a:p>
-          <a:p>
-            <a:pPr lvl="4" marL="1325880" indent="-228240">
-              <a:lnSpc>
-                <a:spcPct val="100000"/>
-              </a:lnSpc>
+            <a:endParaRPr b="0" lang="ru-RU" sz="2000" spc="-1" strike="noStrike">
+              <a:latin typeface="Arial"/>
+            </a:endParaRPr>
+          </a:p>
+          <a:p>
+            <a:pPr lvl="5" marL="2592000" indent="-216000">
               <a:spcBef>
-                <a:spcPts val="320"/>
+                <a:spcPts val="283"/>
               </a:spcBef>
               <a:buClr>
-                <a:srgbClr val="85540a"/>
+                <a:srgbClr val="000000"/>
               </a:buClr>
-              <a:buSzPct val="76000"/>
-              <a:buFont typeface="Wingdings 2" charset="2"/>
-              <a:buChar char=""/>
+              <a:buSzPct val="45000"/>
+              <a:buFont typeface="Wingdings" charset="2"/>
+              <a:buChar char=""/>
             </a:pPr>
             <a:r>
-              <a:rPr b="0" lang="ru-RU" sz="1600" spc="-1" strike="noStrike">
-                <a:solidFill>
-                  <a:srgbClr val="4e3b30"/>
-                </a:solidFill>
-                <a:latin typeface="Century Gothic"/>
+              <a:rPr b="0" lang="ru-RU" sz="2000" spc="-1" strike="noStrike">
+                <a:latin typeface="Arial"/>
               </a:rPr>
-              <a:t>Пятый уровень</a:t>
+              <a:t>Шестой уровень структуры</a:t>
             </a:r>
-            <a:endParaRPr b="0" lang="ru-RU" sz="1600" spc="-1" strike="noStrike">
-              <a:solidFill>
-                <a:srgbClr val="4e3b30"/>
-              </a:solidFill>
-              <a:latin typeface="Century Gothic"/>
-            </a:endParaRPr>
-          </a:p>
-        </p:txBody>
-      </p:sp>
-      <p:sp>
-        <p:nvSpPr>
-          <p:cNvPr id="170" name="PlaceHolder 45"/>
-          <p:cNvSpPr>
-            <a:spLocks noGrp="1"/>
-          </p:cNvSpPr>
-          <p:nvPr>
-            <p:ph type="ftr"/>
-          </p:nvPr>
-        </p:nvSpPr>
-        <p:spPr>
-          <a:xfrm>
-            <a:off x="6188760" y="5852160"/>
-            <a:ext cx="4669200" cy="364680"/>
-          </a:xfrm>
-          <a:prstGeom prst="rect">
-            <a:avLst/>
-          </a:prstGeom>
-        </p:spPr>
-        <p:txBody>
-          <a:bodyPr anchor="ctr"/>
-          <a:p>
-            <a:pPr algn="r">
-              <a:lnSpc>
-                <a:spcPct val="100000"/>
-              </a:lnSpc>
+            <a:endParaRPr b="0" lang="ru-RU" sz="2000" spc="-1" strike="noStrike">
+              <a:latin typeface="Arial"/>
+            </a:endParaRPr>
+          </a:p>
+          <a:p>
+            <a:pPr lvl="6" marL="3024000" indent="-216000">
+              <a:spcBef>
+                <a:spcPts val="283"/>
+              </a:spcBef>
+              <a:buClr>
+                <a:srgbClr val="000000"/>
+              </a:buClr>
+              <a:buSzPct val="45000"/>
+              <a:buFont typeface="Wingdings" charset="2"/>
+              <a:buChar char=""/>
             </a:pPr>
             <a:r>
-              <a:rPr b="0" lang="ru-RU" sz="1100" spc="-1" strike="noStrike">
-                <a:solidFill>
-                  <a:srgbClr val="85540a"/>
-                </a:solidFill>
-                <a:latin typeface="Century Gothic"/>
+              <a:rPr b="0" lang="ru-RU" sz="2000" spc="-1" strike="noStrike">
+                <a:latin typeface="Arial"/>
               </a:rPr>
-              <a:t>Добавить нижний колонтитул</a:t>
+              <a:t>Седьмой уровень структуры</a:t>
             </a:r>
-            <a:endParaRPr b="0" lang="ru-RU" sz="1100" spc="-1" strike="noStrike">
-              <a:latin typeface="Times New Roman"/>
-            </a:endParaRPr>
-          </a:p>
-        </p:txBody>
-      </p:sp>
-      <p:sp>
-        <p:nvSpPr>
-          <p:cNvPr id="171" name="PlaceHolder 46"/>
-          <p:cNvSpPr>
-            <a:spLocks noGrp="1"/>
-          </p:cNvSpPr>
-          <p:nvPr>
-            <p:ph type="sldNum"/>
-          </p:nvPr>
-        </p:nvSpPr>
-        <p:spPr>
-          <a:xfrm>
-            <a:off x="6198840" y="224640"/>
-            <a:ext cx="1775880" cy="364680"/>
-          </a:xfrm>
-          <a:prstGeom prst="rect">
-            <a:avLst/>
-          </a:prstGeom>
-        </p:spPr>
-        <p:txBody>
-          <a:bodyPr anchor="ctr"/>
-          <a:p>
-            <a:pPr>
-              <a:lnSpc>
-                <a:spcPct val="100000"/>
-              </a:lnSpc>
-            </a:pPr>
-            <a:fld id="{83D5BEFA-A688-419D-B2CC-0EDE468BB274}" type="slidenum">
-              <a:rPr b="0" lang="ru-RU" sz="1100" spc="-1" strike="noStrike">
-                <a:solidFill>
-                  <a:srgbClr val="fefefe"/>
-                </a:solidFill>
-                <a:latin typeface="Century Gothic"/>
-              </a:rPr>
-              <a:t>1</a:t>
-            </a:fld>
-            <a:endParaRPr b="0" lang="ru-RU" sz="1100" spc="-1" strike="noStrike">
-              <a:latin typeface="Times New Roman"/>
-            </a:endParaRPr>
-          </a:p>
-        </p:txBody>
-      </p:sp>
-      <p:sp>
-        <p:nvSpPr>
-          <p:cNvPr id="172" name="PlaceHolder 47"/>
-          <p:cNvSpPr>
-            <a:spLocks noGrp="1"/>
-          </p:cNvSpPr>
-          <p:nvPr>
-            <p:ph type="dt"/>
-          </p:nvPr>
-        </p:nvSpPr>
-        <p:spPr>
-          <a:xfrm>
-            <a:off x="7996680" y="224640"/>
-            <a:ext cx="2844360" cy="364680"/>
-          </a:xfrm>
-          <a:prstGeom prst="rect">
-            <a:avLst/>
-          </a:prstGeom>
-        </p:spPr>
-        <p:txBody>
-          <a:bodyPr anchor="ctr"/>
-          <a:p>
-            <a:pPr algn="r">
-              <a:lnSpc>
-                <a:spcPct val="100000"/>
-              </a:lnSpc>
-            </a:pPr>
-            <a:fld id="{A3C3D399-5386-416F-9617-8B983448CB51}" type="datetime1">
-              <a:rPr b="0" lang="ru-RU" sz="1100" spc="-1" strike="noStrike">
-                <a:solidFill>
-                  <a:srgbClr val="fefefe"/>
-                </a:solidFill>
-                <a:latin typeface="Century Gothic"/>
-              </a:rPr>
-              <a:t>17.02.2019</a:t>
-            </a:fld>
-            <a:endParaRPr b="0" lang="ru-RU" sz="1100" spc="-1" strike="noStrike">
-              <a:latin typeface="Times New Roman"/>
+            <a:endParaRPr b="0" lang="ru-RU" sz="2000" spc="-1" strike="noStrike">
+              <a:latin typeface="Arial"/>
             </a:endParaRPr>
           </a:p>
         </p:txBody>
@@ -10398,14 +10184,14 @@
       </p:grpSpPr>
       <p:sp>
         <p:nvSpPr>
-          <p:cNvPr id="215" name="TextShape 1"/>
-          <p:cNvSpPr txBox="1"/>
+          <p:cNvPr id="209" name="CustomShape 1"/>
+          <p:cNvSpPr/>
           <p:nvPr/>
         </p:nvSpPr>
         <p:spPr>
           <a:xfrm>
             <a:off x="6311160" y="2708640"/>
-            <a:ext cx="4417560" cy="1701720"/>
+            <a:ext cx="4417200" cy="1701360"/>
           </a:xfrm>
           <a:prstGeom prst="rect">
             <a:avLst/>
@@ -10415,8 +10201,14 @@
             <a:noFill/>
           </a:ln>
         </p:spPr>
+        <p:style>
+          <a:lnRef idx="0"/>
+          <a:fillRef idx="0"/>
+          <a:effectRef idx="0"/>
+          <a:fontRef idx="minor"/>
+        </p:style>
         <p:txBody>
-          <a:bodyPr anchor="b"/>
+          <a:bodyPr lIns="90000" rIns="90000" tIns="45000" bIns="45000" anchor="b"/>
           <a:p>
             <a:pPr>
               <a:lnSpc>
@@ -10433,17 +10225,14 @@
               <a:t>Курс «Java Enterprise Edition»</a:t>
             </a:r>
             <a:endParaRPr b="0" lang="ru-RU" sz="3600" spc="-1" strike="noStrike">
-              <a:solidFill>
-                <a:srgbClr val="000000"/>
-              </a:solidFill>
-              <a:latin typeface="Century Gothic"/>
+              <a:latin typeface="Arial"/>
             </a:endParaRPr>
           </a:p>
         </p:txBody>
       </p:sp>
       <p:pic>
         <p:nvPicPr>
-          <p:cNvPr id="216" name="Рисунок 7" descr=""/>
+          <p:cNvPr id="210" name="Рисунок 7" descr=""/>
           <p:cNvPicPr/>
           <p:nvPr/>
         </p:nvPicPr>
@@ -10454,7 +10243,7 @@
         <p:spPr>
           <a:xfrm>
             <a:off x="323280" y="773640"/>
-            <a:ext cx="5283000" cy="2113560"/>
+            <a:ext cx="5282640" cy="2113200"/>
           </a:xfrm>
           <a:prstGeom prst="rect">
             <a:avLst/>
@@ -10476,6 +10265,211 @@
           <p:childTnLst>
             <p:seq>
               <p:cTn id="2" dur="indefinite" nodeType="mainSeq"/>
+              <p:prevCondLst>
+                <p:cond delay="0" evt="onPrev">
+                  <p:tgtEl>
+                    <p:sldTgt/>
+                  </p:tgtEl>
+                </p:cond>
+              </p:prevCondLst>
+              <p:nextCondLst>
+                <p:cond delay="0" evt="onNext">
+                  <p:tgtEl>
+                    <p:sldTgt/>
+                  </p:tgtEl>
+                </p:cond>
+              </p:nextCondLst>
+            </p:seq>
+          </p:childTnLst>
+        </p:cTn>
+      </p:par>
+    </p:tnLst>
+  </p:timing>
+</p:sld>
+</file>
+
+<file path=ppt/slides/slide10.xml><?xml version="1.0" encoding="utf-8"?>
+<p:sld xmlns:a="http://schemas.openxmlformats.org/drawingml/2006/main" xmlns:p="http://schemas.openxmlformats.org/presentationml/2006/main" xmlns:r="http://schemas.openxmlformats.org/officeDocument/2006/relationships" xmlns:p14="http://schemas.microsoft.com/office/powerpoint/2010/main" xmlns:p15="http://schemas.microsoft.com/office/powerpoint/2012/main" xmlns:mc="http://schemas.openxmlformats.org/markup-compatibility/2006">
+  <p:cSld>
+    <p:spTree>
+      <p:nvGrpSpPr>
+        <p:cNvPr id="1" name=""/>
+        <p:cNvGrpSpPr/>
+        <p:nvPr/>
+      </p:nvGrpSpPr>
+      <p:grpSpPr>
+        <a:xfrm>
+          <a:off x="0" y="0"/>
+          <a:ext cx="0" cy="0"/>
+          <a:chOff x="0" y="0"/>
+          <a:chExt cx="0" cy="0"/>
+        </a:xfrm>
+      </p:grpSpPr>
+      <p:sp>
+        <p:nvSpPr>
+          <p:cNvPr id="243" name="CustomShape 1"/>
+          <p:cNvSpPr/>
+          <p:nvPr/>
+        </p:nvSpPr>
+        <p:spPr>
+          <a:xfrm>
+            <a:off x="1391400" y="1027800"/>
+            <a:ext cx="9365760" cy="3868200"/>
+          </a:xfrm>
+          <a:prstGeom prst="rect">
+            <a:avLst/>
+          </a:prstGeom>
+          <a:noFill/>
+          <a:ln>
+            <a:noFill/>
+          </a:ln>
+        </p:spPr>
+        <p:style>
+          <a:lnRef idx="0"/>
+          <a:fillRef idx="0"/>
+          <a:effectRef idx="0"/>
+          <a:fontRef idx="minor"/>
+        </p:style>
+        <p:txBody>
+          <a:bodyPr lIns="90000" rIns="90000" tIns="45000" bIns="45000" anchor="ctr">
+            <a:normAutofit/>
+          </a:bodyPr>
+          <a:p>
+            <a:pPr algn="ctr">
+              <a:lnSpc>
+                <a:spcPct val="100000"/>
+              </a:lnSpc>
+            </a:pPr>
+            <a:r>
+              <a:rPr b="0" lang="ru-RU" sz="4400" spc="-1" strike="noStrike">
+                <a:solidFill>
+                  <a:srgbClr val="85540a"/>
+                </a:solidFill>
+                <a:latin typeface="Century Gothic"/>
+              </a:rPr>
+              <a:t>Вопросы...</a:t>
+            </a:r>
+            <a:endParaRPr b="0" lang="ru-RU" sz="4400" spc="-1" strike="noStrike">
+              <a:latin typeface="Arial"/>
+            </a:endParaRPr>
+          </a:p>
+        </p:txBody>
+      </p:sp>
+      <p:sp>
+        <p:nvSpPr>
+          <p:cNvPr id="244" name="CustomShape 2"/>
+          <p:cNvSpPr/>
+          <p:nvPr/>
+        </p:nvSpPr>
+        <p:spPr>
+          <a:xfrm>
+            <a:off x="1391400" y="1802880"/>
+            <a:ext cx="9390240" cy="4029120"/>
+          </a:xfrm>
+          <a:prstGeom prst="rect">
+            <a:avLst/>
+          </a:prstGeom>
+          <a:noFill/>
+          <a:ln>
+            <a:noFill/>
+          </a:ln>
+        </p:spPr>
+        <p:style>
+          <a:lnRef idx="0"/>
+          <a:fillRef idx="0"/>
+          <a:effectRef idx="0"/>
+          <a:fontRef idx="minor"/>
+        </p:style>
+        <p:txBody>
+          <a:bodyPr lIns="90000" rIns="90000" tIns="45000" bIns="45000">
+            <a:normAutofit/>
+          </a:bodyPr>
+          <a:p>
+            <a:pPr marL="68760">
+              <a:lnSpc>
+                <a:spcPct val="100000"/>
+              </a:lnSpc>
+              <a:spcBef>
+                <a:spcPts val="479"/>
+              </a:spcBef>
+            </a:pPr>
+            <a:endParaRPr b="0" lang="ru-RU" sz="1800" spc="-1" strike="noStrike">
+              <a:latin typeface="Arial"/>
+            </a:endParaRPr>
+          </a:p>
+          <a:p>
+            <a:pPr marL="68760">
+              <a:lnSpc>
+                <a:spcPct val="100000"/>
+              </a:lnSpc>
+              <a:spcBef>
+                <a:spcPts val="479"/>
+              </a:spcBef>
+            </a:pPr>
+            <a:endParaRPr b="0" lang="ru-RU" sz="1800" spc="-1" strike="noStrike">
+              <a:latin typeface="Arial"/>
+            </a:endParaRPr>
+          </a:p>
+        </p:txBody>
+      </p:sp>
+      <p:pic>
+        <p:nvPicPr>
+          <p:cNvPr id="245" name="Рисунок 5" descr=""/>
+          <p:cNvPicPr/>
+          <p:nvPr/>
+        </p:nvPicPr>
+        <p:blipFill>
+          <a:blip r:embed="rId1"/>
+          <a:stretch/>
+        </p:blipFill>
+        <p:spPr>
+          <a:xfrm>
+            <a:off x="7404120" y="-7200"/>
+            <a:ext cx="2336040" cy="894600"/>
+          </a:xfrm>
+          <a:prstGeom prst="rect">
+            <a:avLst/>
+          </a:prstGeom>
+          <a:ln>
+            <a:noFill/>
+          </a:ln>
+        </p:spPr>
+      </p:pic>
+      <p:pic>
+        <p:nvPicPr>
+          <p:cNvPr id="246" name="Рисунок 4" descr=""/>
+          <p:cNvPicPr/>
+          <p:nvPr/>
+        </p:nvPicPr>
+        <p:blipFill>
+          <a:blip r:embed="rId2"/>
+          <a:stretch/>
+        </p:blipFill>
+        <p:spPr>
+          <a:xfrm>
+            <a:off x="10312560" y="5337000"/>
+            <a:ext cx="634320" cy="634320"/>
+          </a:xfrm>
+          <a:prstGeom prst="rect">
+            <a:avLst/>
+          </a:prstGeom>
+          <a:ln>
+            <a:noFill/>
+          </a:ln>
+        </p:spPr>
+      </p:pic>
+    </p:spTree>
+  </p:cSld>
+  <p:transition spd="med">
+    <p:fade/>
+  </p:transition>
+  <p:timing>
+    <p:tnLst>
+      <p:par>
+        <p:cTn id="19" dur="indefinite" restart="never" nodeType="tmRoot">
+          <p:childTnLst>
+            <p:seq>
+              <p:cTn id="20" dur="indefinite" nodeType="mainSeq"/>
               <p:prevCondLst>
                 <p:cond delay="0" evt="onPrev">
                   <p:tgtEl>
@@ -10518,14 +10512,14 @@
       </p:grpSpPr>
       <p:sp>
         <p:nvSpPr>
-          <p:cNvPr id="217" name="TextShape 1"/>
-          <p:cNvSpPr txBox="1"/>
+          <p:cNvPr id="211" name="CustomShape 1"/>
+          <p:cNvSpPr/>
           <p:nvPr/>
         </p:nvSpPr>
         <p:spPr>
           <a:xfrm>
             <a:off x="1391400" y="1027800"/>
-            <a:ext cx="9366120" cy="1156320"/>
+            <a:ext cx="9365760" cy="1155960"/>
           </a:xfrm>
           <a:prstGeom prst="rect">
             <a:avLst/>
@@ -10535,8 +10529,14 @@
             <a:noFill/>
           </a:ln>
         </p:spPr>
+        <p:style>
+          <a:lnRef idx="0"/>
+          <a:fillRef idx="0"/>
+          <a:effectRef idx="0"/>
+          <a:fontRef idx="minor"/>
+        </p:style>
         <p:txBody>
-          <a:bodyPr anchor="b">
+          <a:bodyPr lIns="90000" rIns="90000" tIns="45000" bIns="45000" anchor="b">
             <a:normAutofit/>
           </a:bodyPr>
           <a:p>
@@ -10565,24 +10565,21 @@
               <a:t>Проектная работа:</a:t>
             </a:r>
             <a:endParaRPr b="0" lang="ru-RU" sz="4000" spc="-1" strike="noStrike">
-              <a:solidFill>
-                <a:srgbClr val="000000"/>
-              </a:solidFill>
-              <a:latin typeface="Century Gothic"/>
+              <a:latin typeface="Arial"/>
             </a:endParaRPr>
           </a:p>
         </p:txBody>
       </p:sp>
       <p:sp>
         <p:nvSpPr>
-          <p:cNvPr id="218" name="TextShape 2"/>
-          <p:cNvSpPr txBox="1"/>
+          <p:cNvPr id="212" name="CustomShape 2"/>
+          <p:cNvSpPr/>
           <p:nvPr/>
         </p:nvSpPr>
         <p:spPr>
           <a:xfrm>
             <a:off x="1391400" y="2323800"/>
-            <a:ext cx="9390600" cy="3508560"/>
+            <a:ext cx="9390240" cy="3508200"/>
           </a:xfrm>
           <a:prstGeom prst="rect">
             <a:avLst/>
@@ -10592,8 +10589,14 @@
             <a:noFill/>
           </a:ln>
         </p:spPr>
+        <p:style>
+          <a:lnRef idx="0"/>
+          <a:fillRef idx="0"/>
+          <a:effectRef idx="0"/>
+          <a:fontRef idx="minor"/>
+        </p:style>
         <p:txBody>
-          <a:bodyPr>
+          <a:bodyPr lIns="90000" rIns="90000" tIns="45000" bIns="45000">
             <a:normAutofit/>
           </a:bodyPr>
           <a:p>
@@ -10615,10 +10618,7 @@
               <a:t>«Система бронирования/резервирования»</a:t>
             </a:r>
             <a:endParaRPr b="0" lang="ru-RU" sz="3200" spc="-1" strike="noStrike">
-              <a:solidFill>
-                <a:srgbClr val="4e3b30"/>
-              </a:solidFill>
-              <a:latin typeface="Century Gothic"/>
+              <a:latin typeface="Arial"/>
             </a:endParaRPr>
           </a:p>
           <a:p>
@@ -10631,10 +10631,7 @@
               </a:spcBef>
             </a:pPr>
             <a:endParaRPr b="0" lang="ru-RU" sz="3200" spc="-1" strike="noStrike">
-              <a:solidFill>
-                <a:srgbClr val="4e3b30"/>
-              </a:solidFill>
-              <a:latin typeface="Century Gothic"/>
+              <a:latin typeface="Arial"/>
             </a:endParaRPr>
           </a:p>
           <a:p>
@@ -10647,10 +10644,7 @@
               </a:spcBef>
             </a:pPr>
             <a:endParaRPr b="0" lang="ru-RU" sz="3200" spc="-1" strike="noStrike">
-              <a:solidFill>
-                <a:srgbClr val="4e3b30"/>
-              </a:solidFill>
-              <a:latin typeface="Century Gothic"/>
+              <a:latin typeface="Arial"/>
             </a:endParaRPr>
           </a:p>
           <a:p>
@@ -10663,10 +10657,7 @@
               </a:spcBef>
             </a:pPr>
             <a:endParaRPr b="0" lang="ru-RU" sz="3200" spc="-1" strike="noStrike">
-              <a:solidFill>
-                <a:srgbClr val="4e3b30"/>
-              </a:solidFill>
-              <a:latin typeface="Century Gothic"/>
+              <a:latin typeface="Arial"/>
             </a:endParaRPr>
           </a:p>
           <a:p>
@@ -10679,10 +10670,7 @@
               </a:spcBef>
             </a:pPr>
             <a:endParaRPr b="0" lang="ru-RU" sz="3200" spc="-1" strike="noStrike">
-              <a:solidFill>
-                <a:srgbClr val="4e3b30"/>
-              </a:solidFill>
-              <a:latin typeface="Century Gothic"/>
+              <a:latin typeface="Arial"/>
             </a:endParaRPr>
           </a:p>
           <a:p>
@@ -10704,17 +10692,14 @@
               <a:t>Денис Сутягин</a:t>
             </a:r>
             <a:endParaRPr b="0" lang="ru-RU" sz="2400" spc="-1" strike="noStrike">
-              <a:solidFill>
-                <a:srgbClr val="4e3b30"/>
-              </a:solidFill>
-              <a:latin typeface="Century Gothic"/>
+              <a:latin typeface="Arial"/>
             </a:endParaRPr>
           </a:p>
         </p:txBody>
       </p:sp>
       <p:pic>
         <p:nvPicPr>
-          <p:cNvPr id="219" name="Рисунок 5" descr=""/>
+          <p:cNvPr id="213" name="Рисунок 5" descr=""/>
           <p:cNvPicPr/>
           <p:nvPr/>
         </p:nvPicPr>
@@ -10725,7 +10710,7 @@
         <p:spPr>
           <a:xfrm>
             <a:off x="7404120" y="-7200"/>
-            <a:ext cx="2336400" cy="894960"/>
+            <a:ext cx="2336040" cy="894600"/>
           </a:xfrm>
           <a:prstGeom prst="rect">
             <a:avLst/>
@@ -10789,14 +10774,14 @@
       </p:grpSpPr>
       <p:sp>
         <p:nvSpPr>
-          <p:cNvPr id="220" name="TextShape 1"/>
-          <p:cNvSpPr txBox="1"/>
+          <p:cNvPr id="214" name="CustomShape 1"/>
+          <p:cNvSpPr/>
           <p:nvPr/>
         </p:nvSpPr>
         <p:spPr>
           <a:xfrm>
             <a:off x="1391400" y="1027800"/>
-            <a:ext cx="9366120" cy="1156320"/>
+            <a:ext cx="9365760" cy="1155960"/>
           </a:xfrm>
           <a:prstGeom prst="rect">
             <a:avLst/>
@@ -10806,8 +10791,14 @@
             <a:noFill/>
           </a:ln>
         </p:spPr>
+        <p:style>
+          <a:lnRef idx="0"/>
+          <a:fillRef idx="0"/>
+          <a:effectRef idx="0"/>
+          <a:fontRef idx="minor"/>
+        </p:style>
         <p:txBody>
-          <a:bodyPr anchor="b">
+          <a:bodyPr lIns="90000" rIns="90000" tIns="45000" bIns="45000" anchor="b">
             <a:normAutofit/>
           </a:bodyPr>
           <a:p>
@@ -10836,24 +10827,21 @@
               <a:t>Содержание:</a:t>
             </a:r>
             <a:endParaRPr b="0" lang="ru-RU" sz="4000" spc="-1" strike="noStrike">
-              <a:solidFill>
-                <a:srgbClr val="000000"/>
-              </a:solidFill>
-              <a:latin typeface="Century Gothic"/>
+              <a:latin typeface="Arial"/>
             </a:endParaRPr>
           </a:p>
         </p:txBody>
       </p:sp>
       <p:sp>
         <p:nvSpPr>
-          <p:cNvPr id="221" name="TextShape 2"/>
-          <p:cNvSpPr txBox="1"/>
+          <p:cNvPr id="215" name="CustomShape 2"/>
+          <p:cNvSpPr/>
           <p:nvPr/>
         </p:nvSpPr>
         <p:spPr>
           <a:xfrm>
             <a:off x="1391400" y="2323800"/>
-            <a:ext cx="9390600" cy="3508560"/>
+            <a:ext cx="9390240" cy="3508200"/>
           </a:xfrm>
           <a:prstGeom prst="rect">
             <a:avLst/>
@@ -10863,12 +10851,18 @@
             <a:noFill/>
           </a:ln>
         </p:spPr>
+        <p:style>
+          <a:lnRef idx="0"/>
+          <a:fillRef idx="0"/>
+          <a:effectRef idx="0"/>
+          <a:fontRef idx="minor"/>
+        </p:style>
         <p:txBody>
-          <a:bodyPr>
+          <a:bodyPr lIns="90000" rIns="90000" tIns="45000" bIns="45000">
             <a:normAutofit/>
           </a:bodyPr>
           <a:p>
-            <a:pPr marL="343080" indent="-273960">
+            <a:pPr marL="343080" indent="-273600">
               <a:lnSpc>
                 <a:spcPct val="100000"/>
               </a:lnSpc>
@@ -10892,14 +10886,11 @@
               <a:t>Постановка задачи</a:t>
             </a:r>
             <a:endParaRPr b="0" lang="ru-RU" sz="2400" spc="-1" strike="noStrike">
-              <a:solidFill>
-                <a:srgbClr val="4e3b30"/>
-              </a:solidFill>
-              <a:latin typeface="Century Gothic"/>
-            </a:endParaRPr>
-          </a:p>
-          <a:p>
-            <a:pPr marL="343080" indent="-273960">
+              <a:latin typeface="Arial"/>
+            </a:endParaRPr>
+          </a:p>
+          <a:p>
+            <a:pPr marL="343080" indent="-273600">
               <a:lnSpc>
                 <a:spcPct val="100000"/>
               </a:lnSpc>
@@ -10923,14 +10914,11 @@
               <a:t>Архитектура системы</a:t>
             </a:r>
             <a:endParaRPr b="0" lang="ru-RU" sz="2400" spc="-1" strike="noStrike">
-              <a:solidFill>
-                <a:srgbClr val="4e3b30"/>
-              </a:solidFill>
-              <a:latin typeface="Century Gothic"/>
-            </a:endParaRPr>
-          </a:p>
-          <a:p>
-            <a:pPr marL="343080" indent="-273960">
+              <a:latin typeface="Arial"/>
+            </a:endParaRPr>
+          </a:p>
+          <a:p>
+            <a:pPr marL="343080" indent="-273600">
               <a:lnSpc>
                 <a:spcPct val="100000"/>
               </a:lnSpc>
@@ -10954,14 +10942,11 @@
               <a:t>Технологии и средства реализации</a:t>
             </a:r>
             <a:endParaRPr b="0" lang="ru-RU" sz="2400" spc="-1" strike="noStrike">
-              <a:solidFill>
-                <a:srgbClr val="4e3b30"/>
-              </a:solidFill>
-              <a:latin typeface="Century Gothic"/>
-            </a:endParaRPr>
-          </a:p>
-          <a:p>
-            <a:pPr marL="343080" indent="-273960">
+              <a:latin typeface="Arial"/>
+            </a:endParaRPr>
+          </a:p>
+          <a:p>
+            <a:pPr marL="343080" indent="-273600">
               <a:lnSpc>
                 <a:spcPct val="100000"/>
               </a:lnSpc>
@@ -10985,14 +10970,39 @@
               <a:t>Реализованный функционал</a:t>
             </a:r>
             <a:endParaRPr b="0" lang="ru-RU" sz="2400" spc="-1" strike="noStrike">
-              <a:solidFill>
-                <a:srgbClr val="4e3b30"/>
-              </a:solidFill>
-              <a:latin typeface="Century Gothic"/>
-            </a:endParaRPr>
-          </a:p>
-          <a:p>
-            <a:pPr marL="343080" indent="-273960">
+              <a:latin typeface="Arial"/>
+            </a:endParaRPr>
+          </a:p>
+          <a:p>
+            <a:pPr marL="343080" indent="-273600">
+              <a:lnSpc>
+                <a:spcPct val="100000"/>
+              </a:lnSpc>
+              <a:spcBef>
+                <a:spcPts val="479"/>
+              </a:spcBef>
+              <a:buClr>
+                <a:srgbClr val="85540a"/>
+              </a:buClr>
+              <a:buSzPct val="76000"/>
+              <a:buFont typeface="Wingdings 2" charset="2"/>
+              <a:buChar char=""/>
+            </a:pPr>
+            <a:r>
+              <a:rPr b="0" lang="ru-RU" sz="2400" spc="-1" strike="noStrike">
+                <a:solidFill>
+                  <a:srgbClr val="4e3b30"/>
+                </a:solidFill>
+                <a:latin typeface="Century Gothic"/>
+              </a:rPr>
+              <a:t>Демо</a:t>
+            </a:r>
+            <a:endParaRPr b="0" lang="ru-RU" sz="2400" spc="-1" strike="noStrike">
+              <a:latin typeface="Arial"/>
+            </a:endParaRPr>
+          </a:p>
+          <a:p>
+            <a:pPr marL="343080" indent="-273600">
               <a:lnSpc>
                 <a:spcPct val="100000"/>
               </a:lnSpc>
@@ -11016,10 +11026,35 @@
               <a:t>Варианты развития системы</a:t>
             </a:r>
             <a:endParaRPr b="0" lang="ru-RU" sz="2400" spc="-1" strike="noStrike">
-              <a:solidFill>
-                <a:srgbClr val="4e3b30"/>
-              </a:solidFill>
-              <a:latin typeface="Century Gothic"/>
+              <a:latin typeface="Arial"/>
+            </a:endParaRPr>
+          </a:p>
+          <a:p>
+            <a:pPr marL="343080" indent="-273600">
+              <a:lnSpc>
+                <a:spcPct val="100000"/>
+              </a:lnSpc>
+              <a:spcBef>
+                <a:spcPts val="479"/>
+              </a:spcBef>
+              <a:buClr>
+                <a:srgbClr val="85540a"/>
+              </a:buClr>
+              <a:buSzPct val="76000"/>
+              <a:buFont typeface="Wingdings 2" charset="2"/>
+              <a:buChar char=""/>
+            </a:pPr>
+            <a:r>
+              <a:rPr b="0" lang="ru-RU" sz="2400" spc="-1" strike="noStrike">
+                <a:solidFill>
+                  <a:srgbClr val="4e3b30"/>
+                </a:solidFill>
+                <a:latin typeface="Century Gothic"/>
+              </a:rPr>
+              <a:t>Вопросы...</a:t>
+            </a:r>
+            <a:endParaRPr b="0" lang="ru-RU" sz="2400" spc="-1" strike="noStrike">
+              <a:latin typeface="Arial"/>
             </a:endParaRPr>
           </a:p>
           <a:p>
@@ -11032,17 +11067,14 @@
               </a:spcBef>
             </a:pPr>
             <a:endParaRPr b="0" lang="ru-RU" sz="2400" spc="-1" strike="noStrike">
-              <a:solidFill>
-                <a:srgbClr val="4e3b30"/>
-              </a:solidFill>
-              <a:latin typeface="Century Gothic"/>
+              <a:latin typeface="Arial"/>
             </a:endParaRPr>
           </a:p>
         </p:txBody>
       </p:sp>
       <p:pic>
         <p:nvPicPr>
-          <p:cNvPr id="222" name="Рисунок 5" descr=""/>
+          <p:cNvPr id="216" name="Рисунок 5" descr=""/>
           <p:cNvPicPr/>
           <p:nvPr/>
         </p:nvPicPr>
@@ -11053,7 +11085,7 @@
         <p:spPr>
           <a:xfrm>
             <a:off x="7404120" y="-7200"/>
-            <a:ext cx="2336400" cy="894960"/>
+            <a:ext cx="2336040" cy="894600"/>
           </a:xfrm>
           <a:prstGeom prst="rect">
             <a:avLst/>
@@ -11065,7 +11097,7 @@
       </p:pic>
       <p:pic>
         <p:nvPicPr>
-          <p:cNvPr id="223" name="Рисунок 2" descr=""/>
+          <p:cNvPr id="217" name="Рисунок 2" descr=""/>
           <p:cNvPicPr/>
           <p:nvPr/>
         </p:nvPicPr>
@@ -11076,7 +11108,7 @@
         <p:spPr>
           <a:xfrm>
             <a:off x="10553760" y="5654520"/>
-            <a:ext cx="634680" cy="634680"/>
+            <a:ext cx="634320" cy="634320"/>
           </a:xfrm>
           <a:prstGeom prst="rect">
             <a:avLst/>
@@ -11140,14 +11172,14 @@
       </p:grpSpPr>
       <p:sp>
         <p:nvSpPr>
-          <p:cNvPr id="224" name="TextShape 1"/>
-          <p:cNvSpPr txBox="1"/>
+          <p:cNvPr id="218" name="CustomShape 1"/>
+          <p:cNvSpPr/>
           <p:nvPr/>
         </p:nvSpPr>
         <p:spPr>
           <a:xfrm>
-            <a:off x="1391400" y="1027800"/>
-            <a:ext cx="9366120" cy="635760"/>
+            <a:off x="1391400" y="1802880"/>
+            <a:ext cx="9390240" cy="4029120"/>
           </a:xfrm>
           <a:prstGeom prst="rect">
             <a:avLst/>
@@ -11157,8 +11189,109 @@
             <a:noFill/>
           </a:ln>
         </p:spPr>
+        <p:style>
+          <a:lnRef idx="0"/>
+          <a:fillRef idx="0"/>
+          <a:effectRef idx="0"/>
+          <a:fontRef idx="minor"/>
+        </p:style>
+      </p:sp>
+      <p:pic>
+        <p:nvPicPr>
+          <p:cNvPr id="219" name="Рисунок 5" descr=""/>
+          <p:cNvPicPr/>
+          <p:nvPr/>
+        </p:nvPicPr>
+        <p:blipFill>
+          <a:blip r:embed="rId1"/>
+          <a:stretch/>
+        </p:blipFill>
+        <p:spPr>
+          <a:xfrm>
+            <a:off x="7404120" y="-7200"/>
+            <a:ext cx="2336040" cy="894600"/>
+          </a:xfrm>
+          <a:prstGeom prst="rect">
+            <a:avLst/>
+          </a:prstGeom>
+          <a:ln>
+            <a:noFill/>
+          </a:ln>
+        </p:spPr>
+      </p:pic>
+      <p:pic>
+        <p:nvPicPr>
+          <p:cNvPr id="220" name="Рисунок 4" descr=""/>
+          <p:cNvPicPr/>
+          <p:nvPr/>
+        </p:nvPicPr>
+        <p:blipFill>
+          <a:blip r:embed="rId2"/>
+          <a:stretch/>
+        </p:blipFill>
+        <p:spPr>
+          <a:xfrm>
+            <a:off x="10312560" y="5337000"/>
+            <a:ext cx="634320" cy="634320"/>
+          </a:xfrm>
+          <a:prstGeom prst="rect">
+            <a:avLst/>
+          </a:prstGeom>
+          <a:ln>
+            <a:noFill/>
+          </a:ln>
+        </p:spPr>
+      </p:pic>
+      <p:pic>
+        <p:nvPicPr>
+          <p:cNvPr id="221" name="" descr=""/>
+          <p:cNvPicPr/>
+          <p:nvPr/>
+        </p:nvPicPr>
+        <p:blipFill>
+          <a:blip r:embed="rId3"/>
+          <a:stretch/>
+        </p:blipFill>
+        <p:spPr>
+          <a:xfrm>
+            <a:off x="1315080" y="1440000"/>
+            <a:ext cx="8207640" cy="4463640"/>
+          </a:xfrm>
+          <a:prstGeom prst="rect">
+            <a:avLst/>
+          </a:prstGeom>
+          <a:ln>
+            <a:noFill/>
+          </a:ln>
+        </p:spPr>
+      </p:pic>
+      <p:sp>
+        <p:nvSpPr>
+          <p:cNvPr id="222" name="CustomShape 2"/>
+          <p:cNvSpPr/>
+          <p:nvPr/>
+        </p:nvSpPr>
+        <p:spPr>
+          <a:xfrm>
+            <a:off x="1391400" y="1027800"/>
+            <a:ext cx="9365760" cy="483840"/>
+          </a:xfrm>
+          <a:prstGeom prst="rect">
+            <a:avLst/>
+          </a:prstGeom>
+          <a:noFill/>
+          <a:ln>
+            <a:noFill/>
+          </a:ln>
+        </p:spPr>
+        <p:style>
+          <a:lnRef idx="0"/>
+          <a:fillRef idx="0"/>
+          <a:effectRef idx="0"/>
+          <a:fontRef idx="minor"/>
+        </p:style>
         <p:txBody>
-          <a:bodyPr anchor="b">
+          <a:bodyPr lIns="90000" rIns="90000" tIns="45000" bIns="45000" anchor="b">
             <a:normAutofit/>
           </a:bodyPr>
           <a:p>
@@ -11174,348 +11307,14 @@
                 </a:solidFill>
                 <a:latin typeface="Century Gothic"/>
               </a:rPr>
-              <a:t> </a:t>
-            </a:r>
-            <a:br/>
-            <a:r>
-              <a:rPr b="0" lang="ru-RU" sz="4000" spc="-1" strike="noStrike">
-                <a:solidFill>
-                  <a:srgbClr val="85540a"/>
-                </a:solidFill>
-                <a:latin typeface="Century Gothic"/>
-              </a:rPr>
-              <a:t>Выбор темы проекта</a:t>
+              <a:t>Функциональность</a:t>
             </a:r>
             <a:endParaRPr b="0" lang="ru-RU" sz="4000" spc="-1" strike="noStrike">
-              <a:solidFill>
-                <a:srgbClr val="000000"/>
-              </a:solidFill>
-              <a:latin typeface="Century Gothic"/>
+              <a:latin typeface="Arial"/>
             </a:endParaRPr>
           </a:p>
         </p:txBody>
       </p:sp>
-      <p:sp>
-        <p:nvSpPr>
-          <p:cNvPr id="225" name="TextShape 2"/>
-          <p:cNvSpPr txBox="1"/>
-          <p:nvPr/>
-        </p:nvSpPr>
-        <p:spPr>
-          <a:xfrm>
-            <a:off x="1391400" y="1802880"/>
-            <a:ext cx="9390600" cy="4029480"/>
-          </a:xfrm>
-          <a:prstGeom prst="rect">
-            <a:avLst/>
-          </a:prstGeom>
-          <a:noFill/>
-          <a:ln>
-            <a:noFill/>
-          </a:ln>
-        </p:spPr>
-        <p:txBody>
-          <a:bodyPr>
-            <a:normAutofit/>
-          </a:bodyPr>
-          <a:p>
-            <a:pPr marL="68760">
-              <a:lnSpc>
-                <a:spcPct val="100000"/>
-              </a:lnSpc>
-              <a:spcBef>
-                <a:spcPts val="479"/>
-              </a:spcBef>
-            </a:pPr>
-            <a:r>
-              <a:rPr b="0" lang="ru-RU" sz="2400" spc="-1" strike="noStrike">
-                <a:solidFill>
-                  <a:srgbClr val="4e3b30"/>
-                </a:solidFill>
-                <a:latin typeface="Century Gothic"/>
-              </a:rPr>
-              <a:t>1. Клиент-банк </a:t>
-            </a:r>
-            <a:endParaRPr b="0" lang="ru-RU" sz="2400" spc="-1" strike="noStrike">
-              <a:solidFill>
-                <a:srgbClr val="4e3b30"/>
-              </a:solidFill>
-              <a:latin typeface="Century Gothic"/>
-            </a:endParaRPr>
-          </a:p>
-          <a:p>
-            <a:pPr marL="68760">
-              <a:lnSpc>
-                <a:spcPct val="100000"/>
-              </a:lnSpc>
-              <a:spcBef>
-                <a:spcPts val="479"/>
-              </a:spcBef>
-            </a:pPr>
-            <a:r>
-              <a:rPr b="0" lang="ru-RU" sz="2400" spc="-1" strike="noStrike">
-                <a:solidFill>
-                  <a:srgbClr val="4e3b30"/>
-                </a:solidFill>
-                <a:latin typeface="Century Gothic"/>
-              </a:rPr>
-              <a:t>2</a:t>
-            </a:r>
-            <a:r>
-              <a:rPr b="1" lang="ru-RU" sz="2400" spc="-1" strike="noStrike">
-                <a:solidFill>
-                  <a:srgbClr val="4e3b30"/>
-                </a:solidFill>
-                <a:latin typeface="Century Gothic"/>
-              </a:rPr>
-              <a:t>. Система бронирования/резервирования</a:t>
-            </a:r>
-            <a:endParaRPr b="0" lang="ru-RU" sz="2400" spc="-1" strike="noStrike">
-              <a:solidFill>
-                <a:srgbClr val="4e3b30"/>
-              </a:solidFill>
-              <a:latin typeface="Century Gothic"/>
-            </a:endParaRPr>
-          </a:p>
-          <a:p>
-            <a:pPr marL="68760">
-              <a:lnSpc>
-                <a:spcPct val="100000"/>
-              </a:lnSpc>
-              <a:spcBef>
-                <a:spcPts val="479"/>
-              </a:spcBef>
-            </a:pPr>
-            <a:r>
-              <a:rPr b="0" lang="ru-RU" sz="2400" spc="-1" strike="noStrike">
-                <a:solidFill>
-                  <a:srgbClr val="4e3b30"/>
-                </a:solidFill>
-                <a:latin typeface="Century Gothic"/>
-              </a:rPr>
-              <a:t>3. Такси</a:t>
-            </a:r>
-            <a:endParaRPr b="0" lang="ru-RU" sz="2400" spc="-1" strike="noStrike">
-              <a:solidFill>
-                <a:srgbClr val="4e3b30"/>
-              </a:solidFill>
-              <a:latin typeface="Century Gothic"/>
-            </a:endParaRPr>
-          </a:p>
-          <a:p>
-            <a:pPr marL="68760">
-              <a:lnSpc>
-                <a:spcPct val="100000"/>
-              </a:lnSpc>
-              <a:spcBef>
-                <a:spcPts val="479"/>
-              </a:spcBef>
-            </a:pPr>
-            <a:r>
-              <a:rPr b="0" lang="ru-RU" sz="2400" spc="-1" strike="noStrike">
-                <a:solidFill>
-                  <a:srgbClr val="4e3b30"/>
-                </a:solidFill>
-                <a:latin typeface="Century Gothic"/>
-              </a:rPr>
-              <a:t>4. Документооборот</a:t>
-            </a:r>
-            <a:endParaRPr b="0" lang="ru-RU" sz="2400" spc="-1" strike="noStrike">
-              <a:solidFill>
-                <a:srgbClr val="4e3b30"/>
-              </a:solidFill>
-              <a:latin typeface="Century Gothic"/>
-            </a:endParaRPr>
-          </a:p>
-          <a:p>
-            <a:pPr marL="68760">
-              <a:lnSpc>
-                <a:spcPct val="100000"/>
-              </a:lnSpc>
-              <a:spcBef>
-                <a:spcPts val="479"/>
-              </a:spcBef>
-            </a:pPr>
-            <a:r>
-              <a:rPr b="0" lang="ru-RU" sz="2400" spc="-1" strike="noStrike">
-                <a:solidFill>
-                  <a:srgbClr val="4e3b30"/>
-                </a:solidFill>
-                <a:latin typeface="Century Gothic"/>
-              </a:rPr>
-              <a:t>5. Спортивный тотализатор</a:t>
-            </a:r>
-            <a:endParaRPr b="0" lang="ru-RU" sz="2400" spc="-1" strike="noStrike">
-              <a:solidFill>
-                <a:srgbClr val="4e3b30"/>
-              </a:solidFill>
-              <a:latin typeface="Century Gothic"/>
-            </a:endParaRPr>
-          </a:p>
-          <a:p>
-            <a:pPr marL="68760">
-              <a:lnSpc>
-                <a:spcPct val="100000"/>
-              </a:lnSpc>
-              <a:spcBef>
-                <a:spcPts val="479"/>
-              </a:spcBef>
-            </a:pPr>
-            <a:r>
-              <a:rPr b="0" lang="ru-RU" sz="2400" spc="-1" strike="noStrike">
-                <a:solidFill>
-                  <a:srgbClr val="4e3b30"/>
-                </a:solidFill>
-                <a:latin typeface="Century Gothic"/>
-              </a:rPr>
-              <a:t>6. Учет рабочего времени</a:t>
-            </a:r>
-            <a:endParaRPr b="0" lang="ru-RU" sz="2400" spc="-1" strike="noStrike">
-              <a:solidFill>
-                <a:srgbClr val="4e3b30"/>
-              </a:solidFill>
-              <a:latin typeface="Century Gothic"/>
-            </a:endParaRPr>
-          </a:p>
-          <a:p>
-            <a:pPr marL="68760">
-              <a:lnSpc>
-                <a:spcPct val="100000"/>
-              </a:lnSpc>
-              <a:spcBef>
-                <a:spcPts val="479"/>
-              </a:spcBef>
-            </a:pPr>
-            <a:r>
-              <a:rPr b="0" lang="ru-RU" sz="2400" spc="-1" strike="noStrike">
-                <a:solidFill>
-                  <a:srgbClr val="4e3b30"/>
-                </a:solidFill>
-                <a:latin typeface="Century Gothic"/>
-              </a:rPr>
-              <a:t>7. Система тестирования </a:t>
-            </a:r>
-            <a:endParaRPr b="0" lang="ru-RU" sz="2400" spc="-1" strike="noStrike">
-              <a:solidFill>
-                <a:srgbClr val="4e3b30"/>
-              </a:solidFill>
-              <a:latin typeface="Century Gothic"/>
-            </a:endParaRPr>
-          </a:p>
-          <a:p>
-            <a:pPr marL="68760">
-              <a:lnSpc>
-                <a:spcPct val="100000"/>
-              </a:lnSpc>
-              <a:spcBef>
-                <a:spcPts val="479"/>
-              </a:spcBef>
-            </a:pPr>
-            <a:r>
-              <a:rPr b="0" lang="ru-RU" sz="2400" spc="-1" strike="noStrike">
-                <a:solidFill>
-                  <a:srgbClr val="4e3b30"/>
-                </a:solidFill>
-                <a:latin typeface="Century Gothic"/>
-              </a:rPr>
-              <a:t>8. Интернет-магазин</a:t>
-            </a:r>
-            <a:endParaRPr b="0" lang="ru-RU" sz="2400" spc="-1" strike="noStrike">
-              <a:solidFill>
-                <a:srgbClr val="4e3b30"/>
-              </a:solidFill>
-              <a:latin typeface="Century Gothic"/>
-            </a:endParaRPr>
-          </a:p>
-          <a:p>
-            <a:pPr marL="68760">
-              <a:lnSpc>
-                <a:spcPct val="100000"/>
-              </a:lnSpc>
-              <a:spcBef>
-                <a:spcPts val="479"/>
-              </a:spcBef>
-            </a:pPr>
-            <a:r>
-              <a:rPr b="0" lang="ru-RU" sz="2400" spc="-1" strike="noStrike">
-                <a:solidFill>
-                  <a:srgbClr val="4e3b30"/>
-                </a:solidFill>
-                <a:latin typeface="Century Gothic"/>
-              </a:rPr>
-              <a:t>9. Другая тема</a:t>
-            </a:r>
-            <a:endParaRPr b="0" lang="ru-RU" sz="2400" spc="-1" strike="noStrike">
-              <a:solidFill>
-                <a:srgbClr val="4e3b30"/>
-              </a:solidFill>
-              <a:latin typeface="Century Gothic"/>
-            </a:endParaRPr>
-          </a:p>
-          <a:p>
-            <a:pPr marL="68760">
-              <a:lnSpc>
-                <a:spcPct val="100000"/>
-              </a:lnSpc>
-              <a:spcBef>
-                <a:spcPts val="479"/>
-              </a:spcBef>
-            </a:pPr>
-            <a:endParaRPr b="0" lang="ru-RU" sz="2400" spc="-1" strike="noStrike">
-              <a:solidFill>
-                <a:srgbClr val="4e3b30"/>
-              </a:solidFill>
-              <a:latin typeface="Century Gothic"/>
-            </a:endParaRPr>
-          </a:p>
-        </p:txBody>
-      </p:sp>
-      <p:pic>
-        <p:nvPicPr>
-          <p:cNvPr id="226" name="Рисунок 5" descr=""/>
-          <p:cNvPicPr/>
-          <p:nvPr/>
-        </p:nvPicPr>
-        <p:blipFill>
-          <a:blip r:embed="rId1"/>
-          <a:stretch/>
-        </p:blipFill>
-        <p:spPr>
-          <a:xfrm>
-            <a:off x="7404120" y="-7200"/>
-            <a:ext cx="2336400" cy="894960"/>
-          </a:xfrm>
-          <a:prstGeom prst="rect">
-            <a:avLst/>
-          </a:prstGeom>
-          <a:ln>
-            <a:noFill/>
-          </a:ln>
-        </p:spPr>
-      </p:pic>
-      <p:pic>
-        <p:nvPicPr>
-          <p:cNvPr id="227" name="Рисунок 4" descr=""/>
-          <p:cNvPicPr/>
-          <p:nvPr/>
-        </p:nvPicPr>
-        <p:blipFill>
-          <a:blip r:embed="rId2"/>
-          <a:stretch/>
-        </p:blipFill>
-        <p:spPr>
-          <a:xfrm>
-            <a:off x="10312560" y="5337000"/>
-            <a:ext cx="634680" cy="634680"/>
-          </a:xfrm>
-          <a:prstGeom prst="rect">
-            <a:avLst/>
-          </a:prstGeom>
-          <a:ln>
-            <a:noFill/>
-          </a:ln>
-        </p:spPr>
-      </p:pic>
     </p:spTree>
   </p:cSld>
   <p:transition spd="med">
@@ -11570,14 +11369,14 @@
       </p:grpSpPr>
       <p:sp>
         <p:nvSpPr>
-          <p:cNvPr id="228" name="TextShape 1"/>
-          <p:cNvSpPr txBox="1"/>
+          <p:cNvPr id="223" name="CustomShape 1"/>
+          <p:cNvSpPr/>
           <p:nvPr/>
         </p:nvSpPr>
         <p:spPr>
           <a:xfrm>
-            <a:off x="1391400" y="1802880"/>
-            <a:ext cx="9390600" cy="4029480"/>
+            <a:off x="1391400" y="1027800"/>
+            <a:ext cx="9365760" cy="635400"/>
           </a:xfrm>
           <a:prstGeom prst="rect">
             <a:avLst/>
@@ -11587,110 +11386,14 @@
             <a:noFill/>
           </a:ln>
         </p:spPr>
+        <p:style>
+          <a:lnRef idx="0"/>
+          <a:fillRef idx="0"/>
+          <a:effectRef idx="0"/>
+          <a:fontRef idx="minor"/>
+        </p:style>
         <p:txBody>
-          <a:bodyPr>
-            <a:normAutofit/>
-          </a:bodyPr>
-          <a:p>
-            <a:endParaRPr b="0" lang="ru-RU" sz="2400" spc="-1" strike="noStrike">
-              <a:solidFill>
-                <a:srgbClr val="4e3b30"/>
-              </a:solidFill>
-              <a:latin typeface="Century Gothic"/>
-            </a:endParaRPr>
-          </a:p>
-        </p:txBody>
-      </p:sp>
-      <p:pic>
-        <p:nvPicPr>
-          <p:cNvPr id="229" name="Рисунок 5" descr=""/>
-          <p:cNvPicPr/>
-          <p:nvPr/>
-        </p:nvPicPr>
-        <p:blipFill>
-          <a:blip r:embed="rId1"/>
-          <a:stretch/>
-        </p:blipFill>
-        <p:spPr>
-          <a:xfrm>
-            <a:off x="7404120" y="-7200"/>
-            <a:ext cx="2336400" cy="894960"/>
-          </a:xfrm>
-          <a:prstGeom prst="rect">
-            <a:avLst/>
-          </a:prstGeom>
-          <a:ln>
-            <a:noFill/>
-          </a:ln>
-        </p:spPr>
-      </p:pic>
-      <p:pic>
-        <p:nvPicPr>
-          <p:cNvPr id="230" name="Рисунок 4" descr=""/>
-          <p:cNvPicPr/>
-          <p:nvPr/>
-        </p:nvPicPr>
-        <p:blipFill>
-          <a:blip r:embed="rId2"/>
-          <a:stretch/>
-        </p:blipFill>
-        <p:spPr>
-          <a:xfrm>
-            <a:off x="10312560" y="5337000"/>
-            <a:ext cx="634680" cy="634680"/>
-          </a:xfrm>
-          <a:prstGeom prst="rect">
-            <a:avLst/>
-          </a:prstGeom>
-          <a:ln>
-            <a:noFill/>
-          </a:ln>
-        </p:spPr>
-      </p:pic>
-      <p:pic>
-        <p:nvPicPr>
-          <p:cNvPr id="231" name="" descr=""/>
-          <p:cNvPicPr/>
-          <p:nvPr/>
-        </p:nvPicPr>
-        <p:blipFill>
-          <a:blip r:embed="rId3"/>
-          <a:stretch/>
-        </p:blipFill>
-        <p:spPr>
-          <a:xfrm>
-            <a:off x="1315080" y="1440000"/>
-            <a:ext cx="8208000" cy="4464000"/>
-          </a:xfrm>
-          <a:prstGeom prst="rect">
-            <a:avLst/>
-          </a:prstGeom>
-          <a:ln>
-            <a:noFill/>
-          </a:ln>
-        </p:spPr>
-      </p:pic>
-      <p:sp>
-        <p:nvSpPr>
-          <p:cNvPr id="232" name="TextShape 2"/>
-          <p:cNvSpPr txBox="1"/>
-          <p:nvPr/>
-        </p:nvSpPr>
-        <p:spPr>
-          <a:xfrm>
-            <a:off x="1391400" y="1027800"/>
-            <a:ext cx="9366120" cy="484200"/>
-          </a:xfrm>
-          <a:prstGeom prst="rect">
-            <a:avLst/>
-          </a:prstGeom>
-          <a:noFill/>
-          <a:ln>
-            <a:noFill/>
-          </a:ln>
-        </p:spPr>
-        <p:txBody>
-          <a:bodyPr anchor="b">
+          <a:bodyPr lIns="90000" rIns="90000" tIns="45000" bIns="45000" anchor="b">
             <a:normAutofit/>
           </a:bodyPr>
           <a:p>
@@ -11706,17 +11409,93 @@
                 </a:solidFill>
                 <a:latin typeface="Century Gothic"/>
               </a:rPr>
-              <a:t>Функциональность</a:t>
+              <a:t> </a:t>
+            </a:r>
+            <a:br/>
+            <a:r>
+              <a:rPr b="0" lang="ru-RU" sz="4000" spc="-1" strike="noStrike">
+                <a:solidFill>
+                  <a:srgbClr val="85540a"/>
+                </a:solidFill>
+                <a:latin typeface="Century Gothic"/>
+              </a:rPr>
+              <a:t>Архитектура приложения</a:t>
             </a:r>
             <a:endParaRPr b="0" lang="ru-RU" sz="4000" spc="-1" strike="noStrike">
-              <a:solidFill>
-                <a:srgbClr val="000000"/>
-              </a:solidFill>
-              <a:latin typeface="Century Gothic"/>
+              <a:latin typeface="Arial"/>
             </a:endParaRPr>
           </a:p>
         </p:txBody>
       </p:sp>
+      <p:pic>
+        <p:nvPicPr>
+          <p:cNvPr id="224" name="Рисунок 5" descr=""/>
+          <p:cNvPicPr/>
+          <p:nvPr/>
+        </p:nvPicPr>
+        <p:blipFill>
+          <a:blip r:embed="rId1"/>
+          <a:stretch/>
+        </p:blipFill>
+        <p:spPr>
+          <a:xfrm>
+            <a:off x="7404120" y="-7200"/>
+            <a:ext cx="2336040" cy="894600"/>
+          </a:xfrm>
+          <a:prstGeom prst="rect">
+            <a:avLst/>
+          </a:prstGeom>
+          <a:ln>
+            <a:noFill/>
+          </a:ln>
+        </p:spPr>
+      </p:pic>
+      <p:pic>
+        <p:nvPicPr>
+          <p:cNvPr id="225" name="Рисунок 4" descr=""/>
+          <p:cNvPicPr/>
+          <p:nvPr/>
+        </p:nvPicPr>
+        <p:blipFill>
+          <a:blip r:embed="rId2"/>
+          <a:stretch/>
+        </p:blipFill>
+        <p:spPr>
+          <a:xfrm>
+            <a:off x="10312560" y="5337000"/>
+            <a:ext cx="634320" cy="634320"/>
+          </a:xfrm>
+          <a:prstGeom prst="rect">
+            <a:avLst/>
+          </a:prstGeom>
+          <a:ln>
+            <a:noFill/>
+          </a:ln>
+        </p:spPr>
+      </p:pic>
+      <p:pic>
+        <p:nvPicPr>
+          <p:cNvPr id="226" name="" descr=""/>
+          <p:cNvPicPr/>
+          <p:nvPr/>
+        </p:nvPicPr>
+        <p:blipFill>
+          <a:blip r:embed="rId3"/>
+          <a:stretch/>
+        </p:blipFill>
+        <p:spPr>
+          <a:xfrm>
+            <a:off x="725400" y="1798920"/>
+            <a:ext cx="10724760" cy="4105080"/>
+          </a:xfrm>
+          <a:prstGeom prst="rect">
+            <a:avLst/>
+          </a:prstGeom>
+          <a:ln>
+            <a:noFill/>
+          </a:ln>
+        </p:spPr>
+      </p:pic>
     </p:spTree>
   </p:cSld>
   <p:transition spd="med">
@@ -11771,14 +11550,14 @@
       </p:grpSpPr>
       <p:sp>
         <p:nvSpPr>
-          <p:cNvPr id="233" name="TextShape 1"/>
-          <p:cNvSpPr txBox="1"/>
+          <p:cNvPr id="227" name="CustomShape 1"/>
+          <p:cNvSpPr/>
           <p:nvPr/>
         </p:nvSpPr>
         <p:spPr>
           <a:xfrm>
             <a:off x="1391400" y="1027800"/>
-            <a:ext cx="9366120" cy="635760"/>
+            <a:ext cx="9365760" cy="635400"/>
           </a:xfrm>
           <a:prstGeom prst="rect">
             <a:avLst/>
@@ -11788,8 +11567,14 @@
             <a:noFill/>
           </a:ln>
         </p:spPr>
+        <p:style>
+          <a:lnRef idx="0"/>
+          <a:fillRef idx="0"/>
+          <a:effectRef idx="0"/>
+          <a:fontRef idx="minor"/>
+        </p:style>
         <p:txBody>
-          <a:bodyPr anchor="b">
+          <a:bodyPr lIns="90000" rIns="90000" tIns="45000" bIns="45000" anchor="b">
             <a:normAutofit/>
           </a:bodyPr>
           <a:p>
@@ -11815,20 +11600,197 @@
                 </a:solidFill>
                 <a:latin typeface="Century Gothic"/>
               </a:rPr>
-              <a:t>Архитектура приложения</a:t>
+              <a:t>Технологии и средства реализации</a:t>
             </a:r>
             <a:endParaRPr b="0" lang="ru-RU" sz="4000" spc="-1" strike="noStrike">
-              <a:solidFill>
-                <a:srgbClr val="000000"/>
-              </a:solidFill>
-              <a:latin typeface="Century Gothic"/>
+              <a:latin typeface="Arial"/>
+            </a:endParaRPr>
+          </a:p>
+        </p:txBody>
+      </p:sp>
+      <p:sp>
+        <p:nvSpPr>
+          <p:cNvPr id="228" name="CustomShape 2"/>
+          <p:cNvSpPr/>
+          <p:nvPr/>
+        </p:nvSpPr>
+        <p:spPr>
+          <a:xfrm>
+            <a:off x="1391400" y="1802880"/>
+            <a:ext cx="9390240" cy="4029120"/>
+          </a:xfrm>
+          <a:prstGeom prst="rect">
+            <a:avLst/>
+          </a:prstGeom>
+          <a:noFill/>
+          <a:ln>
+            <a:noFill/>
+          </a:ln>
+        </p:spPr>
+        <p:style>
+          <a:lnRef idx="0"/>
+          <a:fillRef idx="0"/>
+          <a:effectRef idx="0"/>
+          <a:fontRef idx="minor"/>
+        </p:style>
+        <p:txBody>
+          <a:bodyPr lIns="90000" rIns="90000" tIns="45000" bIns="45000">
+            <a:normAutofit/>
+          </a:bodyPr>
+          <a:p>
+            <a:pPr marL="68760">
+              <a:lnSpc>
+                <a:spcPct val="100000"/>
+              </a:lnSpc>
+              <a:spcBef>
+                <a:spcPts val="479"/>
+              </a:spcBef>
+            </a:pPr>
+            <a:endParaRPr b="0" lang="ru-RU" sz="1800" spc="-1" strike="noStrike">
+              <a:latin typeface="Arial"/>
+            </a:endParaRPr>
+          </a:p>
+          <a:p>
+            <a:pPr marL="68760">
+              <a:lnSpc>
+                <a:spcPct val="100000"/>
+              </a:lnSpc>
+              <a:spcBef>
+                <a:spcPts val="479"/>
+              </a:spcBef>
+            </a:pPr>
+            <a:endParaRPr b="0" lang="ru-RU" sz="1800" spc="-1" strike="noStrike">
+              <a:latin typeface="Arial"/>
+            </a:endParaRPr>
+          </a:p>
+          <a:p>
+            <a:pPr marL="68760">
+              <a:lnSpc>
+                <a:spcPct val="100000"/>
+              </a:lnSpc>
+              <a:spcBef>
+                <a:spcPts val="479"/>
+              </a:spcBef>
+            </a:pPr>
+            <a:r>
+              <a:rPr b="0" lang="ru-RU" sz="2400" spc="-1" strike="noStrike">
+                <a:solidFill>
+                  <a:srgbClr val="4e3b30"/>
+                </a:solidFill>
+                <a:latin typeface="Century Gothic"/>
+              </a:rPr>
+              <a:t>1. Сервер приложений Glassfish/Payara 5</a:t>
+            </a:r>
+            <a:endParaRPr b="0" lang="ru-RU" sz="2400" spc="-1" strike="noStrike">
+              <a:latin typeface="Arial"/>
+            </a:endParaRPr>
+          </a:p>
+          <a:p>
+            <a:pPr marL="68760">
+              <a:lnSpc>
+                <a:spcPct val="100000"/>
+              </a:lnSpc>
+              <a:spcBef>
+                <a:spcPts val="479"/>
+              </a:spcBef>
+            </a:pPr>
+            <a:r>
+              <a:rPr b="0" lang="ru-RU" sz="2400" spc="-1" strike="noStrike">
+                <a:solidFill>
+                  <a:srgbClr val="4e3b30"/>
+                </a:solidFill>
+                <a:latin typeface="Century Gothic"/>
+              </a:rPr>
+              <a:t>2. DB сервер – PostgreSql 11</a:t>
+            </a:r>
+            <a:endParaRPr b="0" lang="ru-RU" sz="2400" spc="-1" strike="noStrike">
+              <a:latin typeface="Arial"/>
+            </a:endParaRPr>
+          </a:p>
+          <a:p>
+            <a:pPr marL="68760">
+              <a:lnSpc>
+                <a:spcPct val="100000"/>
+              </a:lnSpc>
+              <a:spcBef>
+                <a:spcPts val="479"/>
+              </a:spcBef>
+            </a:pPr>
+            <a:r>
+              <a:rPr b="0" lang="ru-RU" sz="2400" spc="-1" strike="noStrike">
+                <a:solidFill>
+                  <a:srgbClr val="4e3b30"/>
+                </a:solidFill>
+                <a:latin typeface="Century Gothic"/>
+              </a:rPr>
+              <a:t>3. IDE JetBrains IntelliJ Idea</a:t>
+            </a:r>
+            <a:endParaRPr b="0" lang="ru-RU" sz="2400" spc="-1" strike="noStrike">
+              <a:latin typeface="Arial"/>
+            </a:endParaRPr>
+          </a:p>
+          <a:p>
+            <a:pPr marL="68760">
+              <a:lnSpc>
+                <a:spcPct val="100000"/>
+              </a:lnSpc>
+              <a:spcBef>
+                <a:spcPts val="479"/>
+              </a:spcBef>
+            </a:pPr>
+            <a:r>
+              <a:rPr b="0" lang="ru-RU" sz="2400" spc="-1" strike="noStrike">
+                <a:solidFill>
+                  <a:srgbClr val="4e3b30"/>
+                </a:solidFill>
+                <a:latin typeface="Century Gothic"/>
+              </a:rPr>
+              <a:t>4. Frontend – JSF/Primefaces </a:t>
+            </a:r>
+            <a:endParaRPr b="0" lang="ru-RU" sz="2400" spc="-1" strike="noStrike">
+              <a:latin typeface="Arial"/>
+            </a:endParaRPr>
+          </a:p>
+          <a:p>
+            <a:pPr marL="68760">
+              <a:lnSpc>
+                <a:spcPct val="100000"/>
+              </a:lnSpc>
+              <a:spcBef>
+                <a:spcPts val="479"/>
+              </a:spcBef>
+            </a:pPr>
+            <a:r>
+              <a:rPr b="0" lang="ru-RU" sz="2400" spc="-1" strike="noStrike">
+                <a:solidFill>
+                  <a:srgbClr val="4e3b30"/>
+                </a:solidFill>
+                <a:latin typeface="Century Gothic"/>
+              </a:rPr>
+              <a:t>5. Backend – CDI, EJB, Jaas</a:t>
+            </a:r>
+            <a:endParaRPr b="0" lang="ru-RU" sz="2400" spc="-1" strike="noStrike">
+              <a:latin typeface="Arial"/>
+            </a:endParaRPr>
+          </a:p>
+          <a:p>
+            <a:pPr marL="68760">
+              <a:lnSpc>
+                <a:spcPct val="100000"/>
+              </a:lnSpc>
+              <a:spcBef>
+                <a:spcPts val="479"/>
+              </a:spcBef>
+            </a:pPr>
+            <a:endParaRPr b="0" lang="ru-RU" sz="2400" spc="-1" strike="noStrike">
+              <a:latin typeface="Arial"/>
             </a:endParaRPr>
           </a:p>
         </p:txBody>
       </p:sp>
       <p:pic>
         <p:nvPicPr>
-          <p:cNvPr id="234" name="Рисунок 5" descr=""/>
+          <p:cNvPr id="229" name="Рисунок 5" descr=""/>
           <p:cNvPicPr/>
           <p:nvPr/>
         </p:nvPicPr>
@@ -11839,7 +11801,7 @@
         <p:spPr>
           <a:xfrm>
             <a:off x="7404120" y="-7200"/>
-            <a:ext cx="2336400" cy="894960"/>
+            <a:ext cx="2336040" cy="894600"/>
           </a:xfrm>
           <a:prstGeom prst="rect">
             <a:avLst/>
@@ -11851,7 +11813,7 @@
       </p:pic>
       <p:pic>
         <p:nvPicPr>
-          <p:cNvPr id="235" name="Объект 19" descr=""/>
+          <p:cNvPr id="230" name="Рисунок 4" descr=""/>
           <p:cNvPicPr/>
           <p:nvPr/>
         </p:nvPicPr>
@@ -11861,31 +11823,8 @@
         </p:blipFill>
         <p:spPr>
           <a:xfrm>
-            <a:off x="1510200" y="2324160"/>
-            <a:ext cx="9152280" cy="3507840"/>
-          </a:xfrm>
-          <a:prstGeom prst="rect">
-            <a:avLst/>
-          </a:prstGeom>
-          <a:ln>
-            <a:noFill/>
-          </a:ln>
-        </p:spPr>
-      </p:pic>
-      <p:pic>
-        <p:nvPicPr>
-          <p:cNvPr id="236" name="Рисунок 4" descr=""/>
-          <p:cNvPicPr/>
-          <p:nvPr/>
-        </p:nvPicPr>
-        <p:blipFill>
-          <a:blip r:embed="rId3"/>
-          <a:stretch/>
-        </p:blipFill>
-        <p:spPr>
-          <a:xfrm>
             <a:off x="10312560" y="5337000"/>
-            <a:ext cx="634680" cy="634680"/>
+            <a:ext cx="634320" cy="634320"/>
           </a:xfrm>
           <a:prstGeom prst="rect">
             <a:avLst/>
@@ -11949,14 +11888,14 @@
       </p:grpSpPr>
       <p:sp>
         <p:nvSpPr>
-          <p:cNvPr id="237" name="TextShape 1"/>
-          <p:cNvSpPr txBox="1"/>
+          <p:cNvPr id="231" name="CustomShape 1"/>
+          <p:cNvSpPr/>
           <p:nvPr/>
         </p:nvSpPr>
         <p:spPr>
           <a:xfrm>
             <a:off x="1391400" y="1027800"/>
-            <a:ext cx="9366120" cy="635760"/>
+            <a:ext cx="9365760" cy="635400"/>
           </a:xfrm>
           <a:prstGeom prst="rect">
             <a:avLst/>
@@ -11966,8 +11905,14 @@
             <a:noFill/>
           </a:ln>
         </p:spPr>
+        <p:style>
+          <a:lnRef idx="0"/>
+          <a:fillRef idx="0"/>
+          <a:effectRef idx="0"/>
+          <a:fontRef idx="minor"/>
+        </p:style>
         <p:txBody>
-          <a:bodyPr anchor="b">
+          <a:bodyPr lIns="90000" rIns="90000" tIns="45000" bIns="45000" anchor="b">
             <a:normAutofit/>
           </a:bodyPr>
           <a:p>
@@ -11993,27 +11938,24 @@
                 </a:solidFill>
                 <a:latin typeface="Century Gothic"/>
               </a:rPr>
-              <a:t>Технологии и средства реализации</a:t>
+              <a:t>Реализованный функционал</a:t>
             </a:r>
             <a:endParaRPr b="0" lang="ru-RU" sz="4000" spc="-1" strike="noStrike">
-              <a:solidFill>
-                <a:srgbClr val="000000"/>
-              </a:solidFill>
-              <a:latin typeface="Century Gothic"/>
+              <a:latin typeface="Arial"/>
             </a:endParaRPr>
           </a:p>
         </p:txBody>
       </p:sp>
       <p:sp>
         <p:nvSpPr>
-          <p:cNvPr id="238" name="TextShape 2"/>
-          <p:cNvSpPr txBox="1"/>
+          <p:cNvPr id="232" name="CustomShape 2"/>
+          <p:cNvSpPr/>
           <p:nvPr/>
         </p:nvSpPr>
         <p:spPr>
           <a:xfrm>
             <a:off x="1391400" y="1802880"/>
-            <a:ext cx="9390600" cy="4029480"/>
+            <a:ext cx="9390240" cy="4029120"/>
           </a:xfrm>
           <a:prstGeom prst="rect">
             <a:avLst/>
@@ -12023,8 +11965,14 @@
             <a:noFill/>
           </a:ln>
         </p:spPr>
+        <p:style>
+          <a:lnRef idx="0"/>
+          <a:fillRef idx="0"/>
+          <a:effectRef idx="0"/>
+          <a:fontRef idx="minor"/>
+        </p:style>
         <p:txBody>
-          <a:bodyPr>
+          <a:bodyPr lIns="90000" rIns="90000" tIns="45000" bIns="45000">
             <a:normAutofit/>
           </a:bodyPr>
           <a:p>
@@ -12036,27 +11984,8 @@
                 <a:spcPts val="479"/>
               </a:spcBef>
             </a:pPr>
-            <a:endParaRPr b="0" lang="ru-RU" sz="2400" spc="-1" strike="noStrike">
-              <a:solidFill>
-                <a:srgbClr val="4e3b30"/>
-              </a:solidFill>
-              <a:latin typeface="Century Gothic"/>
-            </a:endParaRPr>
-          </a:p>
-          <a:p>
-            <a:pPr marL="68760">
-              <a:lnSpc>
-                <a:spcPct val="100000"/>
-              </a:lnSpc>
-              <a:spcBef>
-                <a:spcPts val="479"/>
-              </a:spcBef>
-            </a:pPr>
-            <a:endParaRPr b="0" lang="ru-RU" sz="2400" spc="-1" strike="noStrike">
-              <a:solidFill>
-                <a:srgbClr val="4e3b30"/>
-              </a:solidFill>
-              <a:latin typeface="Century Gothic"/>
+            <a:endParaRPr b="0" lang="ru-RU" sz="1800" spc="-1" strike="noStrike">
+              <a:latin typeface="Arial"/>
             </a:endParaRPr>
           </a:p>
           <a:p>
@@ -12075,13 +12004,10 @@
                 </a:solidFill>
                 <a:latin typeface="Century Gothic"/>
               </a:rPr>
-              <a:t>1. Сервер приложений Glassfish/Payara 5</a:t>
+              <a:t>1. Заказ клиентом номеров в выбранном отеле</a:t>
             </a:r>
             <a:endParaRPr b="0" lang="ru-RU" sz="2400" spc="-1" strike="noStrike">
-              <a:solidFill>
-                <a:srgbClr val="4e3b30"/>
-              </a:solidFill>
-              <a:latin typeface="Century Gothic"/>
+              <a:latin typeface="Arial"/>
             </a:endParaRPr>
           </a:p>
           <a:p>
@@ -12100,13 +12026,10 @@
                 </a:solidFill>
                 <a:latin typeface="Century Gothic"/>
               </a:rPr>
-              <a:t>2. DB сервер – PostgreSql 11</a:t>
+              <a:t>2. Регистрация, аутентификация/авторизация клиента, менеджера отеля, аутентификация/авторизация менеджера системы</a:t>
             </a:r>
             <a:endParaRPr b="0" lang="ru-RU" sz="2400" spc="-1" strike="noStrike">
-              <a:solidFill>
-                <a:srgbClr val="4e3b30"/>
-              </a:solidFill>
-              <a:latin typeface="Century Gothic"/>
+              <a:latin typeface="Arial"/>
             </a:endParaRPr>
           </a:p>
           <a:p>
@@ -12125,86 +12048,17 @@
                 </a:solidFill>
                 <a:latin typeface="Century Gothic"/>
               </a:rPr>
-              <a:t>3. IDE JetBrains IntelliJ Idea</a:t>
+              <a:t>3. Кейсы по регистрации отеля менеджером отеля, изменению данных отеля менеджером отеля, подтверждению изменений менеджером системы.</a:t>
             </a:r>
             <a:endParaRPr b="0" lang="ru-RU" sz="2400" spc="-1" strike="noStrike">
-              <a:solidFill>
-                <a:srgbClr val="4e3b30"/>
-              </a:solidFill>
-              <a:latin typeface="Century Gothic"/>
-            </a:endParaRPr>
-          </a:p>
-          <a:p>
-            <a:pPr marL="68760">
-              <a:lnSpc>
-                <a:spcPct val="100000"/>
-              </a:lnSpc>
-              <a:spcBef>
-                <a:spcPts val="479"/>
-              </a:spcBef>
-            </a:pPr>
-            <a:r>
-              <a:rPr b="0" lang="ru-RU" sz="2400" spc="-1" strike="noStrike">
-                <a:solidFill>
-                  <a:srgbClr val="4e3b30"/>
-                </a:solidFill>
-                <a:latin typeface="Century Gothic"/>
-              </a:rPr>
-              <a:t>4. Frontend – JSF/Primefaces </a:t>
-            </a:r>
-            <a:endParaRPr b="0" lang="ru-RU" sz="2400" spc="-1" strike="noStrike">
-              <a:solidFill>
-                <a:srgbClr val="4e3b30"/>
-              </a:solidFill>
-              <a:latin typeface="Century Gothic"/>
-            </a:endParaRPr>
-          </a:p>
-          <a:p>
-            <a:pPr marL="68760">
-              <a:lnSpc>
-                <a:spcPct val="100000"/>
-              </a:lnSpc>
-              <a:spcBef>
-                <a:spcPts val="479"/>
-              </a:spcBef>
-            </a:pPr>
-            <a:r>
-              <a:rPr b="0" lang="ru-RU" sz="2400" spc="-1" strike="noStrike">
-                <a:solidFill>
-                  <a:srgbClr val="4e3b30"/>
-                </a:solidFill>
-                <a:latin typeface="Century Gothic"/>
-              </a:rPr>
-              <a:t>5. Backend – CDI, EJB, Jaas</a:t>
-            </a:r>
-            <a:endParaRPr b="0" lang="ru-RU" sz="2400" spc="-1" strike="noStrike">
-              <a:solidFill>
-                <a:srgbClr val="4e3b30"/>
-              </a:solidFill>
-              <a:latin typeface="Century Gothic"/>
-            </a:endParaRPr>
-          </a:p>
-          <a:p>
-            <a:pPr marL="68760">
-              <a:lnSpc>
-                <a:spcPct val="100000"/>
-              </a:lnSpc>
-              <a:spcBef>
-                <a:spcPts val="479"/>
-              </a:spcBef>
-            </a:pPr>
-            <a:endParaRPr b="0" lang="ru-RU" sz="2400" spc="-1" strike="noStrike">
-              <a:solidFill>
-                <a:srgbClr val="4e3b30"/>
-              </a:solidFill>
-              <a:latin typeface="Century Gothic"/>
+              <a:latin typeface="Arial"/>
             </a:endParaRPr>
           </a:p>
         </p:txBody>
       </p:sp>
       <p:pic>
         <p:nvPicPr>
-          <p:cNvPr id="239" name="Рисунок 5" descr=""/>
+          <p:cNvPr id="233" name="Рисунок 5" descr=""/>
           <p:cNvPicPr/>
           <p:nvPr/>
         </p:nvPicPr>
@@ -12215,7 +12069,7 @@
         <p:spPr>
           <a:xfrm>
             <a:off x="7404120" y="-7200"/>
-            <a:ext cx="2336400" cy="894960"/>
+            <a:ext cx="2336040" cy="894600"/>
           </a:xfrm>
           <a:prstGeom prst="rect">
             <a:avLst/>
@@ -12227,7 +12081,7 @@
       </p:pic>
       <p:pic>
         <p:nvPicPr>
-          <p:cNvPr id="240" name="Рисунок 4" descr=""/>
+          <p:cNvPr id="234" name="Рисунок 4" descr=""/>
           <p:cNvPicPr/>
           <p:nvPr/>
         </p:nvPicPr>
@@ -12238,7 +12092,7 @@
         <p:spPr>
           <a:xfrm>
             <a:off x="10312560" y="5337000"/>
-            <a:ext cx="634680" cy="634680"/>
+            <a:ext cx="634320" cy="634320"/>
           </a:xfrm>
           <a:prstGeom prst="rect">
             <a:avLst/>
@@ -12302,14 +12156,14 @@
       </p:grpSpPr>
       <p:sp>
         <p:nvSpPr>
-          <p:cNvPr id="241" name="TextShape 1"/>
-          <p:cNvSpPr txBox="1"/>
+          <p:cNvPr id="235" name="CustomShape 1"/>
+          <p:cNvSpPr/>
           <p:nvPr/>
         </p:nvSpPr>
         <p:spPr>
           <a:xfrm>
             <a:off x="1391400" y="1027800"/>
-            <a:ext cx="9366120" cy="635760"/>
+            <a:ext cx="9365760" cy="3868200"/>
           </a:xfrm>
           <a:prstGeom prst="rect">
             <a:avLst/>
@@ -12319,54 +12173,47 @@
             <a:noFill/>
           </a:ln>
         </p:spPr>
+        <p:style>
+          <a:lnRef idx="0"/>
+          <a:fillRef idx="0"/>
+          <a:effectRef idx="0"/>
+          <a:fontRef idx="minor"/>
+        </p:style>
         <p:txBody>
-          <a:bodyPr anchor="b">
+          <a:bodyPr lIns="90000" rIns="90000" tIns="45000" bIns="45000" anchor="ctr">
             <a:normAutofit/>
           </a:bodyPr>
           <a:p>
-            <a:pPr>
+            <a:pPr algn="ctr">
               <a:lnSpc>
                 <a:spcPct val="100000"/>
               </a:lnSpc>
             </a:pPr>
             <a:r>
-              <a:rPr b="0" lang="ru-RU" sz="4000" spc="-1" strike="noStrike">
+              <a:rPr b="0" lang="ru-RU" sz="4400" spc="-1" strike="noStrike">
                 <a:solidFill>
                   <a:srgbClr val="85540a"/>
                 </a:solidFill>
                 <a:latin typeface="Century Gothic"/>
               </a:rPr>
-              <a:t> </a:t>
+              <a:t>Демо</a:t>
             </a:r>
-            <a:br/>
-            <a:r>
-              <a:rPr b="0" lang="ru-RU" sz="4000" spc="-1" strike="noStrike">
-                <a:solidFill>
-                  <a:srgbClr val="85540a"/>
-                </a:solidFill>
-                <a:latin typeface="Century Gothic"/>
-              </a:rPr>
-              <a:t>Реализованный функционал</a:t>
-            </a:r>
-            <a:endParaRPr b="0" lang="ru-RU" sz="4000" spc="-1" strike="noStrike">
-              <a:solidFill>
-                <a:srgbClr val="000000"/>
-              </a:solidFill>
-              <a:latin typeface="Century Gothic"/>
+            <a:endParaRPr b="0" lang="ru-RU" sz="4400" spc="-1" strike="noStrike">
+              <a:latin typeface="Arial"/>
             </a:endParaRPr>
           </a:p>
         </p:txBody>
       </p:sp>
       <p:sp>
         <p:nvSpPr>
-          <p:cNvPr id="242" name="TextShape 2"/>
-          <p:cNvSpPr txBox="1"/>
+          <p:cNvPr id="236" name="CustomShape 2"/>
+          <p:cNvSpPr/>
           <p:nvPr/>
         </p:nvSpPr>
         <p:spPr>
           <a:xfrm>
             <a:off x="1391400" y="1802880"/>
-            <a:ext cx="9390600" cy="4029480"/>
+            <a:ext cx="9390240" cy="4029120"/>
           </a:xfrm>
           <a:prstGeom prst="rect">
             <a:avLst/>
@@ -12376,8 +12223,14 @@
             <a:noFill/>
           </a:ln>
         </p:spPr>
+        <p:style>
+          <a:lnRef idx="0"/>
+          <a:fillRef idx="0"/>
+          <a:effectRef idx="0"/>
+          <a:fontRef idx="minor"/>
+        </p:style>
         <p:txBody>
-          <a:bodyPr>
+          <a:bodyPr lIns="90000" rIns="90000" tIns="45000" bIns="45000">
             <a:normAutofit/>
           </a:bodyPr>
           <a:p>
@@ -12389,11 +12242,8 @@
                 <a:spcPts val="479"/>
               </a:spcBef>
             </a:pPr>
-            <a:endParaRPr b="0" lang="ru-RU" sz="2400" spc="-1" strike="noStrike">
-              <a:solidFill>
-                <a:srgbClr val="4e3b30"/>
-              </a:solidFill>
-              <a:latin typeface="Century Gothic"/>
+            <a:endParaRPr b="0" lang="ru-RU" sz="1800" spc="-1" strike="noStrike">
+              <a:latin typeface="Arial"/>
             </a:endParaRPr>
           </a:p>
           <a:p>
@@ -12405,77 +12255,15 @@
                 <a:spcPts val="479"/>
               </a:spcBef>
             </a:pPr>
-            <a:r>
-              <a:rPr b="0" lang="ru-RU" sz="2400" spc="-1" strike="noStrike">
-                <a:solidFill>
-                  <a:srgbClr val="4e3b30"/>
-                </a:solidFill>
-                <a:latin typeface="Century Gothic"/>
-              </a:rPr>
-              <a:t>1. Заказ клиентом номеров в выбранном отеле</a:t>
-            </a:r>
-            <a:endParaRPr b="0" lang="ru-RU" sz="2400" spc="-1" strike="noStrike">
-              <a:solidFill>
-                <a:srgbClr val="4e3b30"/>
-              </a:solidFill>
-              <a:latin typeface="Century Gothic"/>
-            </a:endParaRPr>
-          </a:p>
-          <a:p>
-            <a:pPr marL="68760">
-              <a:lnSpc>
-                <a:spcPct val="100000"/>
-              </a:lnSpc>
-              <a:spcBef>
-                <a:spcPts val="479"/>
-              </a:spcBef>
-            </a:pPr>
-            <a:r>
-              <a:rPr b="0" lang="ru-RU" sz="2400" spc="-1" strike="noStrike">
-                <a:solidFill>
-                  <a:srgbClr val="4e3b30"/>
-                </a:solidFill>
-                <a:latin typeface="Century Gothic"/>
-              </a:rPr>
-              <a:t>2. Регистрация, аутентификация/авторизация клиента, менеджера отеля, аутентификация/авторизация менеджера системы</a:t>
-            </a:r>
-            <a:endParaRPr b="0" lang="ru-RU" sz="2400" spc="-1" strike="noStrike">
-              <a:solidFill>
-                <a:srgbClr val="4e3b30"/>
-              </a:solidFill>
-              <a:latin typeface="Century Gothic"/>
-            </a:endParaRPr>
-          </a:p>
-          <a:p>
-            <a:pPr marL="68760">
-              <a:lnSpc>
-                <a:spcPct val="100000"/>
-              </a:lnSpc>
-              <a:spcBef>
-                <a:spcPts val="479"/>
-              </a:spcBef>
-            </a:pPr>
-            <a:r>
-              <a:rPr b="0" lang="ru-RU" sz="2400" spc="-1" strike="noStrike">
-                <a:solidFill>
-                  <a:srgbClr val="4e3b30"/>
-                </a:solidFill>
-                <a:latin typeface="Century Gothic"/>
-              </a:rPr>
-              <a:t>3. Кейсы по регистрации отеля менеджером отеля, изменению данных отеля менеджером отеля, подтверждению изменений менеджером системы.</a:t>
-            </a:r>
-            <a:endParaRPr b="0" lang="ru-RU" sz="2400" spc="-1" strike="noStrike">
-              <a:solidFill>
-                <a:srgbClr val="4e3b30"/>
-              </a:solidFill>
-              <a:latin typeface="Century Gothic"/>
+            <a:endParaRPr b="0" lang="ru-RU" sz="1800" spc="-1" strike="noStrike">
+              <a:latin typeface="Arial"/>
             </a:endParaRPr>
           </a:p>
         </p:txBody>
       </p:sp>
       <p:pic>
         <p:nvPicPr>
-          <p:cNvPr id="243" name="Рисунок 5" descr=""/>
+          <p:cNvPr id="237" name="Рисунок 5" descr=""/>
           <p:cNvPicPr/>
           <p:nvPr/>
         </p:nvPicPr>
@@ -12486,7 +12274,7 @@
         <p:spPr>
           <a:xfrm>
             <a:off x="7404120" y="-7200"/>
-            <a:ext cx="2336400" cy="894960"/>
+            <a:ext cx="2336040" cy="894600"/>
           </a:xfrm>
           <a:prstGeom prst="rect">
             <a:avLst/>
@@ -12498,7 +12286,7 @@
       </p:pic>
       <p:pic>
         <p:nvPicPr>
-          <p:cNvPr id="244" name="Рисунок 4" descr=""/>
+          <p:cNvPr id="238" name="Рисунок 4" descr=""/>
           <p:cNvPicPr/>
           <p:nvPr/>
         </p:nvPicPr>
@@ -12509,7 +12297,7 @@
         <p:spPr>
           <a:xfrm>
             <a:off x="10312560" y="5337000"/>
-            <a:ext cx="634680" cy="634680"/>
+            <a:ext cx="634320" cy="634320"/>
           </a:xfrm>
           <a:prstGeom prst="rect">
             <a:avLst/>
@@ -12573,14 +12361,14 @@
       </p:grpSpPr>
       <p:sp>
         <p:nvSpPr>
-          <p:cNvPr id="245" name="TextShape 1"/>
-          <p:cNvSpPr txBox="1"/>
+          <p:cNvPr id="239" name="CustomShape 1"/>
+          <p:cNvSpPr/>
           <p:nvPr/>
         </p:nvSpPr>
         <p:spPr>
           <a:xfrm>
             <a:off x="1391400" y="1027800"/>
-            <a:ext cx="9366120" cy="635760"/>
+            <a:ext cx="9365760" cy="635400"/>
           </a:xfrm>
           <a:prstGeom prst="rect">
             <a:avLst/>
@@ -12590,8 +12378,14 @@
             <a:noFill/>
           </a:ln>
         </p:spPr>
+        <p:style>
+          <a:lnRef idx="0"/>
+          <a:fillRef idx="0"/>
+          <a:effectRef idx="0"/>
+          <a:fontRef idx="minor"/>
+        </p:style>
         <p:txBody>
-          <a:bodyPr anchor="b">
+          <a:bodyPr lIns="90000" rIns="90000" tIns="45000" bIns="45000" anchor="b">
             <a:normAutofit/>
           </a:bodyPr>
           <a:p>
@@ -12620,24 +12414,21 @@
               <a:t>Развитие системы/нереализованный функционал</a:t>
             </a:r>
             <a:endParaRPr b="0" lang="ru-RU" sz="4000" spc="-1" strike="noStrike">
-              <a:solidFill>
-                <a:srgbClr val="000000"/>
-              </a:solidFill>
-              <a:latin typeface="Century Gothic"/>
+              <a:latin typeface="Arial"/>
             </a:endParaRPr>
           </a:p>
         </p:txBody>
       </p:sp>
       <p:sp>
         <p:nvSpPr>
-          <p:cNvPr id="246" name="TextShape 2"/>
-          <p:cNvSpPr txBox="1"/>
+          <p:cNvPr id="240" name="CustomShape 2"/>
+          <p:cNvSpPr/>
           <p:nvPr/>
         </p:nvSpPr>
         <p:spPr>
           <a:xfrm>
             <a:off x="1391400" y="1802880"/>
-            <a:ext cx="9390600" cy="4029480"/>
+            <a:ext cx="9390240" cy="4029120"/>
           </a:xfrm>
           <a:prstGeom prst="rect">
             <a:avLst/>
@@ -12647,8 +12438,14 @@
             <a:noFill/>
           </a:ln>
         </p:spPr>
+        <p:style>
+          <a:lnRef idx="0"/>
+          <a:fillRef idx="0"/>
+          <a:effectRef idx="0"/>
+          <a:fontRef idx="minor"/>
+        </p:style>
         <p:txBody>
-          <a:bodyPr>
+          <a:bodyPr lIns="90000" rIns="90000" tIns="45000" bIns="45000">
             <a:normAutofit/>
           </a:bodyPr>
           <a:p>
@@ -12660,11 +12457,8 @@
                 <a:spcPts val="479"/>
               </a:spcBef>
             </a:pPr>
-            <a:endParaRPr b="0" lang="ru-RU" sz="2400" spc="-1" strike="noStrike">
-              <a:solidFill>
-                <a:srgbClr val="4e3b30"/>
-              </a:solidFill>
-              <a:latin typeface="Century Gothic"/>
+            <a:endParaRPr b="0" lang="ru-RU" sz="1800" spc="-1" strike="noStrike">
+              <a:latin typeface="Arial"/>
             </a:endParaRPr>
           </a:p>
           <a:p>
@@ -12686,10 +12480,7 @@
               <a:t>1.Рабочее место сотрудника отеля: регистрация сотрудников,</a:t>
             </a:r>
             <a:endParaRPr b="0" lang="ru-RU" sz="2400" spc="-1" strike="noStrike">
-              <a:solidFill>
-                <a:srgbClr val="4e3b30"/>
-              </a:solidFill>
-              <a:latin typeface="Century Gothic"/>
+              <a:latin typeface="Arial"/>
             </a:endParaRPr>
           </a:p>
           <a:p>
@@ -12711,10 +12502,7 @@
               <a:t>2.Бронирование, подтверждение заказа клиента</a:t>
             </a:r>
             <a:endParaRPr b="0" lang="ru-RU" sz="2400" spc="-1" strike="noStrike">
-              <a:solidFill>
-                <a:srgbClr val="4e3b30"/>
-              </a:solidFill>
-              <a:latin typeface="Century Gothic"/>
+              <a:latin typeface="Arial"/>
             </a:endParaRPr>
           </a:p>
           <a:p>
@@ -12736,10 +12524,7 @@
               <a:t>3.Управление ресурсами отеля</a:t>
             </a:r>
             <a:endParaRPr b="0" lang="ru-RU" sz="2400" spc="-1" strike="noStrike">
-              <a:solidFill>
-                <a:srgbClr val="4e3b30"/>
-              </a:solidFill>
-              <a:latin typeface="Century Gothic"/>
+              <a:latin typeface="Arial"/>
             </a:endParaRPr>
           </a:p>
           <a:p>
@@ -12761,10 +12546,7 @@
               <a:t>4.Нотификация клиентов и сотрудников отеля</a:t>
             </a:r>
             <a:endParaRPr b="0" lang="ru-RU" sz="2400" spc="-1" strike="noStrike">
-              <a:solidFill>
-                <a:srgbClr val="4e3b30"/>
-              </a:solidFill>
-              <a:latin typeface="Century Gothic"/>
+              <a:latin typeface="Arial"/>
             </a:endParaRPr>
           </a:p>
           <a:p>
@@ -12786,17 +12568,14 @@
               <a:t>5.Оплата клиентом заказа</a:t>
             </a:r>
             <a:endParaRPr b="0" lang="ru-RU" sz="2400" spc="-1" strike="noStrike">
-              <a:solidFill>
-                <a:srgbClr val="4e3b30"/>
-              </a:solidFill>
-              <a:latin typeface="Century Gothic"/>
+              <a:latin typeface="Arial"/>
             </a:endParaRPr>
           </a:p>
         </p:txBody>
       </p:sp>
       <p:pic>
         <p:nvPicPr>
-          <p:cNvPr id="247" name="Рисунок 5" descr=""/>
+          <p:cNvPr id="241" name="Рисунок 5" descr=""/>
           <p:cNvPicPr/>
           <p:nvPr/>
         </p:nvPicPr>
@@ -12807,7 +12586,7 @@
         <p:spPr>
           <a:xfrm>
             <a:off x="7404120" y="-7200"/>
-            <a:ext cx="2336400" cy="894960"/>
+            <a:ext cx="2336040" cy="894600"/>
           </a:xfrm>
           <a:prstGeom prst="rect">
             <a:avLst/>
@@ -12819,7 +12598,7 @@
       </p:pic>
       <p:pic>
         <p:nvPicPr>
-          <p:cNvPr id="248" name="Рисунок 4" descr=""/>
+          <p:cNvPr id="242" name="Рисунок 4" descr=""/>
           <p:cNvPicPr/>
           <p:nvPr/>
         </p:nvPicPr>
@@ -12830,7 +12609,7 @@
         <p:spPr>
           <a:xfrm>
             <a:off x="10312560" y="5337000"/>
-            <a:ext cx="634680" cy="634680"/>
+            <a:ext cx="634320" cy="634320"/>
           </a:xfrm>
           <a:prstGeom prst="rect">
             <a:avLst/>
